--- a/help/data-sheets/assets/DMeEliteSupportDatasheet_2022.pptx
+++ b/help/data-sheets/assets/DMeEliteSupportDatasheet_2022.pptx
@@ -156,6 +156,45 @@
 
 <file path=ppt/changesInfos/changesInfo1.xml><?xml version="1.0" encoding="utf-8"?>
 <pc:chgInfo xmlns:a="http://schemas.openxmlformats.org/drawingml/2006/main" xmlns:r="http://schemas.openxmlformats.org/officeDocument/2006/relationships" xmlns:ac="http://schemas.microsoft.com/office/drawing/2013/main/command" xmlns:pc="http://schemas.microsoft.com/office/powerpoint/2013/main/command">
+  <pc:docChgLst>
+    <pc:chgData name="David Baker" userId="da2b0875-9916-4d44-89d9-e651631ef4de" providerId="ADAL" clId="{15FC2388-40E0-524B-A732-5DC6014C06C9}"/>
+    <pc:docChg chg="modSld">
+      <pc:chgData name="David Baker" userId="da2b0875-9916-4d44-89d9-e651631ef4de" providerId="ADAL" clId="{15FC2388-40E0-524B-A732-5DC6014C06C9}" dt="2022-03-03T22:33:24.090" v="55" actId="20577"/>
+      <pc:docMkLst>
+        <pc:docMk/>
+      </pc:docMkLst>
+      <pc:sldChg chg="modSp mod">
+        <pc:chgData name="David Baker" userId="da2b0875-9916-4d44-89d9-e651631ef4de" providerId="ADAL" clId="{15FC2388-40E0-524B-A732-5DC6014C06C9}" dt="2022-03-03T22:33:16.092" v="49" actId="20577"/>
+        <pc:sldMkLst>
+          <pc:docMk/>
+          <pc:sldMk cId="0" sldId="256"/>
+        </pc:sldMkLst>
+        <pc:graphicFrameChg chg="modGraphic">
+          <ac:chgData name="David Baker" userId="da2b0875-9916-4d44-89d9-e651631ef4de" providerId="ADAL" clId="{15FC2388-40E0-524B-A732-5DC6014C06C9}" dt="2022-03-03T22:33:16.092" v="49" actId="20577"/>
+          <ac:graphicFrameMkLst>
+            <pc:docMk/>
+            <pc:sldMk cId="0" sldId="256"/>
+            <ac:graphicFrameMk id="13" creationId="{8FC06D05-42C7-D14C-86E4-0F01711669B9}"/>
+          </ac:graphicFrameMkLst>
+        </pc:graphicFrameChg>
+      </pc:sldChg>
+      <pc:sldChg chg="modSp mod">
+        <pc:chgData name="David Baker" userId="da2b0875-9916-4d44-89d9-e651631ef4de" providerId="ADAL" clId="{15FC2388-40E0-524B-A732-5DC6014C06C9}" dt="2022-03-03T22:33:24.090" v="55" actId="20577"/>
+        <pc:sldMkLst>
+          <pc:docMk/>
+          <pc:sldMk cId="3982262141" sldId="262"/>
+        </pc:sldMkLst>
+        <pc:spChg chg="mod">
+          <ac:chgData name="David Baker" userId="da2b0875-9916-4d44-89d9-e651631ef4de" providerId="ADAL" clId="{15FC2388-40E0-524B-A732-5DC6014C06C9}" dt="2022-03-03T22:33:24.090" v="55" actId="20577"/>
+          <ac:spMkLst>
+            <pc:docMk/>
+            <pc:sldMk cId="3982262141" sldId="262"/>
+            <ac:spMk id="63" creationId="{D526F789-D18E-C84B-9754-133D64A670FD}"/>
+          </ac:spMkLst>
+        </pc:spChg>
+      </pc:sldChg>
+    </pc:docChg>
+  </pc:docChgLst>
   <pc:docChgLst>
     <pc:chgData name="Jaclyn Zalesky" userId="9c0b24b4-6ad7-45a7-a9a0-5ba404afed22" providerId="ADAL" clId="{D5ADAA79-0557-4642-B5FA-AC79C44AE176}"/>
     <pc:docChg chg="undo custSel modSld">
@@ -427,14 +466,14 @@
     </pc:docChg>
   </pc:docChgLst>
   <pc:docChgLst>
-    <pc:chgData name="David Baker" userId="S::davbaker@adobe.com::da2b0875-9916-4d44-89d9-e651631ef4de" providerId="AD" clId="Web-{F5354F4D-DB15-A8BC-D7BD-1244B840E560}"/>
-    <pc:docChg chg="mod">
-      <pc:chgData name="David Baker" userId="S::davbaker@adobe.com::da2b0875-9916-4d44-89d9-e651631ef4de" providerId="AD" clId="Web-{F5354F4D-DB15-A8BC-D7BD-1244B840E560}" dt="2022-02-09T19:20:34.744" v="1"/>
+    <pc:chgData name="Jaclyn Zalesky" userId="S::zalesky@adobe.com::9c0b24b4-6ad7-45a7-a9a0-5ba404afed22" providerId="AD" clId="Web-{C425CE26-59BB-E42C-68AA-84C16DB67B9F}"/>
+    <pc:docChg chg="">
+      <pc:chgData name="Jaclyn Zalesky" userId="S::zalesky@adobe.com::9c0b24b4-6ad7-45a7-a9a0-5ba404afed22" providerId="AD" clId="Web-{C425CE26-59BB-E42C-68AA-84C16DB67B9F}" dt="2022-03-01T18:32:49.142" v="0"/>
       <pc:docMkLst>
         <pc:docMk/>
       </pc:docMkLst>
-      <pc:sldChg chg="addCm">
-        <pc:chgData name="David Baker" userId="S::davbaker@adobe.com::da2b0875-9916-4d44-89d9-e651631ef4de" providerId="AD" clId="Web-{F5354F4D-DB15-A8BC-D7BD-1244B840E560}" dt="2022-02-09T19:20:34.744" v="1"/>
+      <pc:sldChg chg="delCm">
+        <pc:chgData name="Jaclyn Zalesky" userId="S::zalesky@adobe.com::9c0b24b4-6ad7-45a7-a9a0-5ba404afed22" providerId="AD" clId="Web-{C425CE26-59BB-E42C-68AA-84C16DB67B9F}" dt="2022-03-01T18:32:49.142" v="0"/>
         <pc:sldMkLst>
           <pc:docMk/>
           <pc:sldMk cId="1050037809" sldId="261"/>
@@ -467,53 +506,14 @@
     </pc:docChg>
   </pc:docChgLst>
   <pc:docChgLst>
-    <pc:chgData name="David Baker" userId="da2b0875-9916-4d44-89d9-e651631ef4de" providerId="ADAL" clId="{15FC2388-40E0-524B-A732-5DC6014C06C9}"/>
-    <pc:docChg chg="modSld">
-      <pc:chgData name="David Baker" userId="da2b0875-9916-4d44-89d9-e651631ef4de" providerId="ADAL" clId="{15FC2388-40E0-524B-A732-5DC6014C06C9}" dt="2022-03-03T22:33:24.090" v="55" actId="20577"/>
+    <pc:chgData name="David Baker" userId="S::davbaker@adobe.com::da2b0875-9916-4d44-89d9-e651631ef4de" providerId="AD" clId="Web-{F5354F4D-DB15-A8BC-D7BD-1244B840E560}"/>
+    <pc:docChg chg="mod">
+      <pc:chgData name="David Baker" userId="S::davbaker@adobe.com::da2b0875-9916-4d44-89d9-e651631ef4de" providerId="AD" clId="Web-{F5354F4D-DB15-A8BC-D7BD-1244B840E560}" dt="2022-02-09T19:20:34.744" v="1"/>
       <pc:docMkLst>
         <pc:docMk/>
       </pc:docMkLst>
-      <pc:sldChg chg="modSp mod">
-        <pc:chgData name="David Baker" userId="da2b0875-9916-4d44-89d9-e651631ef4de" providerId="ADAL" clId="{15FC2388-40E0-524B-A732-5DC6014C06C9}" dt="2022-03-03T22:33:16.092" v="49" actId="20577"/>
-        <pc:sldMkLst>
-          <pc:docMk/>
-          <pc:sldMk cId="0" sldId="256"/>
-        </pc:sldMkLst>
-        <pc:graphicFrameChg chg="modGraphic">
-          <ac:chgData name="David Baker" userId="da2b0875-9916-4d44-89d9-e651631ef4de" providerId="ADAL" clId="{15FC2388-40E0-524B-A732-5DC6014C06C9}" dt="2022-03-03T22:33:16.092" v="49" actId="20577"/>
-          <ac:graphicFrameMkLst>
-            <pc:docMk/>
-            <pc:sldMk cId="0" sldId="256"/>
-            <ac:graphicFrameMk id="13" creationId="{8FC06D05-42C7-D14C-86E4-0F01711669B9}"/>
-          </ac:graphicFrameMkLst>
-        </pc:graphicFrameChg>
-      </pc:sldChg>
-      <pc:sldChg chg="modSp mod">
-        <pc:chgData name="David Baker" userId="da2b0875-9916-4d44-89d9-e651631ef4de" providerId="ADAL" clId="{15FC2388-40E0-524B-A732-5DC6014C06C9}" dt="2022-03-03T22:33:24.090" v="55" actId="20577"/>
-        <pc:sldMkLst>
-          <pc:docMk/>
-          <pc:sldMk cId="3982262141" sldId="262"/>
-        </pc:sldMkLst>
-        <pc:spChg chg="mod">
-          <ac:chgData name="David Baker" userId="da2b0875-9916-4d44-89d9-e651631ef4de" providerId="ADAL" clId="{15FC2388-40E0-524B-A732-5DC6014C06C9}" dt="2022-03-03T22:33:24.090" v="55" actId="20577"/>
-          <ac:spMkLst>
-            <pc:docMk/>
-            <pc:sldMk cId="3982262141" sldId="262"/>
-            <ac:spMk id="63" creationId="{D526F789-D18E-C84B-9754-133D64A670FD}"/>
-          </ac:spMkLst>
-        </pc:spChg>
-      </pc:sldChg>
-    </pc:docChg>
-  </pc:docChgLst>
-  <pc:docChgLst>
-    <pc:chgData name="Jaclyn Zalesky" userId="S::zalesky@adobe.com::9c0b24b4-6ad7-45a7-a9a0-5ba404afed22" providerId="AD" clId="Web-{C425CE26-59BB-E42C-68AA-84C16DB67B9F}"/>
-    <pc:docChg chg="">
-      <pc:chgData name="Jaclyn Zalesky" userId="S::zalesky@adobe.com::9c0b24b4-6ad7-45a7-a9a0-5ba404afed22" providerId="AD" clId="Web-{C425CE26-59BB-E42C-68AA-84C16DB67B9F}" dt="2022-03-01T18:32:49.142" v="0"/>
-      <pc:docMkLst>
-        <pc:docMk/>
-      </pc:docMkLst>
-      <pc:sldChg chg="delCm">
-        <pc:chgData name="Jaclyn Zalesky" userId="S::zalesky@adobe.com::9c0b24b4-6ad7-45a7-a9a0-5ba404afed22" providerId="AD" clId="Web-{C425CE26-59BB-E42C-68AA-84C16DB67B9F}" dt="2022-03-01T18:32:49.142" v="0"/>
+      <pc:sldChg chg="addCm">
+        <pc:chgData name="David Baker" userId="S::davbaker@adobe.com::da2b0875-9916-4d44-89d9-e651631ef4de" providerId="AD" clId="Web-{F5354F4D-DB15-A8BC-D7BD-1244B840E560}" dt="2022-02-09T19:20:34.744" v="1"/>
         <pc:sldMkLst>
           <pc:docMk/>
           <pc:sldMk cId="1050037809" sldId="261"/>
@@ -606,7 +606,7 @@
           <a:p>
             <a:fld id="{C12E57D6-2086-AA47-A7A4-C0CDE7C14E44}" type="datetimeFigureOut">
               <a:rPr lang="en-US" smtClean="0"/>
-              <a:t>3/3/22</a:t>
+              <a:t>3/24/22</a:t>
             </a:fld>
             <a:endParaRPr lang="en-US"/>
           </a:p>
@@ -1264,7 +1264,7 @@
           <a:p>
             <a:fld id="{1D8BD707-D9CF-40AE-B4C6-C98DA3205C09}" type="datetimeFigureOut">
               <a:rPr lang="en-US"/>
-              <a:t>3/3/22</a:t>
+              <a:t>3/24/22</a:t>
             </a:fld>
             <a:endParaRPr lang="en-US"/>
           </a:p>
@@ -1509,7 +1509,7 @@
           <a:p>
             <a:fld id="{1D8BD707-D9CF-40AE-B4C6-C98DA3205C09}" type="datetimeFigureOut">
               <a:rPr lang="en-US"/>
-              <a:t>3/3/22</a:t>
+              <a:t>3/24/22</a:t>
             </a:fld>
             <a:endParaRPr lang="en-US"/>
           </a:p>
@@ -1767,7 +1767,7 @@
           <a:p>
             <a:fld id="{1D8BD707-D9CF-40AE-B4C6-C98DA3205C09}" type="datetimeFigureOut">
               <a:rPr lang="en-US"/>
-              <a:t>3/3/22</a:t>
+              <a:t>3/24/22</a:t>
             </a:fld>
             <a:endParaRPr lang="en-US"/>
           </a:p>
@@ -1959,7 +1959,7 @@
           <a:p>
             <a:fld id="{1D8BD707-D9CF-40AE-B4C6-C98DA3205C09}" type="datetimeFigureOut">
               <a:rPr lang="en-US"/>
-              <a:t>3/3/22</a:t>
+              <a:t>3/24/22</a:t>
             </a:fld>
             <a:endParaRPr lang="en-US"/>
           </a:p>
@@ -2122,7 +2122,7 @@
           <a:p>
             <a:fld id="{1D8BD707-D9CF-40AE-B4C6-C98DA3205C09}" type="datetimeFigureOut">
               <a:rPr lang="en-US"/>
-              <a:t>3/3/22</a:t>
+              <a:t>3/24/22</a:t>
             </a:fld>
             <a:endParaRPr lang="en-US"/>
           </a:p>
@@ -2385,7 +2385,7 @@
           <a:p>
             <a:fld id="{1D8BD707-D9CF-40AE-B4C6-C98DA3205C09}" type="datetimeFigureOut">
               <a:rPr lang="en-US"/>
-              <a:t>3/3/22</a:t>
+              <a:t>3/24/22</a:t>
             </a:fld>
             <a:endParaRPr lang="en-US"/>
           </a:p>
@@ -2682,16 +2682,10 @@
               </a:spcBef>
             </a:pPr>
             <a:r>
-              <a:rPr sz="2300" dirty="0">
+              <a:rPr lang="ja-jp" sz="2300" dirty="0">
                 <a:latin typeface="Adobe Clean" panose="020B0503020404020204" pitchFamily="34" charset="0"/>
               </a:rPr>
-              <a:t>ADOBE SUPPORT</a:t>
-            </a:r>
-            <a:r>
-              <a:rPr lang="en-US" sz="2300" dirty="0">
-                <a:latin typeface="Adobe Clean" panose="020B0503020404020204" pitchFamily="34" charset="0"/>
-              </a:rPr>
-              <a:t> PLANS</a:t>
+              <a:t>ADOBE 지원 플랜</a:t>
             </a:r>
             <a:endParaRPr sz="2300" dirty="0">
               <a:latin typeface="Adobe Clean" panose="020B0503020404020204" pitchFamily="34" charset="0"/>
@@ -2729,17 +2723,17 @@
               </a:spcBef>
             </a:pPr>
             <a:r>
-              <a:rPr lang="en-US" sz="1100" spc="-5" dirty="0">
+              <a:rPr lang="ja-jp" sz="1100" spc="-5" dirty="0">
                 <a:solidFill>
                   <a:srgbClr val="FFFFFF"/>
                 </a:solidFill>
                 <a:latin typeface="AdobeClean-Light"/>
                 <a:cs typeface="AdobeClean-Light"/>
               </a:rPr>
-              <a:t>Standard</a:t>
-            </a:r>
-            <a:r>
-              <a:rPr sz="1100" dirty="0">
+              <a:t>표준</a:t>
+            </a:r>
+            <a:r>
+              <a:rPr lang="ja-jp" sz="1100" dirty="0">
                 <a:solidFill>
                   <a:srgbClr val="FFFFFF"/>
                 </a:solidFill>
@@ -2749,7 +2743,7 @@
               <a:t> |</a:t>
             </a:r>
             <a:r>
-              <a:rPr sz="1100" spc="5" dirty="0">
+              <a:rPr lang="ja-jp" sz="1100" spc="5" dirty="0">
                 <a:solidFill>
                   <a:srgbClr val="FFFFFF"/>
                 </a:solidFill>
@@ -2759,17 +2753,17 @@
               <a:t> </a:t>
             </a:r>
             <a:r>
-              <a:rPr sz="1100" spc="-5" dirty="0">
+              <a:rPr lang="ja-jp" sz="1100" spc="-5" dirty="0">
                 <a:solidFill>
                   <a:srgbClr val="FFFFFF"/>
                 </a:solidFill>
                 <a:latin typeface="AdobeClean-Light"/>
                 <a:cs typeface="AdobeClean-Light"/>
               </a:rPr>
-              <a:t>Business</a:t>
-            </a:r>
-            <a:r>
-              <a:rPr sz="1100" dirty="0">
+              <a:t>비즈니스</a:t>
+            </a:r>
+            <a:r>
+              <a:rPr lang="ja-jp" sz="1100" dirty="0">
                 <a:solidFill>
                   <a:srgbClr val="FFFFFF"/>
                 </a:solidFill>
@@ -2779,7 +2773,7 @@
               <a:t> |</a:t>
             </a:r>
             <a:r>
-              <a:rPr sz="1100" spc="10" dirty="0">
+              <a:rPr lang="ja-jp" sz="1100" spc="10" dirty="0">
                 <a:solidFill>
                   <a:srgbClr val="FFFFFF"/>
                 </a:solidFill>
@@ -2789,17 +2783,17 @@
               <a:t> </a:t>
             </a:r>
             <a:r>
-              <a:rPr sz="1100" spc="-5" dirty="0">
+              <a:rPr lang="ja-jp" sz="1100" spc="-5" dirty="0">
                 <a:solidFill>
                   <a:srgbClr val="FFFFFF"/>
                 </a:solidFill>
                 <a:latin typeface="AdobeClean-Light"/>
                 <a:cs typeface="AdobeClean-Light"/>
               </a:rPr>
-              <a:t>Enterprise</a:t>
-            </a:r>
-            <a:r>
-              <a:rPr sz="1100" spc="10" dirty="0">
+              <a:t>엔터프라이즈</a:t>
+            </a:r>
+            <a:r>
+              <a:rPr lang="ja-jp" sz="1100" spc="10" dirty="0">
                 <a:solidFill>
                   <a:srgbClr val="FFFFFF"/>
                 </a:solidFill>
@@ -2809,7 +2803,7 @@
               <a:t> </a:t>
             </a:r>
             <a:r>
-              <a:rPr sz="1100" dirty="0">
+              <a:rPr lang="ja-jp" sz="1100" dirty="0">
                 <a:solidFill>
                   <a:srgbClr val="FFFFFF"/>
                 </a:solidFill>
@@ -2819,7 +2813,7 @@
               <a:t>|</a:t>
             </a:r>
             <a:r>
-              <a:rPr sz="1100" spc="5" dirty="0">
+              <a:rPr lang="ja-jp" sz="1100" spc="5" dirty="0">
                 <a:solidFill>
                   <a:srgbClr val="FFFFFF"/>
                 </a:solidFill>
@@ -2829,14 +2823,14 @@
               <a:t> </a:t>
             </a:r>
             <a:r>
-              <a:rPr sz="1100" b="1" spc="-65" dirty="0">
+              <a:rPr lang="ja-jp" sz="1100" b="1" spc="-65" dirty="0">
                 <a:solidFill>
                   <a:srgbClr val="FFFFFF"/>
                 </a:solidFill>
                 <a:latin typeface="Arial"/>
                 <a:cs typeface="Arial"/>
               </a:rPr>
-              <a:t>Elite</a:t>
+              <a:t>엘리트</a:t>
             </a:r>
             <a:endParaRPr sz="1100" dirty="0">
               <a:latin typeface="Arial"/>
@@ -2850,31 +2844,31 @@
               </a:spcBef>
             </a:pPr>
             <a:r>
-              <a:rPr lang="en-US" sz="900" dirty="0">
+              <a:rPr lang="ja-jp" sz="900" dirty="0">
                 <a:solidFill>
                   <a:schemeClr val="bg1"/>
                 </a:solidFill>
                 <a:latin typeface="Adobe Clean SemiLight" panose="020B0403020404020204" pitchFamily="34" charset="0"/>
               </a:rPr>
-              <a:t>Adobe provides a comprehensive range of technical resources to help support your business included as part of your Adobe enterprise </a:t>
-            </a:r>
-            <a:r>
-              <a:rPr lang="en-US" sz="900" dirty="0">
+              <a:t>Adobe는 Adobe 엔터프라이즈 구독의 일부로 포함된 비즈니스를 지원하는 데 도움이 되는 포괄적인 기술 리소스를 </a:t>
+            </a:r>
+            <a:r>
+              <a:rPr lang="ja-jp" sz="900" dirty="0">
                 <a:solidFill>
                   <a:schemeClr val="bg1"/>
                 </a:solidFill>
                 <a:latin typeface="Adobe Clean SemiLight"/>
               </a:rPr>
-              <a:t>subscription. This is enhanced with the ELITE Support Plan</a:t>
-            </a:r>
-            <a:r>
-              <a:rPr lang="en-US" sz="900" dirty="0">
+              <a:t>제공합니다.엘리트 지원 플랜으로 향상되었습니다.</a:t>
+            </a:r>
+            <a:r>
+              <a:rPr lang="ja-jp" sz="900" dirty="0">
                 <a:solidFill>
                   <a:schemeClr val="bg1"/>
                 </a:solidFill>
                 <a:latin typeface="Adobe Clean SemiLight" panose="020B0403020404020204" pitchFamily="34" charset="0"/>
               </a:rPr>
-              <a:t>. ELITE customers have access to a Named Support Engineer as well as a Technical Account Manager who work in partnership with you to provide best in class proactive and reactive support while acting as your designated technical contacts within the Adobe Support Team. With deep experience in your applicable Creative Cloud and Document Cloud solutions, your Support Team works to ensure that no matter how complex your support needs are, the Adobe Support Team will be there side by side with you throughout, to ensure you maximize your investment in applicable Adobe solutions and to help you avoid problems before they happen. You can also take advantage of our detailed and in-depth technical product documentation and current release notes. </a:t>
+              <a:t>엘리트 고객은 Adobe 지원 팀 내에서 지정 기술 담당자 역할을 하는 동시에 최고 수준의 사전 대응 및 사후 지원을 제공하기 위해 고객과 협력하는 기술 계정 관리자 및 지정 지원 엔지니어의 서비스를 이용할 수 있습니다.지정된 Creative Cloud 및 Document Cloud 솔루션에 대한 풍부한 경험을 바탕으로, 지원 요구 사항이 아무리 복잡하더라도 Adobe 지원 팀은 처음부터 끝까지 고객과 함께하며 지정된 Adobe 솔루션에 대한 투자를 극대화하고 문제가 발생하기 전에 예방하기 위해 노력합니다.또한 상세한 심층적 기술 제품 설명서 및 최신 릴리스 정보를 활용할 수도 있습니다.</a:t>
             </a:r>
             <a:endParaRPr sz="900" dirty="0">
               <a:solidFill>
@@ -2916,7 +2910,7 @@
               </a:spcBef>
             </a:pPr>
             <a:r>
-              <a:rPr sz="1400" b="1" u="heavy" spc="20">
+              <a:rPr lang="ja-jp" sz="1400" b="1" u="heavy" spc="20">
                 <a:solidFill>
                   <a:srgbClr val="020302"/>
                 </a:solidFill>
@@ -2928,10 +2922,10 @@
                 <a:latin typeface="Adobe Clean"/>
                 <a:cs typeface="Adobe Clean"/>
               </a:rPr>
-              <a:t>S</a:t>
-            </a:r>
-            <a:r>
-              <a:rPr sz="1400" b="1" u="heavy">
+              <a:t>서비스 </a:t>
+            </a:r>
+            <a:r>
+              <a:rPr lang="ja-jp" sz="1400" b="1" u="heavy" spc="-20">
                 <a:solidFill>
                   <a:srgbClr val="020302"/>
                 </a:solidFill>
@@ -2943,10 +2937,10 @@
                 <a:latin typeface="Adobe Clean"/>
                 <a:cs typeface="Adobe Clean"/>
               </a:rPr>
-              <a:t>er</a:t>
-            </a:r>
-            <a:r>
-              <a:rPr sz="1400" b="1" u="heavy" spc="10">
+              <a:t>수준</a:t>
+            </a:r>
+            <a:r>
+              <a:rPr lang="ja-jp" sz="1400" b="1" u="heavy" spc="-10">
                 <a:solidFill>
                   <a:srgbClr val="020302"/>
                 </a:solidFill>
@@ -2958,10 +2952,10 @@
                 <a:latin typeface="Adobe Clean"/>
                 <a:cs typeface="Adobe Clean"/>
               </a:rPr>
-              <a:t>vi</a:t>
-            </a:r>
-            <a:r>
-              <a:rPr sz="1400" b="1" u="heavy">
+              <a:t> </a:t>
+            </a:r>
+            <a:r>
+              <a:rPr lang="ja-jp" sz="1400" b="1" u="heavy" spc="-65">
                 <a:solidFill>
                   <a:srgbClr val="020302"/>
                 </a:solidFill>
@@ -2973,10 +2967,10 @@
                 <a:latin typeface="Adobe Clean"/>
                 <a:cs typeface="Adobe Clean"/>
               </a:rPr>
-              <a:t>ce</a:t>
-            </a:r>
-            <a:r>
-              <a:rPr sz="1400" b="1" u="heavy" spc="20">
+              <a:t>목표</a:t>
+            </a:r>
+            <a:r>
+              <a:rPr lang="ja-jp" sz="1400" b="1" u="heavy">
                 <a:solidFill>
                   <a:srgbClr val="020302"/>
                 </a:solidFill>
@@ -2988,10 +2982,10 @@
                 <a:latin typeface="Adobe Clean"/>
                 <a:cs typeface="Adobe Clean"/>
               </a:rPr>
-              <a:t> </a:t>
-            </a:r>
-            <a:r>
-              <a:rPr sz="1400" b="1" u="heavy" spc="-20">
+              <a:t>:</a:t>
+            </a:r>
+            <a:r>
+              <a:rPr lang="ja-jp" sz="1400" b="1" u="heavy" spc="-80">
                 <a:solidFill>
                   <a:srgbClr val="020302"/>
                 </a:solidFill>
@@ -3003,10 +2997,10 @@
                 <a:latin typeface="Adobe Clean"/>
                 <a:cs typeface="Adobe Clean"/>
               </a:rPr>
-              <a:t>Le</a:t>
-            </a:r>
-            <a:r>
-              <a:rPr sz="1400" b="1" u="heavy" spc="-10">
+              <a:t> </a:t>
+            </a:r>
+            <a:r>
+              <a:rPr lang="ja-jp" sz="1400" b="1" u="heavy" spc="-20">
                 <a:solidFill>
                   <a:srgbClr val="020302"/>
                 </a:solidFill>
@@ -3018,10 +3012,10 @@
                 <a:latin typeface="Adobe Clean"/>
                 <a:cs typeface="Adobe Clean"/>
               </a:rPr>
-              <a:t>v</a:t>
-            </a:r>
-            <a:r>
-              <a:rPr sz="1400" b="1" u="heavy" spc="-20">
+              <a:t>초기</a:t>
+            </a:r>
+            <a:r>
+              <a:rPr lang="ja-jp" sz="1400" b="1" u="heavy" spc="-140">
                 <a:solidFill>
                   <a:srgbClr val="020302"/>
                 </a:solidFill>
@@ -3033,10 +3027,10 @@
                 <a:latin typeface="Adobe Clean"/>
                 <a:cs typeface="Adobe Clean"/>
               </a:rPr>
-              <a:t>e</a:t>
-            </a:r>
-            <a:r>
-              <a:rPr sz="1400" b="1" u="heavy">
+              <a:t> </a:t>
+            </a:r>
+            <a:r>
+              <a:rPr lang="ja-jp" sz="1400" b="1" u="heavy" spc="-15">
                 <a:solidFill>
                   <a:srgbClr val="020302"/>
                 </a:solidFill>
@@ -3048,322 +3042,7 @@
                 <a:latin typeface="Adobe Clean"/>
                 <a:cs typeface="Adobe Clean"/>
               </a:rPr>
-              <a:t>l</a:t>
-            </a:r>
-            <a:r>
-              <a:rPr sz="1400" b="1" u="heavy" spc="-10">
-                <a:solidFill>
-                  <a:srgbClr val="020302"/>
-                </a:solidFill>
-                <a:uFill>
-                  <a:solidFill>
-                    <a:srgbClr val="020302"/>
-                  </a:solidFill>
-                </a:uFill>
-                <a:latin typeface="Adobe Clean"/>
-                <a:cs typeface="Adobe Clean"/>
-              </a:rPr>
-              <a:t> </a:t>
-            </a:r>
-            <a:r>
-              <a:rPr sz="1400" b="1" u="heavy" spc="-65">
-                <a:solidFill>
-                  <a:srgbClr val="020302"/>
-                </a:solidFill>
-                <a:uFill>
-                  <a:solidFill>
-                    <a:srgbClr val="020302"/>
-                  </a:solidFill>
-                </a:uFill>
-                <a:latin typeface="Adobe Clean"/>
-                <a:cs typeface="Adobe Clean"/>
-              </a:rPr>
-              <a:t>T</a:t>
-            </a:r>
-            <a:r>
-              <a:rPr sz="1400" b="1" u="heavy" spc="-35">
-                <a:solidFill>
-                  <a:srgbClr val="020302"/>
-                </a:solidFill>
-                <a:uFill>
-                  <a:solidFill>
-                    <a:srgbClr val="020302"/>
-                  </a:solidFill>
-                </a:uFill>
-                <a:latin typeface="Adobe Clean"/>
-                <a:cs typeface="Adobe Clean"/>
-              </a:rPr>
-              <a:t>a</a:t>
-            </a:r>
-            <a:r>
-              <a:rPr sz="1400" b="1" u="heavy" spc="-45">
-                <a:solidFill>
-                  <a:srgbClr val="020302"/>
-                </a:solidFill>
-                <a:uFill>
-                  <a:solidFill>
-                    <a:srgbClr val="020302"/>
-                  </a:solidFill>
-                </a:uFill>
-                <a:latin typeface="Adobe Clean"/>
-                <a:cs typeface="Adobe Clean"/>
-              </a:rPr>
-              <a:t>r</a:t>
-            </a:r>
-            <a:r>
-              <a:rPr sz="1400" b="1" u="heavy" spc="-35">
-                <a:solidFill>
-                  <a:srgbClr val="020302"/>
-                </a:solidFill>
-                <a:uFill>
-                  <a:solidFill>
-                    <a:srgbClr val="020302"/>
-                  </a:solidFill>
-                </a:uFill>
-                <a:latin typeface="Adobe Clean"/>
-                <a:cs typeface="Adobe Clean"/>
-              </a:rPr>
-              <a:t>g</a:t>
-            </a:r>
-            <a:r>
-              <a:rPr sz="1400" b="1" u="heavy" spc="-55">
-                <a:solidFill>
-                  <a:srgbClr val="020302"/>
-                </a:solidFill>
-                <a:uFill>
-                  <a:solidFill>
-                    <a:srgbClr val="020302"/>
-                  </a:solidFill>
-                </a:uFill>
-                <a:latin typeface="Adobe Clean"/>
-                <a:cs typeface="Adobe Clean"/>
-              </a:rPr>
-              <a:t>et</a:t>
-            </a:r>
-            <a:r>
-              <a:rPr sz="1400" b="1" u="heavy" spc="-45">
-                <a:solidFill>
-                  <a:srgbClr val="020302"/>
-                </a:solidFill>
-                <a:uFill>
-                  <a:solidFill>
-                    <a:srgbClr val="020302"/>
-                  </a:solidFill>
-                </a:uFill>
-                <a:latin typeface="Adobe Clean"/>
-                <a:cs typeface="Adobe Clean"/>
-              </a:rPr>
-              <a:t>s</a:t>
-            </a:r>
-            <a:r>
-              <a:rPr sz="1400" b="1" u="heavy">
-                <a:solidFill>
-                  <a:srgbClr val="020302"/>
-                </a:solidFill>
-                <a:uFill>
-                  <a:solidFill>
-                    <a:srgbClr val="020302"/>
-                  </a:solidFill>
-                </a:uFill>
-                <a:latin typeface="Adobe Clean"/>
-                <a:cs typeface="Adobe Clean"/>
-              </a:rPr>
-              <a:t>:</a:t>
-            </a:r>
-            <a:r>
-              <a:rPr sz="1400" b="1" u="heavy" spc="-80">
-                <a:solidFill>
-                  <a:srgbClr val="020302"/>
-                </a:solidFill>
-                <a:uFill>
-                  <a:solidFill>
-                    <a:srgbClr val="020302"/>
-                  </a:solidFill>
-                </a:uFill>
-                <a:latin typeface="Adobe Clean"/>
-                <a:cs typeface="Adobe Clean"/>
-              </a:rPr>
-              <a:t> </a:t>
-            </a:r>
-            <a:r>
-              <a:rPr sz="1400" b="1" u="heavy" spc="-20">
-                <a:solidFill>
-                  <a:srgbClr val="020302"/>
-                </a:solidFill>
-                <a:uFill>
-                  <a:solidFill>
-                    <a:srgbClr val="020302"/>
-                  </a:solidFill>
-                </a:uFill>
-                <a:latin typeface="Adobe Clean"/>
-                <a:cs typeface="Adobe Clean"/>
-              </a:rPr>
-              <a:t>I</a:t>
-            </a:r>
-            <a:r>
-              <a:rPr sz="1400" b="1" u="heavy" spc="-10">
-                <a:solidFill>
-                  <a:srgbClr val="020302"/>
-                </a:solidFill>
-                <a:uFill>
-                  <a:solidFill>
-                    <a:srgbClr val="020302"/>
-                  </a:solidFill>
-                </a:uFill>
-                <a:latin typeface="Adobe Clean"/>
-                <a:cs typeface="Adobe Clean"/>
-              </a:rPr>
-              <a:t>ni</a:t>
-            </a:r>
-            <a:r>
-              <a:rPr sz="1400" b="1" u="heavy" spc="-20">
-                <a:solidFill>
-                  <a:srgbClr val="020302"/>
-                </a:solidFill>
-                <a:uFill>
-                  <a:solidFill>
-                    <a:srgbClr val="020302"/>
-                  </a:solidFill>
-                </a:uFill>
-                <a:latin typeface="Adobe Clean"/>
-                <a:cs typeface="Adobe Clean"/>
-              </a:rPr>
-              <a:t>t</a:t>
-            </a:r>
-            <a:r>
-              <a:rPr sz="1400" b="1" u="heavy" spc="-10">
-                <a:solidFill>
-                  <a:srgbClr val="020302"/>
-                </a:solidFill>
-                <a:uFill>
-                  <a:solidFill>
-                    <a:srgbClr val="020302"/>
-                  </a:solidFill>
-                </a:uFill>
-                <a:latin typeface="Adobe Clean"/>
-                <a:cs typeface="Adobe Clean"/>
-              </a:rPr>
-              <a:t>i</a:t>
-            </a:r>
-            <a:r>
-              <a:rPr sz="1400" b="1" u="heavy">
-                <a:solidFill>
-                  <a:srgbClr val="020302"/>
-                </a:solidFill>
-                <a:uFill>
-                  <a:solidFill>
-                    <a:srgbClr val="020302"/>
-                  </a:solidFill>
-                </a:uFill>
-                <a:latin typeface="Adobe Clean"/>
-                <a:cs typeface="Adobe Clean"/>
-              </a:rPr>
-              <a:t>al</a:t>
-            </a:r>
-            <a:r>
-              <a:rPr sz="1400" b="1" u="heavy" spc="-140">
-                <a:solidFill>
-                  <a:srgbClr val="020302"/>
-                </a:solidFill>
-                <a:uFill>
-                  <a:solidFill>
-                    <a:srgbClr val="020302"/>
-                  </a:solidFill>
-                </a:uFill>
-                <a:latin typeface="Adobe Clean"/>
-                <a:cs typeface="Adobe Clean"/>
-              </a:rPr>
-              <a:t> </a:t>
-            </a:r>
-            <a:r>
-              <a:rPr sz="1400" b="1" u="heavy" spc="-15">
-                <a:solidFill>
-                  <a:srgbClr val="020302"/>
-                </a:solidFill>
-                <a:uFill>
-                  <a:solidFill>
-                    <a:srgbClr val="020302"/>
-                  </a:solidFill>
-                </a:uFill>
-                <a:latin typeface="Adobe Clean"/>
-                <a:cs typeface="Adobe Clean"/>
-              </a:rPr>
-              <a:t>R</a:t>
-            </a:r>
-            <a:r>
-              <a:rPr sz="1400" b="1" u="heavy" spc="-25">
-                <a:solidFill>
-                  <a:srgbClr val="020302"/>
-                </a:solidFill>
-                <a:uFill>
-                  <a:solidFill>
-                    <a:srgbClr val="020302"/>
-                  </a:solidFill>
-                </a:uFill>
-                <a:latin typeface="Adobe Clean"/>
-                <a:cs typeface="Adobe Clean"/>
-              </a:rPr>
-              <a:t>e</a:t>
-            </a:r>
-            <a:r>
-              <a:rPr sz="1400" b="1" u="heavy" spc="-15">
-                <a:solidFill>
-                  <a:srgbClr val="020302"/>
-                </a:solidFill>
-                <a:uFill>
-                  <a:solidFill>
-                    <a:srgbClr val="020302"/>
-                  </a:solidFill>
-                </a:uFill>
-                <a:latin typeface="Adobe Clean"/>
-                <a:cs typeface="Adobe Clean"/>
-              </a:rPr>
-              <a:t>s</a:t>
-            </a:r>
-            <a:r>
-              <a:rPr sz="1400" b="1" u="heavy" spc="-25">
-                <a:solidFill>
-                  <a:srgbClr val="020302"/>
-                </a:solidFill>
-                <a:uFill>
-                  <a:solidFill>
-                    <a:srgbClr val="020302"/>
-                  </a:solidFill>
-                </a:uFill>
-                <a:latin typeface="Adobe Clean"/>
-                <a:cs typeface="Adobe Clean"/>
-              </a:rPr>
-              <a:t>p</a:t>
-            </a:r>
-            <a:r>
-              <a:rPr sz="1400" b="1" u="heavy" spc="-15">
-                <a:solidFill>
-                  <a:srgbClr val="020302"/>
-                </a:solidFill>
-                <a:uFill>
-                  <a:solidFill>
-                    <a:srgbClr val="020302"/>
-                  </a:solidFill>
-                </a:uFill>
-                <a:latin typeface="Adobe Clean"/>
-                <a:cs typeface="Adobe Clean"/>
-              </a:rPr>
-              <a:t>ons</a:t>
-            </a:r>
-            <a:r>
-              <a:rPr sz="1400" b="1" u="heavy">
-                <a:solidFill>
-                  <a:srgbClr val="020302"/>
-                </a:solidFill>
-                <a:uFill>
-                  <a:solidFill>
-                    <a:srgbClr val="020302"/>
-                  </a:solidFill>
-                </a:uFill>
-                <a:latin typeface="Adobe Clean"/>
-                <a:cs typeface="Adobe Clean"/>
-              </a:rPr>
-              <a:t>e</a:t>
+              <a:t>대응</a:t>
             </a:r>
             <a:endParaRPr sz="1400">
               <a:latin typeface="Adobe Clean"/>
@@ -3423,13 +3102,13 @@
           <a:lstStyle/>
           <a:p>
             <a:r>
-              <a:rPr lang="en-US" sz="700" i="1" dirty="0">
+              <a:rPr lang="ja-jp" sz="700" i="1" dirty="0">
                 <a:solidFill>
                   <a:schemeClr val="bg1"/>
                 </a:solidFill>
                 <a:latin typeface="Adobe Clean" panose="020B0503020404020204" pitchFamily="34" charset="0"/>
               </a:rPr>
-              <a:t>Adobe Creative Cloud / Adobe Document Cloud (including Adobe Sign)</a:t>
+              <a:t>Adobe Creative Cloud / Adobe Document Cloud (Adobe Sign 포함)</a:t>
             </a:r>
           </a:p>
         </p:txBody>
@@ -3538,17 +3217,17 @@
                         <a:defRPr/>
                       </a:pPr>
                       <a:r>
-                        <a:rPr lang="en-US" sz="1200" spc="-20" dirty="0">
+                        <a:rPr lang="ja-jp" sz="1200" spc="-20" dirty="0">
                           <a:solidFill>
                             <a:srgbClr val="404040"/>
                           </a:solidFill>
                           <a:latin typeface="Adobe Clean"/>
                           <a:cs typeface="Adobe Clean"/>
                         </a:rPr>
-                        <a:t>Standard </a:t>
+                        <a:t>표준 </a:t>
                       </a:r>
                       <a:r>
-                        <a:rPr lang="en-US" sz="1200" spc="-135" dirty="0">
+                        <a:rPr lang="ja-jp" sz="1200" spc="-135" dirty="0">
                           <a:solidFill>
                             <a:srgbClr val="404040"/>
                           </a:solidFill>
@@ -3558,14 +3237,14 @@
                         <a:t> </a:t>
                       </a:r>
                       <a:r>
-                        <a:rPr lang="en-US" sz="1200" spc="-20" dirty="0">
+                        <a:rPr lang="ja-jp" sz="1200" spc="-20" dirty="0">
                           <a:solidFill>
                             <a:srgbClr val="404040"/>
                           </a:solidFill>
                           <a:latin typeface="Adobe Clean"/>
                           <a:cs typeface="Adobe Clean"/>
                         </a:rPr>
-                        <a:t>Support</a:t>
+                        <a:t>지원</a:t>
                       </a:r>
                       <a:endParaRPr lang="en-US" sz="1200" dirty="0">
                         <a:latin typeface="Adobe Clean"/>
@@ -3611,24 +3290,14 @@
                         </a:spcBef>
                       </a:pPr>
                       <a:r>
-                        <a:rPr lang="en-US" sz="1200" spc="-20" dirty="0">
+                        <a:rPr lang="ja-jp" sz="1200" spc="-20" dirty="0">
                           <a:solidFill>
                             <a:srgbClr val="FFFFFF"/>
                           </a:solidFill>
                           <a:latin typeface="Adobe Clean"/>
                           <a:cs typeface="Adobe Clean"/>
                         </a:rPr>
-                        <a:t>Elite </a:t>
-                      </a:r>
-                      <a:r>
-                        <a:rPr sz="1200" spc="-20" dirty="0">
-                          <a:solidFill>
-                            <a:srgbClr val="FFFFFF"/>
-                          </a:solidFill>
-                          <a:latin typeface="Adobe Clean"/>
-                          <a:cs typeface="Adobe Clean"/>
-                        </a:rPr>
-                        <a:t>Support</a:t>
+                        <a:t>엘리트 지원</a:t>
                       </a:r>
                       <a:endParaRPr sz="1200" dirty="0">
                         <a:latin typeface="Adobe Clean"/>
@@ -3779,13 +3448,13 @@
                         <a:defRPr/>
                       </a:pPr>
                       <a:r>
-                        <a:rPr lang="en-US" sz="1200" b="1" i="1" dirty="0">
+                        <a:rPr lang="ja-jp" sz="1200" b="1" i="1" dirty="0">
                           <a:solidFill>
                             <a:schemeClr val="bg1"/>
                           </a:solidFill>
                           <a:latin typeface="Adobe Clean" panose="020B0503020404020204" pitchFamily="34" charset="0"/>
                         </a:rPr>
-                        <a:t>Paid Support ($)</a:t>
+                        <a:t>유료 지원($)</a:t>
                       </a:r>
                     </a:p>
                   </a:txBody>
@@ -3849,14 +3518,14 @@
                         </a:spcBef>
                       </a:pPr>
                       <a:r>
-                        <a:rPr lang="en-US" sz="1200" b="1" i="0" spc="0">
+                        <a:rPr lang="ja-jp" sz="1200" b="1" i="0" spc="0">
                           <a:solidFill>
                             <a:schemeClr val="bg1"/>
                           </a:solidFill>
                           <a:latin typeface="Adobe Clean" panose="020B0503020404020204" pitchFamily="34" charset="0"/>
                           <a:cs typeface="AdobeClean-Light"/>
                         </a:rPr>
-                        <a:t>Assigned Experts</a:t>
+                        <a:t>할당된 전문가</a:t>
                       </a:r>
                       <a:endParaRPr sz="1200" b="1" i="0" spc="0">
                         <a:solidFill>
@@ -3914,14 +3583,14 @@
                         </a:spcBef>
                       </a:pPr>
                       <a:r>
-                        <a:rPr sz="1100" b="0" i="0" spc="0" dirty="0">
+                        <a:rPr lang="ja-jp" sz="1100" b="0" i="0" spc="0" dirty="0">
                           <a:solidFill>
                             <a:srgbClr val="020302"/>
                           </a:solidFill>
                           <a:latin typeface="Adobe Clean Light" panose="020B0303020404020204" pitchFamily="34" charset="0"/>
                           <a:cs typeface="AdobeClean-Light"/>
                         </a:rPr>
-                        <a:t>Account Support Lead</a:t>
+                        <a:t>계정 지원 리드</a:t>
                       </a:r>
                       <a:endParaRPr sz="1100" b="0" i="0" spc="0" dirty="0">
                         <a:latin typeface="Adobe Clean Light" panose="020B0303020404020204" pitchFamily="34" charset="0"/>
@@ -4072,14 +3741,14 @@
                         </a:spcBef>
                       </a:pPr>
                       <a:r>
-                        <a:rPr sz="1100" b="0" i="0" spc="0" dirty="0">
+                        <a:rPr lang="ja-jp" sz="1100" b="0" i="0" spc="0" dirty="0">
                           <a:solidFill>
                             <a:srgbClr val="020302"/>
                           </a:solidFill>
                           <a:latin typeface="Adobe Clean Light" panose="020B0303020404020204" pitchFamily="34" charset="0"/>
                           <a:cs typeface="AdobeClean-Light"/>
                         </a:rPr>
-                        <a:t>Named Support Engineer</a:t>
+                        <a:t>지정 지원 엔지니어</a:t>
                       </a:r>
                       <a:endParaRPr sz="1100" b="0" i="0" spc="0" dirty="0">
                         <a:latin typeface="Adobe Clean Light" panose="020B0303020404020204" pitchFamily="34" charset="0"/>
@@ -4154,7 +3823,7 @@
                         </a:spcBef>
                       </a:pPr>
                       <a:r>
-                        <a:rPr sz="900" spc="0">
+                        <a:rPr lang="ja-jp" sz="900" spc="0">
                           <a:solidFill>
                             <a:srgbClr val="020302"/>
                           </a:solidFill>
@@ -4219,14 +3888,14 @@
                         </a:spcBef>
                       </a:pPr>
                       <a:r>
-                        <a:rPr sz="1100" b="0" i="0" spc="0" dirty="0">
+                        <a:rPr lang="ja-jp" sz="1100" b="0" i="0" spc="0" dirty="0">
                           <a:solidFill>
                             <a:srgbClr val="020302"/>
                           </a:solidFill>
                           <a:latin typeface="Adobe Clean Light" panose="020B0303020404020204" pitchFamily="34" charset="0"/>
                           <a:cs typeface="AdobeClean-Light"/>
                         </a:rPr>
-                        <a:t>Technical Account Manager</a:t>
+                        <a:t>기술 계정 관리자</a:t>
                       </a:r>
                       <a:endParaRPr sz="1100" b="0" i="0" spc="0" dirty="0">
                         <a:latin typeface="Adobe Clean Light" panose="020B0303020404020204" pitchFamily="34" charset="0"/>
@@ -4319,7 +3988,7 @@
                         </a:spcBef>
                       </a:pPr>
                       <a:r>
-                        <a:rPr sz="900" spc="0">
+                        <a:rPr lang="ja-jp" sz="900" spc="0">
                           <a:solidFill>
                             <a:srgbClr val="020302"/>
                           </a:solidFill>
@@ -4372,14 +4041,14 @@
                         </a:spcBef>
                       </a:pPr>
                       <a:r>
-                        <a:rPr lang="en-US" sz="1200" b="1" i="0" spc="0">
+                        <a:rPr lang="ja-jp" sz="1200" b="1" i="0" spc="0">
                           <a:solidFill>
                             <a:schemeClr val="bg1"/>
                           </a:solidFill>
                           <a:latin typeface="Adobe Clean" panose="020B0503020404020204" pitchFamily="34" charset="0"/>
                           <a:cs typeface="AdobeClean-Light"/>
                         </a:rPr>
-                        <a:t>Support Services</a:t>
+                        <a:t>지원 서비스</a:t>
                       </a:r>
                       <a:endParaRPr sz="1200" b="1" i="0" spc="0">
                         <a:solidFill>
@@ -4437,14 +4106,14 @@
                         </a:spcBef>
                       </a:pPr>
                       <a:r>
-                        <a:rPr lang="en-US" sz="1100" b="0" i="0" spc="0" dirty="0">
+                        <a:rPr lang="ja-jp" sz="1100" b="0" i="0" spc="0" dirty="0">
                           <a:solidFill>
                             <a:srgbClr val="020302"/>
                           </a:solidFill>
                           <a:latin typeface="Adobe Clean Light" panose="020B0303020404020204" pitchFamily="34" charset="0"/>
                           <a:cs typeface="AdobeClean-Light"/>
                         </a:rPr>
-                        <a:t>24x7 Self-Help Support </a:t>
+                        <a:t>24x7 자가 진단 지원 </a:t>
                       </a:r>
                       <a:endParaRPr lang="en-US" sz="1100" b="0" i="0" spc="0" dirty="0">
                         <a:latin typeface="Adobe Clean Light" panose="020B0303020404020204" pitchFamily="34" charset="0"/>
@@ -4493,7 +4162,7 @@
                         </a:spcBef>
                       </a:pPr>
                       <a:r>
-                        <a:rPr lang="en-US" sz="900">
+                        <a:rPr lang="ja-jp" sz="900">
                           <a:solidFill>
                             <a:srgbClr val="020302"/>
                           </a:solidFill>
@@ -4544,7 +4213,7 @@
                         </a:spcBef>
                       </a:pPr>
                       <a:r>
-                        <a:rPr sz="900" spc="0">
+                        <a:rPr lang="ja-jp" sz="900" spc="0">
                           <a:solidFill>
                             <a:srgbClr val="020302"/>
                           </a:solidFill>
@@ -4646,14 +4315,14 @@
                         </a:spcBef>
                       </a:pPr>
                       <a:r>
-                        <a:rPr lang="en-US" sz="1100" b="0" i="0" spc="0" dirty="0">
+                        <a:rPr lang="ja-jp" sz="1100" b="0" i="0" spc="0" dirty="0">
                           <a:solidFill>
                             <a:srgbClr val="020302"/>
                           </a:solidFill>
                           <a:latin typeface="Adobe Clean Light" panose="020B0303020404020204" pitchFamily="34" charset="0"/>
                           <a:cs typeface="AdobeClean-Light"/>
                         </a:rPr>
-                        <a:t>24x7 Support via Chat / Phone</a:t>
+                        <a:t>24x7 채팅/전화를 통한 지원</a:t>
                       </a:r>
                       <a:endParaRPr sz="1100" b="0" i="0" spc="0" dirty="0">
                         <a:latin typeface="Adobe Clean Light" panose="020B0303020404020204" pitchFamily="34" charset="0"/>
@@ -4697,7 +4366,7 @@
                         </a:spcBef>
                       </a:pPr>
                       <a:r>
-                        <a:rPr lang="en-US" sz="900">
+                        <a:rPr lang="ja-jp" sz="900">
                           <a:solidFill>
                             <a:srgbClr val="020302"/>
                           </a:solidFill>
@@ -4746,7 +4415,7 @@
                         </a:spcBef>
                       </a:pPr>
                       <a:r>
-                        <a:rPr sz="900" spc="0">
+                        <a:rPr lang="ja-jp" sz="900" spc="0">
                           <a:solidFill>
                             <a:srgbClr val="020302"/>
                           </a:solidFill>
@@ -4857,11 +4526,11 @@
                         </a:spcBef>
                       </a:pPr>
                       <a:r>
-                        <a:rPr lang="en-US" sz="1100" b="0" i="0" spc="0">
+                        <a:rPr lang="ja-jp" sz="1100" b="0" i="0" spc="0">
                           <a:latin typeface="Adobe Clean Light" panose="020B0303020404020204" pitchFamily="34" charset="0"/>
                           <a:cs typeface="AdobeClean-Light"/>
                         </a:rPr>
-                        <a:t>Web Case Submissions </a:t>
+                        <a:t>웹 사례 제출 </a:t>
                       </a:r>
                       <a:endParaRPr sz="1100" b="0" i="0" spc="0">
                         <a:latin typeface="Adobe Clean Light" panose="020B0303020404020204" pitchFamily="34" charset="0"/>
@@ -4905,7 +4574,7 @@
                         </a:spcBef>
                       </a:pPr>
                       <a:r>
-                        <a:rPr sz="900">
+                        <a:rPr lang="ja-jp" sz="900">
                           <a:solidFill>
                             <a:srgbClr val="020302"/>
                           </a:solidFill>
@@ -4954,7 +4623,7 @@
                         </a:spcBef>
                       </a:pPr>
                       <a:r>
-                        <a:rPr sz="900" spc="0">
+                        <a:rPr lang="ja-jp" sz="900" spc="0">
                           <a:solidFill>
                             <a:srgbClr val="020302"/>
                           </a:solidFill>
@@ -5047,14 +4716,14 @@
                         </a:spcBef>
                       </a:pPr>
                       <a:r>
-                        <a:rPr lang="en-US" sz="1100" b="0" i="0" spc="0" dirty="0">
+                        <a:rPr lang="ja-jp" sz="1100" b="0" i="0" spc="0" dirty="0">
                           <a:solidFill>
                             <a:srgbClr val="020302"/>
                           </a:solidFill>
                           <a:latin typeface="Adobe Clean Light" panose="020B0303020404020204" pitchFamily="34" charset="0"/>
                           <a:cs typeface="AdobeClean-Light"/>
                         </a:rPr>
-                        <a:t>Priority Case Routing</a:t>
+                        <a:t>우선 순위 사례 라우팅</a:t>
                       </a:r>
                       <a:endParaRPr sz="1100" b="0" i="0" spc="0" dirty="0">
                         <a:latin typeface="Adobe Clean Light" panose="020B0303020404020204" pitchFamily="34" charset="0"/>
@@ -5123,7 +4792,7 @@
                         </a:spcBef>
                       </a:pPr>
                       <a:r>
-                        <a:rPr sz="900" spc="0">
+                        <a:rPr lang="ja-jp" sz="900" spc="0">
                           <a:solidFill>
                             <a:srgbClr val="020302"/>
                           </a:solidFill>
@@ -5225,11 +4894,11 @@
                         <a:defRPr/>
                       </a:pPr>
                       <a:r>
-                        <a:rPr lang="en-US" sz="1100" b="0" i="0" spc="0" dirty="0">
+                        <a:rPr lang="ja-jp" sz="1100" b="0" i="0" spc="0" dirty="0">
                           <a:latin typeface="Adobe Clean Light" panose="020B0303020404020204" pitchFamily="34" charset="0"/>
                           <a:cs typeface="AdobeClean-Light"/>
                         </a:rPr>
-                        <a:t>Accelerated Issue Prioritization</a:t>
+                        <a:t>가속화된 문제 우선 순위 지정</a:t>
                       </a:r>
                     </a:p>
                   </a:txBody>
@@ -5300,7 +4969,7 @@
                         </a:spcBef>
                       </a:pPr>
                       <a:r>
-                        <a:rPr sz="900" spc="0">
+                        <a:rPr lang="ja-jp" sz="900" spc="0">
                           <a:solidFill>
                             <a:srgbClr val="020302"/>
                           </a:solidFill>
@@ -5373,11 +5042,11 @@
                         </a:spcBef>
                       </a:pPr>
                       <a:r>
-                        <a:rPr lang="en-US" sz="1100" b="0" i="0" spc="0">
+                        <a:rPr lang="ja-jp" sz="1100" b="0" i="0" spc="0">
                           <a:latin typeface="Adobe Clean Light" panose="020B0303020404020204" pitchFamily="34" charset="0"/>
                           <a:cs typeface="AdobeClean-Light"/>
                         </a:rPr>
-                        <a:t>Escalation Management</a:t>
+                        <a:t>에스컬레이션 관리</a:t>
                       </a:r>
                       <a:endParaRPr sz="1100" b="0" i="0" spc="0">
                         <a:latin typeface="Adobe Clean Light" panose="020B0303020404020204" pitchFamily="34" charset="0"/>
@@ -5446,7 +5115,7 @@
                         </a:spcBef>
                       </a:pPr>
                       <a:r>
-                        <a:rPr sz="900" spc="0">
+                        <a:rPr lang="ja-jp" sz="900" spc="0">
                           <a:solidFill>
                             <a:srgbClr val="020302"/>
                           </a:solidFill>
@@ -5519,11 +5188,11 @@
                         </a:spcBef>
                       </a:pPr>
                       <a:r>
-                        <a:rPr lang="en-US" sz="1100" b="0" i="0" spc="0" dirty="0">
+                        <a:rPr lang="ja-jp" sz="1100" b="0" i="0" spc="0" dirty="0">
                           <a:latin typeface="Adobe Clean Light" panose="020B0303020404020204" pitchFamily="34" charset="0"/>
                           <a:cs typeface="AdobeClean-Light"/>
                         </a:rPr>
-                        <a:t>Proactive Case Monitoring</a:t>
+                        <a:t>사전 사례 모니터링</a:t>
                       </a:r>
                       <a:endParaRPr sz="1100" b="0" i="0" spc="0" dirty="0">
                         <a:latin typeface="Adobe Clean Light" panose="020B0303020404020204" pitchFamily="34" charset="0"/>
@@ -5592,7 +5261,7 @@
                         </a:spcBef>
                       </a:pPr>
                       <a:r>
-                        <a:rPr sz="900" spc="0" dirty="0">
+                        <a:rPr lang="ja-jp" sz="900" spc="0" dirty="0">
                           <a:solidFill>
                             <a:srgbClr val="020302"/>
                           </a:solidFill>
@@ -5676,14 +5345,14 @@
                         </a:spcBef>
                       </a:pPr>
                       <a:r>
-                        <a:rPr lang="en-US" sz="1100" b="0" i="0" spc="0" dirty="0">
+                        <a:rPr lang="ja-jp" sz="1100" b="0" i="0" spc="0" dirty="0">
                           <a:solidFill>
                             <a:srgbClr val="020302"/>
                           </a:solidFill>
                           <a:latin typeface="Adobe Clean Light" panose="020B0303020404020204" pitchFamily="34" charset="0"/>
                           <a:cs typeface="AdobeClean-Light"/>
                         </a:rPr>
-                        <a:t>In-Region Support Option</a:t>
+                        <a:t>지역 지원 옵션</a:t>
                       </a:r>
                       <a:endParaRPr sz="1100" b="0" i="0" spc="0" dirty="0">
                         <a:latin typeface="Adobe Clean Light" panose="020B0303020404020204" pitchFamily="34" charset="0"/>
@@ -5749,7 +5418,7 @@
                         </a:spcBef>
                       </a:pPr>
                       <a:r>
-                        <a:rPr sz="900" spc="0" dirty="0">
+                        <a:rPr lang="ja-jp" sz="900" spc="0" dirty="0">
                           <a:solidFill>
                             <a:srgbClr val="020302"/>
                           </a:solidFill>
@@ -5814,14 +5483,14 @@
                         </a:spcBef>
                       </a:pPr>
                       <a:r>
-                        <a:rPr lang="en-US" sz="1100" b="0" i="0" spc="0">
+                        <a:rPr lang="ja-jp" sz="1100" b="0" i="0" spc="0">
                           <a:solidFill>
                             <a:srgbClr val="020302"/>
                           </a:solidFill>
                           <a:latin typeface="Adobe Clean Light" panose="020B0303020404020204" pitchFamily="34" charset="0"/>
                           <a:cs typeface="AdobeClean-Light"/>
                         </a:rPr>
-                        <a:t>Service Reviews</a:t>
+                        <a:t>서비스 리뷰</a:t>
                       </a:r>
                       <a:endParaRPr sz="1100" b="0" i="0" spc="0">
                         <a:latin typeface="Adobe Clean Light" panose="020B0303020404020204" pitchFamily="34" charset="0"/>
@@ -5893,24 +5562,14 @@
                         </a:spcBef>
                       </a:pPr>
                       <a:r>
-                        <a:rPr sz="900" spc="0" dirty="0">
+                        <a:rPr lang="ja-jp" sz="900" spc="0" dirty="0">
                           <a:solidFill>
                             <a:srgbClr val="020302"/>
                           </a:solidFill>
                           <a:latin typeface="AdobeClean-Light"/>
                           <a:cs typeface="AdobeClean-Light"/>
                         </a:rPr>
-                        <a:t>4</a:t>
-                      </a:r>
-                      <a:r>
-                        <a:rPr lang="en-US" sz="900" spc="0" dirty="0">
-                          <a:solidFill>
-                            <a:srgbClr val="020302"/>
-                          </a:solidFill>
-                          <a:latin typeface="AdobeClean-Light"/>
-                          <a:cs typeface="AdobeClean-Light"/>
-                        </a:rPr>
-                        <a:t>/year</a:t>
+                        <a:t>4/년</a:t>
                       </a:r>
                       <a:endParaRPr sz="900" spc="0" dirty="0">
                         <a:latin typeface="AdobeClean-Light"/>
@@ -5968,11 +5627,11 @@
                         </a:spcBef>
                       </a:pPr>
                       <a:r>
-                        <a:rPr lang="en-US" sz="1100" b="0" i="0" spc="0">
+                        <a:rPr lang="ja-jp" sz="1100" b="0" i="0" spc="0">
                           <a:latin typeface="Adobe Clean Light" panose="020B0303020404020204" pitchFamily="34" charset="0"/>
                           <a:cs typeface="AdobeClean-Light"/>
                         </a:rPr>
-                        <a:t>Case Reviews</a:t>
+                        <a:t>사례 검토</a:t>
                       </a:r>
                       <a:endParaRPr sz="1100" b="0" i="0" spc="0">
                         <a:latin typeface="Adobe Clean Light" panose="020B0303020404020204" pitchFamily="34" charset="0"/>
@@ -6044,11 +5703,11 @@
                         </a:spcBef>
                       </a:pPr>
                       <a:r>
-                        <a:rPr lang="en-US" sz="900" spc="0">
+                        <a:rPr lang="ja-jp" sz="900" spc="0">
                           <a:latin typeface="AdobeClean-Light"/>
                           <a:cs typeface="AdobeClean-Light"/>
                         </a:rPr>
-                        <a:t>2/month</a:t>
+                        <a:t>2/개월</a:t>
                       </a:r>
                       <a:endParaRPr sz="900" spc="0">
                         <a:latin typeface="AdobeClean-Light"/>
@@ -6132,11 +5791,11 @@
                         <a:defRPr/>
                       </a:pPr>
                       <a:r>
-                        <a:rPr lang="en-US" sz="1100" b="0" i="0" spc="0">
+                        <a:rPr lang="ja-jp" sz="1100" b="0" i="0" spc="0">
                           <a:latin typeface="Adobe Clean Light" panose="020B0303020404020204" pitchFamily="34" charset="0"/>
                           <a:cs typeface="AdobeClean-Light"/>
                         </a:rPr>
-                        <a:t>Solution Review</a:t>
+                        <a:t>솔루션 검토</a:t>
                       </a:r>
                     </a:p>
                   </a:txBody>
@@ -6204,7 +5863,7 @@
                         </a:spcBef>
                       </a:pPr>
                       <a:r>
-                        <a:rPr sz="900" spc="0">
+                        <a:rPr lang="ja-jp" sz="900" spc="0">
                           <a:solidFill>
                             <a:srgbClr val="020302"/>
                           </a:solidFill>
@@ -6286,11 +5945,11 @@
                         <a:defRPr/>
                       </a:pPr>
                       <a:r>
-                        <a:rPr lang="en-US" sz="1100" b="0" i="0" spc="0" dirty="0">
+                        <a:rPr lang="ja-jp" sz="1100" b="0" i="0" spc="0" dirty="0">
                           <a:latin typeface="Adobe Clean Light" panose="020B0303020404020204" pitchFamily="34" charset="0"/>
                           <a:cs typeface="AdobeClean-Light"/>
                         </a:rPr>
-                        <a:t>Roadmap Review </a:t>
+                        <a:t>로드맵 검토 </a:t>
                       </a:r>
                     </a:p>
                   </a:txBody>
@@ -6352,7 +6011,7 @@
                         </a:spcBef>
                       </a:pPr>
                       <a:r>
-                        <a:rPr sz="900" spc="0">
+                        <a:rPr lang="ja-jp" sz="900" spc="0">
                           <a:solidFill>
                             <a:srgbClr val="020302"/>
                           </a:solidFill>
@@ -6434,14 +6093,14 @@
                         <a:defRPr/>
                       </a:pPr>
                       <a:r>
-                        <a:rPr lang="en-US" sz="1100" b="0" i="0" spc="0">
+                        <a:rPr lang="ja-jp" sz="1100" b="0" i="0" spc="0">
                           <a:solidFill>
                             <a:srgbClr val="020302"/>
                           </a:solidFill>
                           <a:latin typeface="Adobe Clean Light" panose="020B0303020404020204" pitchFamily="34" charset="0"/>
                           <a:cs typeface="AdobeClean-Light"/>
                         </a:rPr>
-                        <a:t>Additional Named Support Contacts </a:t>
+                        <a:t>추가 지정 지원 담당자 </a:t>
                       </a:r>
                       <a:endParaRPr lang="en-US" sz="1100" b="0" i="0" spc="0">
                         <a:latin typeface="Adobe Clean Light" panose="020B0303020404020204" pitchFamily="34" charset="0"/>
@@ -6516,7 +6175,7 @@
                         <a:defRPr/>
                       </a:pPr>
                       <a:r>
-                        <a:rPr lang="en-US" sz="900" spc="0">
+                        <a:rPr lang="ja-jp" sz="900" spc="0">
                           <a:solidFill>
                             <a:srgbClr val="020302"/>
                           </a:solidFill>
@@ -6598,11 +6257,11 @@
                         </a:spcBef>
                       </a:pPr>
                       <a:r>
-                        <a:rPr lang="en-US" sz="1100" b="0" i="0" spc="0" dirty="0">
+                        <a:rPr lang="ja-jp" sz="1100" b="0" i="0" spc="0" dirty="0">
                           <a:latin typeface="Adobe Clean Light" panose="020B0303020404020204" pitchFamily="34" charset="0"/>
                           <a:cs typeface="AdobeClean-Light"/>
                         </a:rPr>
-                        <a:t>Upgrade/Migration Planning</a:t>
+                        <a:t>업그레이드/마이그레이션 계획</a:t>
                       </a:r>
                       <a:endParaRPr sz="1100" b="0" i="0" spc="0" dirty="0">
                         <a:latin typeface="Adobe Clean Light" panose="020B0303020404020204" pitchFamily="34" charset="0"/>
@@ -6695,7 +6354,7 @@
                         <a:defRPr/>
                       </a:pPr>
                       <a:r>
-                        <a:rPr lang="en-US" sz="900" spc="0" dirty="0">
+                        <a:rPr lang="ja-jp" sz="900" spc="0" dirty="0">
                           <a:solidFill>
                             <a:srgbClr val="020302"/>
                           </a:solidFill>
@@ -6758,11 +6417,11 @@
                         </a:spcBef>
                       </a:pPr>
                       <a:r>
-                        <a:rPr lang="en-US" sz="1100" b="0" i="0" spc="0" dirty="0">
+                        <a:rPr lang="ja-jp" sz="1100" b="0" i="0" spc="0" dirty="0">
                           <a:latin typeface="Adobe Clean Light" panose="020B0303020404020204" pitchFamily="34" charset="0"/>
                           <a:cs typeface="AdobeClean-Light"/>
                         </a:rPr>
-                        <a:t>Release Preparation and Planning</a:t>
+                        <a:t>릴리스 준비 및 계획</a:t>
                       </a:r>
                       <a:endParaRPr sz="1100" b="0" i="0" spc="0" dirty="0">
                         <a:latin typeface="Adobe Clean Light" panose="020B0303020404020204" pitchFamily="34" charset="0"/>
@@ -6879,7 +6538,7 @@
                         <a:defRPr/>
                       </a:pPr>
                       <a:r>
-                        <a:rPr lang="en-US" sz="900" spc="0" dirty="0">
+                        <a:rPr lang="ja-jp" sz="900" spc="0" dirty="0">
                           <a:solidFill>
                             <a:srgbClr val="020302"/>
                           </a:solidFill>
@@ -6996,11 +6655,11 @@
                         </a:spcBef>
                       </a:pPr>
                       <a:r>
-                        <a:rPr lang="en-US" sz="1100" b="0" i="0" spc="0" dirty="0">
+                        <a:rPr lang="ja-jp" sz="1100" b="0" i="0" spc="0" dirty="0">
                           <a:latin typeface="Adobe Clean Light" panose="020B0303020404020204" pitchFamily="34" charset="0"/>
                           <a:cs typeface="AdobeClean-Light"/>
                         </a:rPr>
-                        <a:t>Executive Sponsor</a:t>
+                        <a:t>경영 스폰서</a:t>
                       </a:r>
                       <a:endParaRPr sz="1100" b="0" i="0" spc="0" dirty="0">
                         <a:latin typeface="Adobe Clean Light" panose="020B0303020404020204" pitchFamily="34" charset="0"/>
@@ -7114,7 +6773,7 @@
                         </a:spcBef>
                       </a:pPr>
                       <a:r>
-                        <a:rPr sz="900" spc="0" dirty="0">
+                        <a:rPr lang="ja-jp" sz="900" spc="0" dirty="0">
                           <a:solidFill>
                             <a:srgbClr val="020302"/>
                           </a:solidFill>
@@ -7189,14 +6848,14 @@
           <p:nvPr>
             <p:extLst>
               <p:ext uri="{D42A27DB-BD31-4B8C-83A1-F6EECF244321}">
-                <p14:modId xmlns:p14="http://schemas.microsoft.com/office/powerpoint/2010/main" val="2386093707"/>
+                <p14:modId xmlns:p14="http://schemas.microsoft.com/office/powerpoint/2010/main" val="2340191737"/>
               </p:ext>
             </p:extLst>
           </p:nvPr>
         </p:nvGraphicFramePr>
         <p:xfrm>
           <a:off x="209607" y="7483227"/>
-          <a:ext cx="7281936" cy="2361428"/>
+          <a:ext cx="7281936" cy="2187642"/>
         </p:xfrm>
         <a:graphic>
           <a:graphicData uri="http://schemas.openxmlformats.org/drawingml/2006/table">
@@ -7256,14 +6915,14 @@
                         </a:spcBef>
                       </a:pPr>
                       <a:r>
-                        <a:rPr sz="900" spc="0">
+                        <a:rPr lang="ja-jp" sz="900" spc="0">
                           <a:solidFill>
                             <a:srgbClr val="020302"/>
                           </a:solidFill>
                           <a:latin typeface="Adobe Clean"/>
                           <a:cs typeface="Adobe Clean"/>
                         </a:rPr>
-                        <a:t>Priority</a:t>
+                        <a:t>우선 순위</a:t>
                       </a:r>
                       <a:endParaRPr sz="900" spc="0">
                         <a:latin typeface="Adobe Clean"/>
@@ -7315,44 +6974,14 @@
                         </a:spcBef>
                       </a:pPr>
                       <a:r>
-                        <a:rPr lang="en-US" sz="900" spc="0">
+                        <a:rPr lang="ja-jp" sz="900" spc="0">
                           <a:solidFill>
                             <a:srgbClr val="020302"/>
                           </a:solidFill>
                           <a:latin typeface="Adobe Clean"/>
                           <a:cs typeface="Adobe Clean"/>
                         </a:rPr>
-                        <a:t>Standard</a:t>
-                      </a:r>
-                      <a:r>
-                        <a:rPr sz="900" spc="0">
-                          <a:solidFill>
-                            <a:srgbClr val="020302"/>
-                          </a:solidFill>
-                          <a:latin typeface="Adobe Clean"/>
-                          <a:cs typeface="Adobe Clean"/>
-                        </a:rPr>
-                        <a:t> </a:t>
-                      </a:r>
-                      <a:r>
-                        <a:rPr lang="en-US" sz="900" spc="0">
-                          <a:solidFill>
-                            <a:srgbClr val="020302"/>
-                          </a:solidFill>
-                          <a:latin typeface="Adobe Clean"/>
-                          <a:cs typeface="Adobe Clean"/>
-                        </a:rPr>
-                        <a:t> </a:t>
-                      </a:r>
-                      <a:r>
-                        <a:rPr sz="900" spc="0">
-                          <a:solidFill>
-                            <a:srgbClr val="020302"/>
-                          </a:solidFill>
-                          <a:latin typeface="Adobe Clean"/>
-                          <a:cs typeface="Adobe Clean"/>
-                        </a:rPr>
-                        <a:t>Support</a:t>
+                        <a:t>표준  지원</a:t>
                       </a:r>
                       <a:endParaRPr sz="900" spc="0">
                         <a:latin typeface="Adobe Clean"/>
@@ -7407,34 +7036,14 @@
                         </a:spcBef>
                       </a:pPr>
                       <a:r>
-                        <a:rPr sz="900" spc="0">
+                        <a:rPr lang="ja-jp" sz="900" spc="0">
                           <a:solidFill>
                             <a:srgbClr val="FFFFFF"/>
                           </a:solidFill>
                           <a:latin typeface="Adobe Clean"/>
                           <a:cs typeface="Adobe Clean"/>
                         </a:rPr>
-                        <a:t>Business</a:t>
-                      </a:r>
-                      <a:r>
-                        <a:rPr lang="en-US" sz="900" spc="0">
-                          <a:solidFill>
-                            <a:srgbClr val="FFFFFF"/>
-                          </a:solidFill>
-                          <a:latin typeface="Adobe Clean"/>
-                          <a:cs typeface="Adobe Clean"/>
-                        </a:rPr>
-                        <a:t> </a:t>
-                      </a:r>
-                      <a:r>
-                        <a:rPr sz="900" spc="0">
-                          <a:solidFill>
-                            <a:srgbClr val="FFFFFF"/>
-                          </a:solidFill>
-                          <a:latin typeface="Adobe Clean"/>
-                          <a:cs typeface="Adobe Clean"/>
-                        </a:rPr>
-                        <a:t>Support</a:t>
+                        <a:t>비즈니스 지원</a:t>
                       </a:r>
                       <a:endParaRPr sz="900" spc="0">
                         <a:latin typeface="Adobe Clean"/>
@@ -7479,43 +7088,42 @@
                     <a:p>
                       <a:pPr marL="0" algn="ctr">
                         <a:lnSpc>
-                          <a:spcPct val="100000"/>
+                          <a:spcPts val="880"/>
                         </a:lnSpc>
                         <a:spcBef>
                           <a:spcPts val="60"/>
                         </a:spcBef>
                       </a:pPr>
                       <a:r>
-                        <a:rPr sz="900" spc="0">
+                        <a:rPr lang="ja-jp" sz="900" spc="0">
                           <a:solidFill>
                             <a:srgbClr val="FFFFFF"/>
                           </a:solidFill>
                           <a:latin typeface="Adobe Clean"/>
                           <a:cs typeface="Adobe Clean"/>
                         </a:rPr>
-                        <a:t>Enterprise </a:t>
+                        <a:t>엔터프라이즈 </a:t>
                       </a:r>
-                      <a:r>
-                        <a:rPr lang="en-US" sz="900" spc="0">
+                      <a:br>
+                        <a:rPr lang="en-US" altLang="ja-JP" sz="900" spc="0" dirty="0">
                           <a:solidFill>
                             <a:srgbClr val="FFFFFF"/>
                           </a:solidFill>
                           <a:latin typeface="Adobe Clean"/>
                           <a:cs typeface="Adobe Clean"/>
                         </a:rPr>
-                        <a:t> </a:t>
-                      </a:r>
+                      </a:br>
                       <a:r>
-                        <a:rPr sz="900" spc="0">
+                        <a:rPr lang="ja-jp" sz="900" spc="0">
                           <a:solidFill>
                             <a:srgbClr val="FFFFFF"/>
                           </a:solidFill>
                           <a:latin typeface="Adobe Clean"/>
                           <a:cs typeface="Adobe Clean"/>
                         </a:rPr>
-                        <a:t>Support</a:t>
+                        <a:t> 지원</a:t>
                       </a:r>
-                      <a:endParaRPr sz="900" spc="0">
+                      <a:endParaRPr sz="900" spc="0" dirty="0">
                         <a:latin typeface="Adobe Clean"/>
                         <a:cs typeface="Adobe Clean"/>
                       </a:endParaRPr>
@@ -7565,34 +7173,14 @@
                         </a:spcBef>
                       </a:pPr>
                       <a:r>
-                        <a:rPr sz="900" spc="0">
+                        <a:rPr lang="ja-jp" sz="900" spc="0">
                           <a:solidFill>
                             <a:srgbClr val="FFFFFF"/>
                           </a:solidFill>
                           <a:latin typeface="Adobe Clean"/>
                           <a:cs typeface="Adobe Clean"/>
                         </a:rPr>
-                        <a:t>Elite</a:t>
-                      </a:r>
-                      <a:r>
-                        <a:rPr lang="en-US" sz="900" spc="0">
-                          <a:solidFill>
-                            <a:srgbClr val="FFFFFF"/>
-                          </a:solidFill>
-                          <a:latin typeface="Adobe Clean"/>
-                          <a:cs typeface="Adobe Clean"/>
-                        </a:rPr>
-                        <a:t> </a:t>
-                      </a:r>
-                      <a:r>
-                        <a:rPr sz="900" spc="0">
-                          <a:solidFill>
-                            <a:srgbClr val="FFFFFF"/>
-                          </a:solidFill>
-                          <a:latin typeface="Adobe Clean"/>
-                          <a:cs typeface="Adobe Clean"/>
-                        </a:rPr>
-                        <a:t>Support</a:t>
+                        <a:t>엘리트 지원</a:t>
                       </a:r>
                       <a:endParaRPr sz="900" spc="0">
                         <a:latin typeface="Adobe Clean"/>
@@ -7651,14 +7239,14 @@
                         </a:spcBef>
                       </a:pPr>
                       <a:r>
-                        <a:rPr sz="900" b="1" spc="0">
+                        <a:rPr lang="ja-jp" sz="900" b="1" spc="0">
                           <a:solidFill>
                             <a:srgbClr val="020302"/>
                           </a:solidFill>
                           <a:latin typeface="Adobe Clean"/>
                           <a:cs typeface="Adobe Clean"/>
                         </a:rPr>
-                        <a:t>PRIORITY 1</a:t>
+                        <a:t>우선 순위 1</a:t>
                       </a:r>
                       <a:endParaRPr sz="900" spc="0">
                         <a:latin typeface="Adobe Clean"/>
@@ -7675,14 +7263,14 @@
                         </a:spcBef>
                       </a:pPr>
                       <a:r>
-                        <a:rPr lang="en-US" sz="900" b="0" i="0" spc="0">
+                        <a:rPr lang="ja-jp" sz="900" b="0" i="0" spc="0">
                           <a:solidFill>
                             <a:srgbClr val="000000"/>
                           </a:solidFill>
                           <a:effectLst/>
                           <a:latin typeface="Adobe Clean Light" panose="020B0303020404020204" pitchFamily="34" charset="0"/>
                         </a:rPr>
-                        <a:t>Customer's production business functions are down or have significant data loss or service degradation and immediate attention is required to restore functionality and usability. </a:t>
+                        <a:t>고객의 생산 비즈니스 기능이 다운되었거나 심각한 데이터 손실 또는 서비스 저하가 발생했으며 기능 및 사용성을 복원하기 위해 즉각적인 주의가 필요합니다. </a:t>
                       </a:r>
                       <a:endParaRPr sz="900" spc="0">
                         <a:latin typeface="AdobeClean-Light"/>
@@ -7734,14 +7322,14 @@
                         </a:spcBef>
                       </a:pPr>
                       <a:r>
-                        <a:rPr lang="en-US" sz="900" spc="0">
+                        <a:rPr lang="ja-jp" sz="900" spc="0">
                           <a:solidFill>
                             <a:srgbClr val="020302"/>
                           </a:solidFill>
                           <a:latin typeface="AdobeClean-Light"/>
                           <a:cs typeface="AdobeClean-Light"/>
                         </a:rPr>
-                        <a:t>24x7 /</a:t>
+                        <a:t>24x7 / </a:t>
                       </a:r>
                     </a:p>
                     <a:p>
@@ -7754,14 +7342,14 @@
                         </a:spcBef>
                       </a:pPr>
                       <a:r>
-                        <a:rPr lang="en-US" sz="900" spc="0">
+                        <a:rPr lang="ja-jp" sz="900" spc="0">
                           <a:solidFill>
                             <a:srgbClr val="020302"/>
                           </a:solidFill>
                           <a:latin typeface="AdobeClean-Light"/>
                           <a:cs typeface="AdobeClean-Light"/>
                         </a:rPr>
-                        <a:t> 30 minutes</a:t>
+                        <a:t>30분</a:t>
                       </a:r>
                       <a:endParaRPr lang="en-US" sz="900" spc="0">
                         <a:latin typeface="AdobeClean-Light"/>
@@ -7811,10 +7399,10 @@
                         <a:tabLst/>
                       </a:pPr>
                       <a:r>
-                        <a:rPr lang="en-US" sz="900" i="0" spc="0" dirty="0">
+                        <a:rPr lang="ja-jp" sz="900" i="0" spc="0" dirty="0">
                           <a:latin typeface="AdobeClean-Light"/>
                         </a:rPr>
-                        <a:t>Customers who purchase a Support Plan for applicable Adobe Products and Services receive priority case routing that fast-tracks cases to Adobe’s Support Engineers. </a:t>
+                        <a:t>해당하는 Adobe 제품 및 서비스에 대한 지원 플랜을 구매하는 고객은 Adobe의 지원 엔지니어에게 사례를 빠르게 처리할 수 있는 우선 순위 사례 라우팅을 받게 됩니다.</a:t>
                       </a:r>
                     </a:p>
                   </a:txBody>
@@ -7862,7 +7450,7 @@
                         </a:spcBef>
                       </a:pPr>
                       <a:r>
-                        <a:rPr sz="900" spc="0">
+                        <a:rPr lang="ja-jp" sz="900" spc="0">
                           <a:solidFill>
                             <a:srgbClr val="020302"/>
                           </a:solidFill>
@@ -7872,59 +7460,7 @@
                           <a:latin typeface="AdobeClean-Light"/>
                           <a:cs typeface="AdobeClean-Light"/>
                         </a:rPr>
-                        <a:t>24x7 /  </a:t>
-                      </a:r>
-                      <a:r>
-                        <a:rPr lang="en-US" sz="900" spc="0">
-                          <a:solidFill>
-                            <a:srgbClr val="020302"/>
-                          </a:solidFill>
-                          <a:highlight>
-                            <a:srgbClr val="FFFF00"/>
-                          </a:highlight>
-                          <a:latin typeface="AdobeClean-Light"/>
-                          <a:cs typeface="AdobeClean-Light"/>
-                        </a:rPr>
-                        <a:t>         </a:t>
-                      </a:r>
-                      <a:r>
-                        <a:rPr sz="900" spc="0">
-                          <a:solidFill>
-                            <a:srgbClr val="020302"/>
-                          </a:solidFill>
-                          <a:highlight>
-                            <a:srgbClr val="FFFF00"/>
-                          </a:highlight>
-                          <a:latin typeface="AdobeClean-Light"/>
-                          <a:cs typeface="AdobeClean-Light"/>
-                        </a:rPr>
-                        <a:t>30</a:t>
-                      </a:r>
-                      <a:r>
-                        <a:rPr lang="en-US" sz="900" spc="0">
-                          <a:solidFill>
-                            <a:srgbClr val="020302"/>
-                          </a:solidFill>
-                          <a:highlight>
-                            <a:srgbClr val="FFFF00"/>
-                          </a:highlight>
-                          <a:latin typeface="AdobeClean-Light"/>
-                          <a:cs typeface="AdobeClean-Light"/>
-                        </a:rPr>
-                        <a:t> </a:t>
-                      </a:r>
-                      <a:r>
-                        <a:rPr sz="900" spc="0">
-                          <a:solidFill>
-                            <a:srgbClr val="020302"/>
-                          </a:solidFill>
-                          <a:highlight>
-                            <a:srgbClr val="FFFF00"/>
-                          </a:highlight>
-                          <a:latin typeface="AdobeClean-Light"/>
-                          <a:cs typeface="AdobeClean-Light"/>
-                        </a:rPr>
-                        <a:t>minutes</a:t>
+                        <a:t>24x7 /           30분</a:t>
                       </a:r>
                       <a:endParaRPr sz="900" spc="0">
                         <a:highlight>
@@ -7976,7 +7512,7 @@
                         </a:spcBef>
                       </a:pPr>
                       <a:r>
-                        <a:rPr sz="900" spc="0">
+                        <a:rPr lang="ja-jp" sz="900" spc="0">
                           <a:solidFill>
                             <a:srgbClr val="020302"/>
                           </a:solidFill>
@@ -7986,59 +7522,7 @@
                           <a:latin typeface="AdobeClean-Light"/>
                           <a:cs typeface="AdobeClean-Light"/>
                         </a:rPr>
-                        <a:t>24x7 / </a:t>
-                      </a:r>
-                      <a:r>
-                        <a:rPr lang="en-US" sz="900" spc="0">
-                          <a:solidFill>
-                            <a:srgbClr val="020302"/>
-                          </a:solidFill>
-                          <a:highlight>
-                            <a:srgbClr val="FFFF00"/>
-                          </a:highlight>
-                          <a:latin typeface="AdobeClean-Light"/>
-                          <a:cs typeface="AdobeClean-Light"/>
-                        </a:rPr>
-                        <a:t>       </a:t>
-                      </a:r>
-                      <a:r>
-                        <a:rPr sz="900" spc="0">
-                          <a:solidFill>
-                            <a:srgbClr val="020302"/>
-                          </a:solidFill>
-                          <a:highlight>
-                            <a:srgbClr val="FFFF00"/>
-                          </a:highlight>
-                          <a:latin typeface="AdobeClean-Light"/>
-                          <a:cs typeface="AdobeClean-Light"/>
-                        </a:rPr>
-                        <a:t> 15</a:t>
-                      </a:r>
-                      <a:r>
-                        <a:rPr lang="en-US" sz="900" spc="0">
-                          <a:solidFill>
-                            <a:srgbClr val="020302"/>
-                          </a:solidFill>
-                          <a:highlight>
-                            <a:srgbClr val="FFFF00"/>
-                          </a:highlight>
-                          <a:latin typeface="AdobeClean-Light"/>
-                          <a:cs typeface="AdobeClean-Light"/>
-                        </a:rPr>
-                        <a:t> </a:t>
-                      </a:r>
-                      <a:r>
-                        <a:rPr sz="900" spc="0">
-                          <a:solidFill>
-                            <a:srgbClr val="020302"/>
-                          </a:solidFill>
-                          <a:highlight>
-                            <a:srgbClr val="FFFF00"/>
-                          </a:highlight>
-                          <a:latin typeface="AdobeClean-Light"/>
-                          <a:cs typeface="AdobeClean-Light"/>
-                        </a:rPr>
-                        <a:t>minutes</a:t>
+                        <a:t>24x7 /         15분</a:t>
                       </a:r>
                       <a:endParaRPr sz="900" spc="0">
                         <a:highlight>
@@ -8097,14 +7581,14 @@
                         </a:spcBef>
                       </a:pPr>
                       <a:r>
-                        <a:rPr sz="900" b="1" spc="0">
+                        <a:rPr lang="ja-jp" sz="900" b="1" spc="0">
                           <a:solidFill>
                             <a:srgbClr val="020302"/>
                           </a:solidFill>
                           <a:latin typeface="Adobe Clean"/>
                           <a:cs typeface="Adobe Clean"/>
                         </a:rPr>
-                        <a:t>PRIORITY 2</a:t>
+                        <a:t>우선 순위 2</a:t>
                       </a:r>
                       <a:endParaRPr sz="900" spc="0">
                         <a:latin typeface="Adobe Clean"/>
@@ -8130,14 +7614,14 @@
                         <a:defRPr/>
                       </a:pPr>
                       <a:r>
-                        <a:rPr lang="en-US" sz="900" b="0" i="0" spc="0">
+                        <a:rPr lang="ja-jp" sz="900" b="0" i="0" spc="0">
                           <a:solidFill>
                             <a:srgbClr val="000000"/>
                           </a:solidFill>
                           <a:effectLst/>
                           <a:latin typeface="Adobe Clean Light" panose="020B0303020404020204" pitchFamily="34" charset="0"/>
                         </a:rPr>
-                        <a:t>Customer's business functions have major service degradation or potential data loss, or a major feature is impacted.  </a:t>
+                        <a:t>고객의 비즈니스 기능에 심각한 서비스 저하 또는 잠재적인 데이터 손실이 있거나 주요 기능이 영향을 받습니다.  </a:t>
                       </a:r>
                       <a:endParaRPr sz="900" b="0" i="0" spc="0">
                         <a:latin typeface="Adobe Clean Light" panose="020B0303020404020204" pitchFamily="34" charset="0"/>
@@ -8189,7 +7673,7 @@
                         </a:spcBef>
                       </a:pPr>
                       <a:r>
-                        <a:rPr lang="en-US" sz="900" spc="0">
+                        <a:rPr lang="ja-jp" sz="900" spc="0">
                           <a:solidFill>
                             <a:srgbClr val="020302"/>
                           </a:solidFill>
@@ -8209,14 +7693,14 @@
                         </a:spcBef>
                       </a:pPr>
                       <a:r>
-                        <a:rPr lang="en-US" sz="900" spc="0">
+                        <a:rPr lang="ja-jp" sz="900" spc="0">
                           <a:solidFill>
                             <a:srgbClr val="020302"/>
                           </a:solidFill>
                           <a:latin typeface="AdobeClean-Light"/>
                           <a:cs typeface="AdobeClean-Light"/>
                         </a:rPr>
-                        <a:t>     1 hour</a:t>
+                        <a:t>     1시간</a:t>
                       </a:r>
                       <a:endParaRPr lang="en-US" sz="900" spc="0">
                         <a:latin typeface="AdobeClean-Light"/>
@@ -8422,24 +7906,14 @@
                         </a:spcBef>
                       </a:pPr>
                       <a:r>
-                        <a:rPr sz="900" b="1" spc="0">
+                        <a:rPr lang="ja-jp" sz="900" b="1" spc="0">
                           <a:solidFill>
                             <a:srgbClr val="020302"/>
                           </a:solidFill>
                           <a:latin typeface="Adobe Clean"/>
                           <a:cs typeface="Adobe Clean"/>
                         </a:rPr>
-                        <a:t>PRIORITY</a:t>
-                      </a:r>
-                      <a:r>
-                        <a:rPr lang="en-US" sz="900" b="1" spc="0">
-                          <a:solidFill>
-                            <a:srgbClr val="020302"/>
-                          </a:solidFill>
-                          <a:latin typeface="Adobe Clean"/>
-                          <a:cs typeface="Adobe Clean"/>
-                        </a:rPr>
-                        <a:t> 3</a:t>
+                        <a:t>우선 순위 3</a:t>
                       </a:r>
                       <a:endParaRPr lang="en-US" sz="900" spc="0">
                         <a:latin typeface="Adobe Clean"/>
@@ -8465,7 +7939,7 @@
                         <a:defRPr/>
                       </a:pPr>
                       <a:r>
-                        <a:rPr kumimoji="0" lang="en-US" sz="900" b="0" i="0" u="none" strike="noStrike" kern="1200" cap="none" spc="0" normalizeH="0" baseline="0" noProof="0">
+                        <a:rPr kumimoji="0" lang="ja-jp" sz="900" b="0" i="0" u="none" strike="noStrike" kern="1200" cap="none" spc="0" normalizeH="0" baseline="0" noProof="0">
                           <a:ln>
                             <a:noFill/>
                           </a:ln>
@@ -8479,7 +7953,7 @@
                           <a:ea typeface="+mn-ea"/>
                           <a:cs typeface="+mn-cs"/>
                         </a:rPr>
-                        <a:t>Customer's business functions have minor service degradation but there exists a solution/workaround allowing business functions to continue normally.</a:t>
+                        <a:t>고객의 비즈니스 기능에 약간의 서비스 저하가 있지만 비즈니스 기능을 정상적으로 계속할 수 있게 하는 솔루션/해결 방법이 있습니다.</a:t>
                       </a:r>
                       <a:endParaRPr lang="en-US" sz="900" b="0" i="0" spc="0">
                         <a:latin typeface="Adobe Clean Light" panose="020B0303020404020204" pitchFamily="34" charset="0"/>
@@ -8534,14 +8008,14 @@
                         </a:tabLst>
                       </a:pPr>
                       <a:r>
-                        <a:rPr lang="en-US" sz="900" spc="0" dirty="0">
+                        <a:rPr lang="ja-jp" sz="900" spc="0" dirty="0">
                           <a:solidFill>
                             <a:srgbClr val="020302"/>
                           </a:solidFill>
                           <a:latin typeface="AdobeClean-Light"/>
                           <a:cs typeface="AdobeClean-Light"/>
                         </a:rPr>
-                        <a:t>   Business day /   </a:t>
+                        <a:t>   영업일 /   </a:t>
                       </a:r>
                     </a:p>
                     <a:p>
@@ -8554,14 +8028,14 @@
                         </a:spcBef>
                       </a:pPr>
                       <a:r>
-                        <a:rPr lang="en-US" sz="900" spc="0" dirty="0">
+                        <a:rPr lang="ja-jp" sz="900" spc="0" dirty="0">
                           <a:solidFill>
                             <a:srgbClr val="020302"/>
                           </a:solidFill>
                           <a:latin typeface="AdobeClean-Light"/>
                           <a:cs typeface="AdobeClean-Light"/>
                         </a:rPr>
-                        <a:t>4 hours</a:t>
+                        <a:t>4시간</a:t>
                       </a:r>
                       <a:endParaRPr lang="en-US" sz="900" spc="0" dirty="0">
                         <a:latin typeface="AdobeClean-Light"/>
@@ -8767,14 +8241,14 @@
                         </a:spcBef>
                       </a:pPr>
                       <a:r>
-                        <a:rPr sz="900" b="1" spc="0">
+                        <a:rPr lang="ja-jp" sz="900" b="1" spc="0">
                           <a:solidFill>
                             <a:srgbClr val="020302"/>
                           </a:solidFill>
                           <a:latin typeface="Adobe Clean"/>
                           <a:cs typeface="Adobe Clean"/>
                         </a:rPr>
-                        <a:t>PRIORITY 4</a:t>
+                        <a:t>우선 순위 4</a:t>
                       </a:r>
                       <a:endParaRPr sz="900" spc="0">
                         <a:latin typeface="Adobe Clean"/>
@@ -8800,14 +8274,14 @@
                         <a:defRPr/>
                       </a:pPr>
                       <a:r>
-                        <a:rPr lang="en-US" sz="900" b="0" i="0" spc="0">
+                        <a:rPr lang="ja-jp" sz="900" b="0" i="0" spc="0">
                           <a:solidFill>
                             <a:srgbClr val="000000"/>
                           </a:solidFill>
                           <a:effectLst/>
                           <a:latin typeface="Adobe Clean Light" panose="020B0303020404020204" pitchFamily="34" charset="0"/>
                         </a:rPr>
-                        <a:t>General question regarding current product functionality or an enhancement request. </a:t>
+                        <a:t>현재 제품 기능에 관한 일반적인 질문 또는 개선 요청입니다. </a:t>
                       </a:r>
                       <a:endParaRPr sz="900" b="0" i="0" spc="0">
                         <a:latin typeface="Adobe Clean Light" panose="020B0303020404020204" pitchFamily="34" charset="0"/>
@@ -8862,14 +8336,14 @@
                         </a:tabLst>
                       </a:pPr>
                       <a:r>
-                        <a:rPr lang="en-US" sz="900" spc="0" dirty="0">
+                        <a:rPr lang="ja-jp" sz="900" spc="0" dirty="0">
                           <a:solidFill>
                             <a:srgbClr val="020302"/>
                           </a:solidFill>
                           <a:latin typeface="AdobeClean-Light"/>
                           <a:cs typeface="AdobeClean-Light"/>
                         </a:rPr>
-                        <a:t>  Business day /   </a:t>
+                        <a:t>  영업일 /   </a:t>
                       </a:r>
                     </a:p>
                     <a:p>
@@ -8882,14 +8356,14 @@
                         </a:spcBef>
                       </a:pPr>
                       <a:r>
-                        <a:rPr lang="en-US" sz="900" spc="0" dirty="0">
+                        <a:rPr lang="ja-jp" sz="900" spc="0" dirty="0">
                           <a:solidFill>
                             <a:srgbClr val="020302"/>
                           </a:solidFill>
                           <a:latin typeface="AdobeClean-Light"/>
                           <a:cs typeface="AdobeClean-Light"/>
                         </a:rPr>
-                        <a:t>1 day </a:t>
+                        <a:t>1일 </a:t>
                       </a:r>
                       <a:endParaRPr lang="en-US" sz="900" spc="0" dirty="0">
                         <a:latin typeface="AdobeClean-Light"/>
@@ -9213,36 +8687,36 @@
               </a:spcBef>
             </a:pPr>
             <a:r>
-              <a:rPr lang="en-US" spc="-10" dirty="0"/>
+              <a:rPr lang="ja-jp" spc="-10" dirty="0"/>
               <a:t>©202</a:t>
             </a:r>
             <a:r>
-              <a:rPr lang="en-US" spc="-5" dirty="0"/>
-              <a:t>2 Adobe. All</a:t>
-            </a:r>
-            <a:r>
-              <a:rPr lang="en-US" spc="-10" dirty="0"/>
+              <a:rPr lang="ja-jp" spc="-5" dirty="0"/>
+              <a:t>2 Adobe.All</a:t>
+            </a:r>
+            <a:r>
+              <a:rPr lang="ja-jp" spc="-10" dirty="0"/>
               <a:t> Rights</a:t>
             </a:r>
             <a:r>
-              <a:rPr lang="en-US" spc="-5" dirty="0"/>
+              <a:rPr lang="ja-jp" spc="-5" dirty="0"/>
               <a:t> </a:t>
             </a:r>
             <a:r>
-              <a:rPr lang="en-US" spc="-10" dirty="0"/>
+              <a:rPr lang="ja-jp" spc="-10" dirty="0"/>
               <a:t>Reserved.</a:t>
             </a:r>
             <a:r>
-              <a:rPr lang="en-US" spc="-5" dirty="0"/>
-              <a:t> Adobe</a:t>
-            </a:r>
-            <a:r>
-              <a:rPr lang="en-US" spc="60" dirty="0"/>
+              <a:rPr lang="ja-jp" spc="-5" dirty="0"/>
+              <a:t>Adobe</a:t>
+            </a:r>
+            <a:r>
+              <a:rPr lang="ja-jp" spc="60" dirty="0"/>
               <a:t> </a:t>
             </a:r>
             <a:r>
-              <a:rPr lang="en-US" spc="-10" dirty="0"/>
-              <a:t>Confidential.</a:t>
+              <a:rPr lang="ja-jp" spc="-10" dirty="0"/>
+              <a:t>기밀.</a:t>
             </a:r>
           </a:p>
         </p:txBody>
@@ -9366,17 +8840,17 @@
               </a:spcBef>
             </a:pPr>
             <a:r>
-              <a:rPr sz="1400" b="1" spc="-10">
+              <a:rPr lang="ja-jp" sz="1400" b="1" spc="-10">
                 <a:solidFill>
                   <a:srgbClr val="020302"/>
                 </a:solidFill>
                 <a:latin typeface="Adobe Clean"/>
                 <a:cs typeface="Adobe Clean"/>
               </a:rPr>
-              <a:t>Elite</a:t>
-            </a:r>
-            <a:r>
-              <a:rPr sz="1400" b="1" spc="-50">
+              <a:t>엘리트</a:t>
+            </a:r>
+            <a:r>
+              <a:rPr lang="ja-jp" sz="1400" b="1" spc="-50">
                 <a:solidFill>
                   <a:srgbClr val="020302"/>
                 </a:solidFill>
@@ -9386,17 +8860,17 @@
               <a:t> </a:t>
             </a:r>
             <a:r>
-              <a:rPr sz="1400" b="1" spc="-10">
+              <a:rPr lang="ja-jp" sz="1400" b="1" spc="-10">
                 <a:solidFill>
                   <a:srgbClr val="020302"/>
                 </a:solidFill>
                 <a:latin typeface="Adobe Clean"/>
                 <a:cs typeface="Adobe Clean"/>
               </a:rPr>
-              <a:t>Support</a:t>
-            </a:r>
-            <a:r>
-              <a:rPr sz="1400" b="1" spc="-45">
+              <a:t>지원</a:t>
+            </a:r>
+            <a:r>
+              <a:rPr lang="ja-jp" sz="1400" b="1" spc="-45">
                 <a:solidFill>
                   <a:srgbClr val="020302"/>
                 </a:solidFill>
@@ -9406,14 +8880,14 @@
               <a:t> </a:t>
             </a:r>
             <a:r>
-              <a:rPr sz="1400" b="1" spc="-15">
+              <a:rPr lang="ja-jp" sz="1400" b="1" spc="-15">
                 <a:solidFill>
                   <a:srgbClr val="020302"/>
                 </a:solidFill>
                 <a:latin typeface="Adobe Clean"/>
                 <a:cs typeface="Adobe Clean"/>
               </a:rPr>
-              <a:t>Features</a:t>
+              <a:t>기능</a:t>
             </a:r>
             <a:endParaRPr sz="1400">
               <a:latin typeface="Adobe Clean"/>
@@ -9452,53 +8926,11 @@
               </a:spcBef>
             </a:pPr>
             <a:r>
-              <a:rPr sz="1000" dirty="0">
+              <a:rPr lang="ja-jp" sz="1000" dirty="0">
                 <a:latin typeface="AdobeClean-Light"/>
                 <a:cs typeface="AdobeClean-Light"/>
               </a:rPr>
-              <a:t>A</a:t>
-            </a:r>
-            <a:r>
-              <a:rPr lang="en-US" sz="1000" dirty="0">
-                <a:latin typeface="AdobeClean-Light"/>
-                <a:cs typeface="AdobeClean-Light"/>
-              </a:rPr>
-              <a:t> designated Su</a:t>
-            </a:r>
-            <a:r>
-              <a:rPr sz="1000" dirty="0">
-                <a:latin typeface="AdobeClean-Light"/>
-                <a:cs typeface="AdobeClean-Light"/>
-              </a:rPr>
-              <a:t>pport </a:t>
-            </a:r>
-            <a:r>
-              <a:rPr lang="en-US" sz="1000" dirty="0">
-                <a:latin typeface="AdobeClean-Light"/>
-                <a:cs typeface="AdobeClean-Light"/>
-              </a:rPr>
-              <a:t>E</a:t>
-            </a:r>
-            <a:r>
-              <a:rPr sz="1000" dirty="0">
-                <a:latin typeface="AdobeClean-Light"/>
-                <a:cs typeface="AdobeClean-Light"/>
-              </a:rPr>
-              <a:t>ngineer who  becomes familiar with your solution  environment and business goals. The NSE  is an experienced support engineer that  helps coordinate your </a:t>
-            </a:r>
-            <a:r>
-              <a:rPr lang="en-US" sz="1000" dirty="0">
-                <a:latin typeface="AdobeClean-Light"/>
-                <a:cs typeface="AdobeClean-Light"/>
-              </a:rPr>
-              <a:t>Elite</a:t>
-            </a:r>
-            <a:r>
-              <a:rPr sz="1000" dirty="0">
-                <a:latin typeface="AdobeClean-Light"/>
-                <a:cs typeface="AdobeClean-Light"/>
-              </a:rPr>
-              <a:t> Support  experience.</a:t>
+              <a:t>고객의 솔루션환경과 비즈니스 목표에 정통하게 될 지정 지원 엔지니어입니다.NSE는 엘리트 지원 경험을 조정할 수 있게 숙련된 지원 엔지니어입니다.</a:t>
             </a:r>
           </a:p>
         </p:txBody>
@@ -9533,14 +8965,14 @@
               </a:spcBef>
             </a:pPr>
             <a:r>
-              <a:rPr lang="en-US" sz="1000" dirty="0">
+              <a:rPr lang="ja-jp" sz="1000" dirty="0">
                 <a:solidFill>
                   <a:srgbClr val="020302"/>
                 </a:solidFill>
                 <a:latin typeface="AdobeClean-Light"/>
                 <a:cs typeface="AdobeClean-Light"/>
               </a:rPr>
-              <a:t>A designated Technical Account Manager to oversee and advocate for your Elite support experience and provide proactive services to maximize your business value.</a:t>
+              <a:t>귀사의 엘리트 지원 경험을 감독 및 지지하고 사전 예방적 서비스를 제공하여 귀사의 비즈니스 가치를 극대화하는 지정된 기술 계정 관리자입니다.</a:t>
             </a:r>
           </a:p>
         </p:txBody>
@@ -9575,14 +9007,14 @@
               </a:spcBef>
             </a:pPr>
             <a:r>
-              <a:rPr sz="1200" b="1" dirty="0">
+              <a:rPr lang="ja-jp" sz="1200" b="1" dirty="0">
                 <a:solidFill>
                   <a:srgbClr val="020302"/>
                 </a:solidFill>
                 <a:latin typeface="Adobe Clean" panose="020B0503020404020204" pitchFamily="34" charset="0"/>
                 <a:cs typeface="Arial"/>
               </a:rPr>
-              <a:t>Technical Account Manager</a:t>
+              <a:t>기술 계정 관리자</a:t>
             </a:r>
             <a:endParaRPr sz="1200" dirty="0">
               <a:latin typeface="Adobe Clean" panose="020B0503020404020204" pitchFamily="34" charset="0"/>
@@ -9618,34 +9050,14 @@
               </a:spcBef>
             </a:pPr>
             <a:r>
-              <a:rPr sz="1000" dirty="0">
+              <a:rPr lang="ja-jp" sz="1000" dirty="0">
                 <a:solidFill>
                   <a:srgbClr val="020302"/>
                 </a:solidFill>
                 <a:latin typeface="AdobeClean-Light"/>
                 <a:cs typeface="AdobeClean-Light"/>
               </a:rPr>
-              <a:t>Receive personalized guidance</a:t>
-            </a:r>
-            <a:r>
-              <a:rPr lang="en-US" sz="1000" dirty="0">
-                <a:solidFill>
-                  <a:srgbClr val="020302"/>
-                </a:solidFill>
-                <a:latin typeface="AdobeClean-Light"/>
-                <a:cs typeface="AdobeClean-Light"/>
-              </a:rPr>
-              <a:t> and a proactive review for upgrade and migration planning purposes. Benefit from Adobe</a:t>
-            </a:r>
-            <a:r>
-              <a:rPr sz="1000" dirty="0">
-                <a:solidFill>
-                  <a:srgbClr val="020302"/>
-                </a:solidFill>
-                <a:latin typeface="AdobeClean-Light"/>
-                <a:cs typeface="AdobeClean-Light"/>
-              </a:rPr>
-              <a:t>  experts review release and upgrade plan.</a:t>
+              <a:t>업그레이드 및 마이그레이션 계획 목적의 개인화된 지침 및 사전 예방적 리뷰를 받게 됩니다.Adobe 전문가의 검토 릴리스 및 업그레이드 계획으로부터 얻을 수 있는 혜택입니다.</a:t>
             </a:r>
             <a:endParaRPr sz="1000" dirty="0">
               <a:latin typeface="AdobeClean-Light"/>
@@ -9814,20 +9226,20 @@
               </a:spcBef>
             </a:pPr>
             <a:r>
-              <a:rPr lang="en-US" sz="1000" dirty="0">
+              <a:rPr lang="ja-jp" sz="1000" dirty="0">
                 <a:solidFill>
                   <a:srgbClr val="020302"/>
                 </a:solidFill>
                 <a:latin typeface="AdobeClean-Light"/>
                 <a:cs typeface="AdobeClean-Light"/>
               </a:rPr>
-              <a:t>Additional named support contacts have the benefit of leveraging </a:t>
-            </a:r>
-            <a:r>
-              <a:rPr lang="en-US" sz="1000" dirty="0">
+              <a:t>추가 지정 지원 담당자는 </a:t>
+            </a:r>
+            <a:r>
+              <a:rPr lang="ja-jp" sz="1000" dirty="0">
                 <a:latin typeface="Adobe Clean Light" panose="020B0303020404020204" pitchFamily="34" charset="0"/>
               </a:rPr>
-              <a:t>available channels to interact with our technical support team on behalf of your company. </a:t>
+              <a:t>사용 가능한 채널을 통해 귀사를 대신하여 기술 지원 팀과 상호 작용할 수 있습니다.</a:t>
             </a:r>
             <a:endParaRPr lang="en-US" sz="1000" dirty="0">
               <a:solidFill>
@@ -9872,14 +9284,14 @@
               </a:spcBef>
             </a:pPr>
             <a:r>
-              <a:rPr lang="en-US" sz="1200" b="1" dirty="0">
+              <a:rPr lang="ja-jp" sz="1200" b="1" dirty="0">
                 <a:solidFill>
                   <a:srgbClr val="020302"/>
                 </a:solidFill>
                 <a:latin typeface="Adobe Clean" panose="020B0503020404020204" pitchFamily="34" charset="0"/>
                 <a:cs typeface="Arial"/>
               </a:rPr>
-              <a:t>Named Support Engineer</a:t>
+              <a:t>지정 지원 엔지니어</a:t>
             </a:r>
             <a:endParaRPr lang="en-US" sz="1200" dirty="0">
               <a:solidFill>
@@ -9924,14 +9336,14 @@
               </a:spcBef>
             </a:pPr>
             <a:r>
-              <a:rPr lang="en-US" sz="1200" b="1" dirty="0">
+              <a:rPr lang="ja-jp" sz="1200" b="1" dirty="0">
                 <a:solidFill>
                   <a:srgbClr val="020302"/>
                 </a:solidFill>
                 <a:latin typeface="Adobe Clean" panose="020B0503020404020204" pitchFamily="34" charset="0"/>
                 <a:cs typeface="Adobe Clean"/>
               </a:rPr>
-              <a:t>Additional Named Support Contacts</a:t>
+              <a:t>추가 지정 지원 담당자</a:t>
             </a:r>
             <a:endParaRPr lang="en-US" sz="1200" dirty="0">
               <a:solidFill>
@@ -9976,14 +9388,53 @@
               </a:spcBef>
             </a:pPr>
             <a:r>
-              <a:rPr lang="en-US" sz="1200" b="1" dirty="0">
+              <a:rPr lang="ja-jp" sz="1200" b="1" dirty="0">
                 <a:solidFill>
                   <a:srgbClr val="020302"/>
                 </a:solidFill>
                 <a:latin typeface="Adobe Clean" panose="020B0503020404020204" pitchFamily="34" charset="0"/>
                 <a:cs typeface="Adobe Clean"/>
               </a:rPr>
-              <a:t>Upgrade/Migration     Planning</a:t>
+              <a:t>업그레이드/마이그</a:t>
+            </a:r>
+            <a:r>
+              <a:rPr lang="ja-jp" sz="1200" b="1">
+                <a:solidFill>
+                  <a:srgbClr val="020302"/>
+                </a:solidFill>
+                <a:latin typeface="Adobe Clean" panose="020B0503020404020204" pitchFamily="34" charset="0"/>
+                <a:cs typeface="Adobe Clean"/>
+              </a:rPr>
+              <a:t>레이</a:t>
+            </a:r>
+            <a:br>
+              <a:rPr lang="en-US" altLang="ja-JP" sz="1200" b="1" dirty="0">
+                <a:solidFill>
+                  <a:srgbClr val="020302"/>
+                </a:solidFill>
+                <a:latin typeface="Adobe Clean" panose="020B0503020404020204" pitchFamily="34" charset="0"/>
+                <a:cs typeface="Adobe Clean"/>
+              </a:rPr>
+            </a:br>
+            <a:r>
+              <a:rPr lang="ja-jp" sz="1200" b="1">
+                <a:solidFill>
+                  <a:srgbClr val="020302"/>
+                </a:solidFill>
+                <a:latin typeface="Adobe Clean" panose="020B0503020404020204" pitchFamily="34" charset="0"/>
+                <a:cs typeface="Adobe Clean"/>
+              </a:rPr>
+              <a:t>션 </a:t>
+            </a:r>
+            <a:r>
+              <a:rPr lang="ja-jp" sz="1200" b="1" dirty="0">
+                <a:solidFill>
+                  <a:srgbClr val="020302"/>
+                </a:solidFill>
+                <a:latin typeface="Adobe Clean" panose="020B0503020404020204" pitchFamily="34" charset="0"/>
+                <a:cs typeface="Adobe Clean"/>
+              </a:rPr>
+              <a:t>계획</a:t>
             </a:r>
             <a:endParaRPr lang="en-US" sz="1200" dirty="0">
               <a:solidFill>
@@ -10189,14 +9640,14 @@
               </a:spcBef>
             </a:pPr>
             <a:r>
-              <a:rPr lang="en-US" sz="1400" b="1" spc="-10" dirty="0">
+              <a:rPr lang="ja-jp" sz="1400" b="1" spc="-10" dirty="0">
                 <a:solidFill>
                   <a:srgbClr val="020302"/>
                 </a:solidFill>
                 <a:latin typeface="Adobe Clean"/>
                 <a:cs typeface="Adobe Clean"/>
               </a:rPr>
-              <a:t>Standard Support Features</a:t>
+              <a:t>표준 지원 기능</a:t>
             </a:r>
             <a:endParaRPr lang="en-US" sz="1400" dirty="0">
               <a:latin typeface="Adobe Clean"/>
@@ -10298,12 +9749,12 @@
               </a:spcAft>
             </a:pPr>
             <a:r>
-              <a:rPr lang="en-US" sz="1200" b="1" dirty="0">
+              <a:rPr lang="ja-jp" sz="1200" b="1" dirty="0">
                 <a:latin typeface="Adobe Clean" panose="020B0503020404020204" pitchFamily="34" charset="0"/>
                 <a:ea typeface="Open Sans" pitchFamily="34" charset="0"/>
                 <a:cs typeface="Open Sans" pitchFamily="34" charset="0"/>
               </a:rPr>
-              <a:t>Community Forums</a:t>
+              <a:t>커뮤니티 포럼</a:t>
             </a:r>
           </a:p>
         </p:txBody>
@@ -10336,13 +9787,13 @@
           <a:lstStyle/>
           <a:p>
             <a:r>
-              <a:rPr lang="en-US" sz="1000" dirty="0">
+              <a:rPr lang="ja-jp" sz="1000" dirty="0">
                 <a:solidFill>
                   <a:srgbClr val="000000"/>
                 </a:solidFill>
                 <a:latin typeface="Adobe Clean Light" panose="020B0303020404020204" pitchFamily="34" charset="0"/>
               </a:rPr>
-              <a:t>Continuous online access to a growing database of technical solutions, product documentation, FAQs and more. Connect with other customers on Adobe Community to share best practices and lessons learned..</a:t>
+              <a:t>기술 솔루션, 제품 문서, FAQ 등 증가하는 데이터베이스에 대한 지속적인 온라인 액세스.Adobe 커뮤니티에서 다른 고객과 소통하여 모범 사례 및 진행 중 얻은 개선 사항을 공유합니다.</a:t>
             </a:r>
           </a:p>
         </p:txBody>
@@ -10385,12 +9836,12 @@
               </a:spcAft>
             </a:pPr>
             <a:r>
-              <a:rPr lang="en-US" sz="1200" b="1" dirty="0">
+              <a:rPr lang="ja-jp" sz="1200" b="1" dirty="0">
                 <a:latin typeface="Adobe Clean" panose="020B0503020404020204" pitchFamily="34" charset="0"/>
                 <a:ea typeface="Open Sans" pitchFamily="34" charset="0"/>
                 <a:cs typeface="Open Sans" pitchFamily="34" charset="0"/>
               </a:rPr>
-              <a:t>Self-Help Portal</a:t>
+              <a:t>자가 진단 포털</a:t>
             </a:r>
           </a:p>
         </p:txBody>
@@ -10423,13 +9874,13 @@
           <a:lstStyle/>
           <a:p>
             <a:r>
-              <a:rPr lang="en-US" sz="1000" dirty="0">
+              <a:rPr lang="ja-jp" sz="1000" dirty="0">
                 <a:solidFill>
                   <a:srgbClr val="000000"/>
                 </a:solidFill>
                 <a:latin typeface="Adobe Clean Light" panose="020B0303020404020204" pitchFamily="34" charset="0"/>
               </a:rPr>
-              <a:t>On-demand access to the online Self-help Support Portal review case status, and browse other resources, like our  news and alerts, knowledge base, featured tips, and more.</a:t>
+              <a:t>온라인 자가 진단 지원 포털에 대한 온디맨드 액세스를 통해 사례 상태를 검토하고 뉴스 및 알림, 기술 자료, 추천 팁 등과 같은 기타 리소스를 검색할 수 있습니다.</a:t>
             </a:r>
           </a:p>
         </p:txBody>
@@ -10448,8 +9899,8 @@
         </p:nvSpPr>
         <p:spPr>
           <a:xfrm>
-            <a:off x="5422535" y="7486269"/>
-            <a:ext cx="2148840" cy="641201"/>
+            <a:off x="5422534" y="7486269"/>
+            <a:ext cx="2349865" cy="795089"/>
           </a:xfrm>
           <a:prstGeom prst="rect">
             <a:avLst/>
@@ -10473,77 +9924,77 @@
               </a:tabLst>
             </a:pPr>
             <a:r>
-              <a:rPr lang="en-US" sz="1000" spc="-20" dirty="0">
+              <a:rPr lang="ja-jp" sz="1000" spc="-20" dirty="0">
                 <a:solidFill>
                   <a:srgbClr val="020302"/>
                 </a:solidFill>
                 <a:latin typeface="AdobeClean-Light"/>
                 <a:cs typeface="AdobeClean-Light"/>
               </a:rPr>
-              <a:t>Authorized Users (Admins) can start a chat session with Adobe Support </a:t>
-            </a:r>
-            <a:r>
-              <a:rPr lang="en-US" sz="1000" spc="-5" dirty="0">
+              <a:t>승인된 사용자(관리자)는 Adobe 지원 팀과 함께 채팅 세션을 시작하여 </a:t>
+            </a:r>
+            <a:r>
+              <a:rPr lang="ja-jp" sz="1000" spc="-5" dirty="0">
                 <a:solidFill>
                   <a:srgbClr val="020302"/>
                 </a:solidFill>
                 <a:latin typeface="AdobeClean-Light"/>
                 <a:cs typeface="AdobeClean-Light"/>
               </a:rPr>
-              <a:t>to </a:t>
-            </a:r>
-            <a:r>
-              <a:rPr lang="en-US" sz="1000" spc="-10" dirty="0">
+              <a:t>사례 </a:t>
+            </a:r>
+            <a:r>
+              <a:rPr lang="ja-jp" sz="1000" spc="-10" dirty="0">
                 <a:solidFill>
                   <a:srgbClr val="020302"/>
                 </a:solidFill>
                 <a:latin typeface="AdobeClean-Light"/>
                 <a:cs typeface="AdobeClean-Light"/>
               </a:rPr>
-              <a:t>get </a:t>
-            </a:r>
-            <a:r>
-              <a:rPr lang="en-US" sz="1000" spc="-20" dirty="0">
+              <a:t>제출에 </a:t>
+            </a:r>
+            <a:r>
+              <a:rPr lang="ja-jp" sz="1000" spc="-20" dirty="0">
                 <a:solidFill>
                   <a:srgbClr val="020302"/>
                 </a:solidFill>
                 <a:latin typeface="AdobeClean-Light"/>
                 <a:cs typeface="AdobeClean-Light"/>
               </a:rPr>
-              <a:t>answers</a:t>
-            </a:r>
-            <a:r>
-              <a:rPr lang="en-US" sz="1000" spc="-45" dirty="0">
+              <a:t>대한</a:t>
+            </a:r>
+            <a:r>
+              <a:rPr lang="ja-jp" sz="1000" spc="-45" dirty="0">
                 <a:solidFill>
                   <a:srgbClr val="020302"/>
                 </a:solidFill>
                 <a:latin typeface="AdobeClean-Light"/>
                 <a:cs typeface="AdobeClean-Light"/>
               </a:rPr>
-              <a:t> and </a:t>
-            </a:r>
-            <a:r>
-              <a:rPr lang="en-US" sz="1000" spc="-15" dirty="0">
+              <a:t> 답변 </a:t>
+            </a:r>
+            <a:r>
+              <a:rPr lang="ja-jp" sz="1000" spc="-15" dirty="0">
                 <a:solidFill>
                   <a:srgbClr val="020302"/>
                 </a:solidFill>
                 <a:latin typeface="AdobeClean-Light"/>
                 <a:cs typeface="AdobeClean-Light"/>
               </a:rPr>
-              <a:t>help </a:t>
-            </a:r>
-            <a:r>
-              <a:rPr lang="en-US" sz="1000" spc="-10" dirty="0">
+              <a:t>및 </a:t>
+            </a:r>
+            <a:r>
+              <a:rPr lang="ja-jp" sz="1000" spc="-10" dirty="0">
                 <a:solidFill>
                   <a:srgbClr val="020302"/>
                 </a:solidFill>
                 <a:latin typeface="AdobeClean-Light"/>
                 <a:cs typeface="AdobeClean-Light"/>
               </a:rPr>
-              <a:t>with</a:t>
-            </a:r>
-            <a:r>
-              <a:rPr lang="en-US" sz="1000" spc="85" dirty="0">
+              <a:t>도움을</a:t>
+            </a:r>
+            <a:r>
+              <a:rPr lang="ja-jp" sz="1000" spc="85" dirty="0">
                 <a:solidFill>
                   <a:srgbClr val="020302"/>
                 </a:solidFill>
@@ -10553,24 +10004,63 @@
               <a:t> </a:t>
             </a:r>
             <a:r>
-              <a:rPr lang="en-US" sz="1000" spc="-10" dirty="0">
+              <a:rPr lang="ja-jp" sz="1000" spc="-10" dirty="0">
                 <a:solidFill>
                   <a:srgbClr val="020302"/>
                 </a:solidFill>
                 <a:latin typeface="AdobeClean-Light"/>
                 <a:cs typeface="AdobeClean-Light"/>
               </a:rPr>
-              <a:t>case </a:t>
-            </a:r>
-            <a:r>
-              <a:rPr lang="en-US" sz="1000" spc="-20" dirty="0">
+              <a:t>얻을 </a:t>
+            </a:r>
+            <a:r>
+              <a:rPr lang="ja-jp" sz="1000" spc="-10">
                 <a:solidFill>
                   <a:srgbClr val="020302"/>
                 </a:solidFill>
                 <a:latin typeface="AdobeClean-Light"/>
                 <a:cs typeface="AdobeClean-Light"/>
               </a:rPr>
-              <a:t>submission.</a:t>
+              <a:t>수 </a:t>
+            </a:r>
+            <a:r>
+              <a:rPr lang="ja-jp" sz="1000" spc="-20">
+                <a:solidFill>
+                  <a:srgbClr val="020302"/>
+                </a:solidFill>
+                <a:latin typeface="AdobeClean-Light"/>
+                <a:cs typeface="AdobeClean-Light"/>
+              </a:rPr>
+              <a:t>있</a:t>
+            </a:r>
+            <a:br>
+              <a:rPr lang="en-US" altLang="ja-JP" sz="1000" spc="-20" dirty="0">
+                <a:solidFill>
+                  <a:srgbClr val="020302"/>
+                </a:solidFill>
+                <a:latin typeface="AdobeClean-Light"/>
+                <a:cs typeface="AdobeClean-Light"/>
+              </a:rPr>
+            </a:br>
+            <a:r>
+              <a:rPr lang="ja-jp" sz="1000" spc="-20">
+                <a:solidFill>
+                  <a:srgbClr val="020302"/>
+                </a:solidFill>
+                <a:latin typeface="AdobeClean-Light"/>
+                <a:cs typeface="AdobeClean-Light"/>
+              </a:rPr>
+              <a:t>습</a:t>
+            </a:r>
+            <a:r>
+              <a:rPr lang="ja-jp" sz="1000" spc="-20" dirty="0">
+                <a:solidFill>
+                  <a:srgbClr val="020302"/>
+                </a:solidFill>
+                <a:latin typeface="AdobeClean-Light"/>
+                <a:cs typeface="AdobeClean-Light"/>
+              </a:rPr>
+              <a:t>니다.</a:t>
             </a:r>
           </a:p>
           <a:p>
@@ -10586,14 +10076,14 @@
               </a:tabLst>
             </a:pPr>
             <a:r>
-              <a:rPr lang="en-US" sz="1000" i="1" spc="-10" dirty="0">
+              <a:rPr lang="ja-jp" sz="1000" i="1" spc="-10" dirty="0">
                 <a:solidFill>
                   <a:srgbClr val="7A7A7A"/>
                 </a:solidFill>
                 <a:latin typeface="AdobeClean-LightIt"/>
                 <a:cs typeface="AdobeClean-LightIt"/>
               </a:rPr>
-              <a:t>Subject to local hours</a:t>
+              <a:t>로컬 운영 시간에 따라 변경될 수 있음</a:t>
             </a:r>
             <a:endParaRPr lang="en-US" sz="1000" dirty="0">
               <a:latin typeface="AdobeClean-Light"/>
@@ -10640,12 +10130,12 @@
               </a:spcAft>
             </a:pPr>
             <a:r>
-              <a:rPr lang="en-US" sz="1200" b="1" dirty="0">
+              <a:rPr lang="ja-jp" sz="1200" b="1" dirty="0">
                 <a:latin typeface="Adobe Clean" panose="020B0503020404020204" pitchFamily="34" charset="0"/>
                 <a:ea typeface="Open Sans" pitchFamily="34" charset="0"/>
                 <a:cs typeface="Open Sans" pitchFamily="34" charset="0"/>
               </a:rPr>
-              <a:t>Chat Support</a:t>
+              <a:t>채팅 지원</a:t>
             </a:r>
           </a:p>
         </p:txBody>
@@ -10688,12 +10178,12 @@
               </a:spcAft>
             </a:pPr>
             <a:r>
-              <a:rPr lang="en-US" sz="1200" b="1" dirty="0">
+              <a:rPr lang="ja-jp" sz="1200" b="1" dirty="0">
                 <a:latin typeface="Adobe Clean" panose="020B0503020404020204" pitchFamily="34" charset="0"/>
                 <a:ea typeface="Open Sans" pitchFamily="34" charset="0"/>
                 <a:cs typeface="Open Sans" pitchFamily="34" charset="0"/>
               </a:rPr>
-              <a:t>Phone Support</a:t>
+              <a:t>전화 지원</a:t>
             </a:r>
           </a:p>
         </p:txBody>
@@ -10712,8 +10202,8 @@
         </p:nvSpPr>
         <p:spPr>
           <a:xfrm>
-            <a:off x="1896499" y="9097542"/>
-            <a:ext cx="2023834" cy="651460"/>
+            <a:off x="1896498" y="9097542"/>
+            <a:ext cx="2152987" cy="651460"/>
           </a:xfrm>
           <a:prstGeom prst="rect">
             <a:avLst/>
@@ -10726,62 +10216,62 @@
           <a:lstStyle/>
           <a:p>
             <a:r>
-              <a:rPr lang="en-US" sz="1000" dirty="0">
+              <a:rPr lang="ja-jp" sz="1000" dirty="0">
                 <a:solidFill>
                   <a:srgbClr val="020302"/>
                 </a:solidFill>
                 <a:latin typeface="AdobeClean-Light"/>
               </a:rPr>
-              <a:t>Authorized Users (Admins) </a:t>
-            </a:r>
-            <a:r>
-              <a:rPr lang="en-US" sz="1000" dirty="0">
+              <a:t>승인된 사용자(관리자)는 </a:t>
+            </a:r>
+            <a:r>
+              <a:rPr lang="ja-jp" sz="1000" dirty="0">
                 <a:latin typeface="Adobe Clean Light"/>
               </a:rPr>
-              <a:t>can call Adobe Support via phone </a:t>
-            </a:r>
-            <a:r>
-              <a:rPr lang="en-US" sz="1000" spc="-5" dirty="0">
+              <a:t>전화를 통해 Adobe 지원 팀에 문의하여 </a:t>
+            </a:r>
+            <a:r>
+              <a:rPr lang="ja-jp" sz="1000" spc="-5" dirty="0">
                 <a:solidFill>
                   <a:srgbClr val="020302"/>
                 </a:solidFill>
                 <a:latin typeface="AdobeClean-Light"/>
                 <a:cs typeface="AdobeClean-Light"/>
               </a:rPr>
-              <a:t>to </a:t>
-            </a:r>
-            <a:r>
-              <a:rPr lang="en-US" sz="1000" spc="-10" dirty="0">
+              <a:t>사례 </a:t>
+            </a:r>
+            <a:r>
+              <a:rPr lang="ja-jp" sz="1000" spc="-10" dirty="0">
                 <a:solidFill>
                   <a:srgbClr val="020302"/>
                 </a:solidFill>
                 <a:latin typeface="AdobeClean-Light"/>
                 <a:cs typeface="AdobeClean-Light"/>
               </a:rPr>
-              <a:t>get </a:t>
-            </a:r>
-            <a:r>
-              <a:rPr lang="en-US" sz="1000" spc="-20" dirty="0">
+              <a:t>제출에 </a:t>
+            </a:r>
+            <a:r>
+              <a:rPr lang="ja-jp" sz="1000" spc="-20" dirty="0">
                 <a:solidFill>
                   <a:srgbClr val="020302"/>
                 </a:solidFill>
                 <a:latin typeface="AdobeClean-Light"/>
                 <a:cs typeface="AdobeClean-Light"/>
               </a:rPr>
-              <a:t>answers</a:t>
-            </a:r>
-            <a:r>
-              <a:rPr lang="en-US" sz="1000" spc="-45" dirty="0">
+              <a:t>대한</a:t>
+            </a:r>
+            <a:r>
+              <a:rPr lang="ja-jp" sz="1000" spc="-45" dirty="0">
                 <a:solidFill>
                   <a:srgbClr val="020302"/>
                 </a:solidFill>
                 <a:latin typeface="AdobeClean-Light"/>
                 <a:cs typeface="AdobeClean-Light"/>
               </a:rPr>
-              <a:t> and</a:t>
-            </a:r>
-            <a:r>
-              <a:rPr lang="en-US" sz="1000" dirty="0">
+              <a:t> 답변</a:t>
+            </a:r>
+            <a:r>
+              <a:rPr lang="ja-jp" sz="1000" dirty="0">
                 <a:solidFill>
                   <a:srgbClr val="020302"/>
                 </a:solidFill>
@@ -10791,46 +10281,46 @@
               <a:t> </a:t>
             </a:r>
             <a:r>
-              <a:rPr lang="en-US" sz="1000" spc="-15" dirty="0">
+              <a:rPr lang="ja-jp" sz="1000" spc="-15" dirty="0">
                 <a:solidFill>
                   <a:srgbClr val="020302"/>
                 </a:solidFill>
                 <a:latin typeface="AdobeClean-Light"/>
                 <a:cs typeface="AdobeClean-Light"/>
               </a:rPr>
-              <a:t>help </a:t>
-            </a:r>
-            <a:r>
-              <a:rPr lang="en-US" sz="1000" spc="-10" dirty="0">
+              <a:t>및 </a:t>
+            </a:r>
+            <a:r>
+              <a:rPr lang="ja-jp" sz="1000" spc="-10" dirty="0">
                 <a:solidFill>
                   <a:srgbClr val="020302"/>
                 </a:solidFill>
                 <a:latin typeface="AdobeClean-Light"/>
                 <a:cs typeface="AdobeClean-Light"/>
               </a:rPr>
-              <a:t>with case </a:t>
-            </a:r>
-            <a:r>
-              <a:rPr lang="en-US" sz="1000" spc="-20" dirty="0">
+              <a:t>도움을 </a:t>
+            </a:r>
+            <a:r>
+              <a:rPr lang="ja-jp" sz="1000" spc="-20" dirty="0">
                 <a:solidFill>
                   <a:srgbClr val="020302"/>
                 </a:solidFill>
                 <a:latin typeface="AdobeClean-Light"/>
                 <a:cs typeface="AdobeClean-Light"/>
               </a:rPr>
-              <a:t>submission.</a:t>
+              <a:t>얻을 수 있습니다.</a:t>
             </a:r>
           </a:p>
           <a:p>
             <a:r>
-              <a:rPr lang="en-US" sz="1000" i="1" spc="-10" dirty="0">
+              <a:rPr lang="ja-jp" sz="1000" i="1" spc="-10" dirty="0">
                 <a:solidFill>
                   <a:srgbClr val="7A7A7A"/>
                 </a:solidFill>
                 <a:latin typeface="Adobe Clean Light" panose="020B0303020404020204" pitchFamily="34" charset="0"/>
                 <a:cs typeface="AdobeClean-LightIt"/>
               </a:rPr>
-              <a:t>Subject to local hours</a:t>
+              <a:t>로컬 운영 시간에 따라 변경될 수 있음</a:t>
             </a:r>
             <a:endParaRPr lang="en-US" sz="1000" i="1" dirty="0">
               <a:latin typeface="Adobe Clean Light" panose="020B0303020404020204" pitchFamily="34" charset="0"/>
@@ -10877,12 +10367,12 @@
               </a:spcAft>
             </a:pPr>
             <a:r>
-              <a:rPr lang="en-US" sz="1200" b="1" dirty="0">
+              <a:rPr lang="ja-jp" sz="1200" b="1" dirty="0">
                 <a:latin typeface="Adobe Clean" panose="020B0503020404020204" pitchFamily="34" charset="0"/>
                 <a:ea typeface="Open Sans" pitchFamily="34" charset="0"/>
                 <a:cs typeface="Open Sans" pitchFamily="34" charset="0"/>
               </a:rPr>
-              <a:t>Web Case Submission</a:t>
+              <a:t>웹 사례 제출</a:t>
             </a:r>
           </a:p>
         </p:txBody>
@@ -10915,19 +10405,19 @@
           <a:lstStyle/>
           <a:p>
             <a:r>
-              <a:rPr lang="en-US" sz="1000" dirty="0">
+              <a:rPr lang="ja-jp" sz="1000" dirty="0">
                 <a:solidFill>
                   <a:srgbClr val="020302"/>
                 </a:solidFill>
                 <a:latin typeface="AdobeClean-Light"/>
               </a:rPr>
-              <a:t>Authorized Users (Admins) </a:t>
-            </a:r>
-            <a:r>
-              <a:rPr lang="en-US" sz="1000" dirty="0">
+              <a:t>승인된 사용자(관리자)</a:t>
+            </a:r>
+            <a:r>
+              <a:rPr lang="ja-jp" sz="1000" dirty="0">
                 <a:latin typeface="Adobe Clean Light"/>
               </a:rPr>
-              <a:t>can submit unlimited web cases at any time for support issues for review by our technical support team.</a:t>
+              <a:t>는 언제든지 지원 문제에 대한 웹 사례를 당사의 기술 지원 팀에서 검토하도록 무제한으로 제출할 수 있습니다.</a:t>
             </a:r>
             <a:endParaRPr lang="en-US" sz="1000" dirty="0">
               <a:solidFill>
@@ -10967,18 +10457,18 @@
           <a:p>
             <a:pPr marL="12700" marR="5080"/>
             <a:r>
-              <a:rPr lang="en-US" sz="1000" dirty="0">
+              <a:rPr lang="ja-jp" sz="1000" dirty="0">
                 <a:latin typeface="Adobe Clean Light" panose="020B0303020404020204" pitchFamily="34" charset="0"/>
                 <a:cs typeface="AdobeClean-Light"/>
               </a:rPr>
-              <a:t>Receive prioritized routing to ensure faster connection to more senior support resources on submitted cases, as well as </a:t>
-            </a:r>
-            <a:r>
-              <a:rPr lang="en-US" sz="1000" dirty="0">
+              <a:t>제출된 사례에 대한 고급 지원 리소스에 보다 빠르게 연결할 수 있는 우선 순위가 지정된 라우팅과 더불어, </a:t>
+            </a:r>
+            <a:r>
+              <a:rPr lang="ja-jp" sz="1000" dirty="0">
                 <a:latin typeface="Adobe Clean Light" panose="020B0303020404020204" pitchFamily="34" charset="0"/>
                 <a:cs typeface="Adobe Clean Light"/>
               </a:rPr>
-              <a:t>higher prioritization on support case work through facilitated engagement with Engineering.</a:t>
+              <a:t>엔지니어링과 함께 용이한 참여를 통해 지원 사례 작업에 대해 높은 우선 순위를 받게 됩니다.</a:t>
             </a:r>
             <a:endParaRPr lang="en-US" sz="1000" dirty="0">
               <a:latin typeface="Adobe Clean Light" panose="020B0303020404020204" pitchFamily="34" charset="0"/>
@@ -11025,13 +10515,13 @@
               </a:spcAft>
             </a:pPr>
             <a:r>
-              <a:rPr lang="en-US" sz="1200" b="1" spc="-10" dirty="0">
+              <a:rPr lang="ja-jp" sz="1200" b="1" spc="-10" dirty="0">
                 <a:solidFill>
                   <a:srgbClr val="020302"/>
                 </a:solidFill>
                 <a:latin typeface="Adobe Clean" panose="020B0503020404020204" pitchFamily="34" charset="0"/>
               </a:rPr>
-              <a:t>Priority Case Routing &amp; Accelerated Issue Prioritization</a:t>
+              <a:t>우선 순위 사례 라우팅 및 가속화된 문제 우선 순위 지정</a:t>
             </a:r>
           </a:p>
         </p:txBody>
@@ -11072,10 +10562,10 @@
               </a:spcBef>
             </a:pPr>
             <a:r>
-              <a:rPr lang="en-US" sz="1000" dirty="0">
+              <a:rPr lang="ja-jp" sz="1000" dirty="0">
                 <a:latin typeface="Adobe Clean Light" panose="020B0303020404020204" pitchFamily="34" charset="0"/>
               </a:rPr>
-              <a:t>A designated point of contact within Adobe who will actively monitor open cases and can provide escalation assistance, regular updates and ensure priority is given to your most critical open support requests.</a:t>
+              <a:t>진행 중인 사례를 활발하게 모니터링하고 에스컬레이션 지원 및 정기 업데이트를 제공하고 진행 중인 지원 요청에서 가장 중요한 것에 우선 순위를 부여할 수 있는 Adobe 내의 지정된 담당자입니다.</a:t>
             </a:r>
             <a:endParaRPr lang="en-US" sz="1000" dirty="0">
               <a:latin typeface="Adobe Clean Light" panose="020B0303020404020204" pitchFamily="34" charset="0"/>
@@ -11122,13 +10612,13 @@
               </a:spcAft>
             </a:pPr>
             <a:r>
-              <a:rPr lang="en-US" sz="1200" b="1" spc="-10" dirty="0">
+              <a:rPr lang="ja-jp" sz="1200" b="1" spc="-10" dirty="0">
                 <a:solidFill>
                   <a:srgbClr val="020302"/>
                 </a:solidFill>
                 <a:latin typeface="Adobe Clean" panose="020B0503020404020204" pitchFamily="34" charset="0"/>
               </a:rPr>
-              <a:t>Proactive Case Monitoring and Escalation Management</a:t>
+              <a:t>사전 사례 모니터링 및 에스컬레이션 관리</a:t>
             </a:r>
           </a:p>
         </p:txBody>
@@ -11169,144 +10659,34 @@
               </a:spcBef>
             </a:pPr>
             <a:r>
-              <a:rPr sz="1200" b="1" spc="-20" dirty="0">
+              <a:rPr lang="ja-jp" sz="1200" b="1" spc="-20" dirty="0">
                 <a:solidFill>
                   <a:srgbClr val="020302"/>
                 </a:solidFill>
                 <a:latin typeface="Adobe Clean"/>
                 <a:cs typeface="Adobe Clean"/>
               </a:rPr>
-              <a:t>S</a:t>
-            </a:r>
-            <a:r>
-              <a:rPr sz="1200" b="1" spc="-25" dirty="0">
+              <a:t>서비스</a:t>
+            </a:r>
+            <a:r>
+              <a:rPr lang="ja-jp" sz="1200" b="1" spc="-80" dirty="0">
                 <a:solidFill>
                   <a:srgbClr val="020302"/>
                 </a:solidFill>
                 <a:latin typeface="Adobe Clean"/>
                 <a:cs typeface="Adobe Clean"/>
               </a:rPr>
-              <a:t>e</a:t>
-            </a:r>
-            <a:r>
-              <a:rPr sz="1200" b="1" spc="-20" dirty="0">
+              <a:t> </a:t>
+            </a:r>
+            <a:r>
+              <a:rPr lang="ja-jp" sz="1200" b="1" spc="-20" dirty="0">
                 <a:solidFill>
                   <a:srgbClr val="020302"/>
                 </a:solidFill>
                 <a:latin typeface="Adobe Clean"/>
                 <a:cs typeface="Adobe Clean"/>
               </a:rPr>
-              <a:t>r</a:t>
-            </a:r>
-            <a:r>
-              <a:rPr sz="1200" b="1" spc="-25" dirty="0">
-                <a:solidFill>
-                  <a:srgbClr val="020302"/>
-                </a:solidFill>
-                <a:latin typeface="Adobe Clean"/>
-                <a:cs typeface="Adobe Clean"/>
-              </a:rPr>
-              <a:t>v</a:t>
-            </a:r>
-            <a:r>
-              <a:rPr sz="1200" b="1" spc="-20" dirty="0">
-                <a:solidFill>
-                  <a:srgbClr val="020302"/>
-                </a:solidFill>
-                <a:latin typeface="Adobe Clean"/>
-                <a:cs typeface="Adobe Clean"/>
-              </a:rPr>
-              <a:t>i</a:t>
-            </a:r>
-            <a:r>
-              <a:rPr sz="1200" b="1" spc="-30" dirty="0">
-                <a:solidFill>
-                  <a:srgbClr val="020302"/>
-                </a:solidFill>
-                <a:latin typeface="Adobe Clean"/>
-                <a:cs typeface="Adobe Clean"/>
-              </a:rPr>
-              <a:t>c</a:t>
-            </a:r>
-            <a:r>
-              <a:rPr sz="1200" b="1" dirty="0">
-                <a:solidFill>
-                  <a:srgbClr val="020302"/>
-                </a:solidFill>
-                <a:latin typeface="Adobe Clean"/>
-                <a:cs typeface="Adobe Clean"/>
-              </a:rPr>
-              <a:t>e</a:t>
-            </a:r>
-            <a:r>
-              <a:rPr sz="1200" b="1" spc="-80" dirty="0">
-                <a:solidFill>
-                  <a:srgbClr val="020302"/>
-                </a:solidFill>
-                <a:latin typeface="Adobe Clean"/>
-                <a:cs typeface="Adobe Clean"/>
-              </a:rPr>
-              <a:t> </a:t>
-            </a:r>
-            <a:r>
-              <a:rPr sz="1200" b="1" spc="-20" dirty="0">
-                <a:solidFill>
-                  <a:srgbClr val="020302"/>
-                </a:solidFill>
-                <a:latin typeface="Adobe Clean"/>
-                <a:cs typeface="Adobe Clean"/>
-              </a:rPr>
-              <a:t>R</a:t>
-            </a:r>
-            <a:r>
-              <a:rPr sz="1200" b="1" spc="-25" dirty="0">
-                <a:solidFill>
-                  <a:srgbClr val="020302"/>
-                </a:solidFill>
-                <a:latin typeface="Adobe Clean"/>
-                <a:cs typeface="Adobe Clean"/>
-              </a:rPr>
-              <a:t>e</a:t>
-            </a:r>
-            <a:r>
-              <a:rPr sz="1200" b="1" spc="-30" dirty="0">
-                <a:solidFill>
-                  <a:srgbClr val="020302"/>
-                </a:solidFill>
-                <a:latin typeface="Adobe Clean"/>
-                <a:cs typeface="Adobe Clean"/>
-              </a:rPr>
-              <a:t>v</a:t>
-            </a:r>
-            <a:r>
-              <a:rPr sz="1200" b="1" spc="-20" dirty="0">
-                <a:solidFill>
-                  <a:srgbClr val="020302"/>
-                </a:solidFill>
-                <a:latin typeface="Adobe Clean"/>
-                <a:cs typeface="Adobe Clean"/>
-              </a:rPr>
-              <a:t>i</a:t>
-            </a:r>
-            <a:r>
-              <a:rPr sz="1200" b="1" spc="-25" dirty="0">
-                <a:solidFill>
-                  <a:srgbClr val="020302"/>
-                </a:solidFill>
-                <a:latin typeface="Adobe Clean"/>
-                <a:cs typeface="Adobe Clean"/>
-              </a:rPr>
-              <a:t>ew</a:t>
-            </a:r>
-            <a:r>
-              <a:rPr sz="1200" b="1" dirty="0">
-                <a:solidFill>
-                  <a:srgbClr val="020302"/>
-                </a:solidFill>
-                <a:latin typeface="Adobe Clean"/>
-                <a:cs typeface="Adobe Clean"/>
-              </a:rPr>
-              <a:t>s</a:t>
+              <a:t>리뷰</a:t>
             </a:r>
             <a:endParaRPr sz="1200" dirty="0">
               <a:latin typeface="Adobe Clean"/>
@@ -11351,10 +10731,10 @@
               </a:spcBef>
             </a:pPr>
             <a:r>
-              <a:rPr lang="en-US" sz="1000" dirty="0">
+              <a:rPr lang="ja-jp" sz="1000" dirty="0">
                 <a:latin typeface="Adobe Clean Light" panose="020B0303020404020204" pitchFamily="34" charset="0"/>
               </a:rPr>
-              <a:t>Comprehensive quarterly review of Elite program services, benefits and support performance. May be combined with other strategic business reviews held with Adobe.</a:t>
+              <a:t>엘리트 프로그램 서비스, 혜택 및 지원 성능에 대한 분기별 종합 리뷰입니다.Adobe에서 실시하는 기타 전략 비즈니스 리뷰와 결합될 수 있습니다.</a:t>
             </a:r>
             <a:endParaRPr sz="1000" dirty="0">
               <a:latin typeface="Adobe Clean Light" panose="020B0303020404020204" pitchFamily="34" charset="0"/>
@@ -11399,94 +10779,34 @@
               </a:spcBef>
             </a:pPr>
             <a:r>
-              <a:rPr lang="en-US" sz="1200" b="1" spc="-20" dirty="0">
+              <a:rPr lang="ja-jp" sz="1200" b="1" spc="-20" dirty="0">
                 <a:solidFill>
                   <a:srgbClr val="020302"/>
                 </a:solidFill>
                 <a:latin typeface="Adobe Clean"/>
                 <a:cs typeface="Adobe Clean"/>
               </a:rPr>
-              <a:t>Cas</a:t>
-            </a:r>
-            <a:r>
-              <a:rPr sz="1200" b="1" dirty="0">
+              <a:t>사례</a:t>
+            </a:r>
+            <a:r>
+              <a:rPr lang="ja-jp" sz="1200" b="1" spc="-80" dirty="0">
                 <a:solidFill>
                   <a:srgbClr val="020302"/>
                 </a:solidFill>
                 <a:latin typeface="Adobe Clean"/>
                 <a:cs typeface="Adobe Clean"/>
               </a:rPr>
-              <a:t>e</a:t>
-            </a:r>
-            <a:r>
-              <a:rPr sz="1200" b="1" spc="-80" dirty="0">
+              <a:t> </a:t>
+            </a:r>
+            <a:r>
+              <a:rPr lang="ja-jp" sz="1200" b="1" spc="-20" dirty="0">
                 <a:solidFill>
                   <a:srgbClr val="020302"/>
                 </a:solidFill>
                 <a:latin typeface="Adobe Clean"/>
                 <a:cs typeface="Adobe Clean"/>
               </a:rPr>
-              <a:t> </a:t>
-            </a:r>
-            <a:r>
-              <a:rPr sz="1200" b="1" spc="-20" dirty="0">
-                <a:solidFill>
-                  <a:srgbClr val="020302"/>
-                </a:solidFill>
-                <a:latin typeface="Adobe Clean"/>
-                <a:cs typeface="Adobe Clean"/>
-              </a:rPr>
-              <a:t>R</a:t>
-            </a:r>
-            <a:r>
-              <a:rPr sz="1200" b="1" spc="-25" dirty="0">
-                <a:solidFill>
-                  <a:srgbClr val="020302"/>
-                </a:solidFill>
-                <a:latin typeface="Adobe Clean"/>
-                <a:cs typeface="Adobe Clean"/>
-              </a:rPr>
-              <a:t>e</a:t>
-            </a:r>
-            <a:r>
-              <a:rPr sz="1200" b="1" spc="-30" dirty="0">
-                <a:solidFill>
-                  <a:srgbClr val="020302"/>
-                </a:solidFill>
-                <a:latin typeface="Adobe Clean"/>
-                <a:cs typeface="Adobe Clean"/>
-              </a:rPr>
-              <a:t>v</a:t>
-            </a:r>
-            <a:r>
-              <a:rPr sz="1200" b="1" spc="-20" dirty="0">
-                <a:solidFill>
-                  <a:srgbClr val="020302"/>
-                </a:solidFill>
-                <a:latin typeface="Adobe Clean"/>
-                <a:cs typeface="Adobe Clean"/>
-              </a:rPr>
-              <a:t>i</a:t>
-            </a:r>
-            <a:r>
-              <a:rPr sz="1200" b="1" spc="-25" dirty="0">
-                <a:solidFill>
-                  <a:srgbClr val="020302"/>
-                </a:solidFill>
-                <a:latin typeface="Adobe Clean"/>
-                <a:cs typeface="Adobe Clean"/>
-              </a:rPr>
-              <a:t>ew</a:t>
-            </a:r>
-            <a:r>
-              <a:rPr sz="1200" b="1" dirty="0">
-                <a:solidFill>
-                  <a:srgbClr val="020302"/>
-                </a:solidFill>
-                <a:latin typeface="Adobe Clean"/>
-                <a:cs typeface="Adobe Clean"/>
-              </a:rPr>
-              <a:t>s</a:t>
+              <a:t>검토</a:t>
             </a:r>
             <a:endParaRPr sz="1200" dirty="0">
               <a:latin typeface="Adobe Clean"/>
@@ -11531,13 +10851,13 @@
               </a:spcBef>
             </a:pPr>
             <a:r>
-              <a:rPr lang="en-US" sz="1000" dirty="0">
+              <a:rPr lang="ja-jp" sz="1000" dirty="0">
                 <a:latin typeface="Adobe Clean Light" panose="020B0303020404020204" pitchFamily="34" charset="0"/>
               </a:rPr>
-              <a:t>Regularly scheduled reviews of open support requests, ensuring customer alignment on case description, business impact, status, priority and agreement on next steps required to ensure a timely resolution</a:t>
-            </a:r>
-            <a:r>
-              <a:rPr lang="en-US" sz="1000" dirty="0">
+              <a:t>진행 중인 지원 요청을 정기적으로 검토하여 사례 설명, 비즈니스 영향, 상태, 우선 순위 및 필요한 다음 단계에 대한 고객의 동의에 맞춰 조정함으로써 신속한 해결을 보장합니다</a:t>
+            </a:r>
+            <a:r>
+              <a:rPr lang="ja-jp" sz="1000" dirty="0">
                 <a:solidFill>
                   <a:srgbClr val="4B4B4B"/>
                 </a:solidFill>
@@ -11585,14 +10905,14 @@
               </a:spcBef>
             </a:pPr>
             <a:r>
-              <a:rPr lang="en-US" sz="1000" dirty="0">
+              <a:rPr lang="ja-jp" sz="1000" dirty="0">
                 <a:solidFill>
                   <a:srgbClr val="020302"/>
                 </a:solidFill>
                 <a:latin typeface="AdobeClean-Light"/>
                 <a:cs typeface="AdobeClean-Light"/>
               </a:rPr>
-              <a:t>Proactive review of your solution  deployment, configuration, and overall  architecture, including integrations. Align your solution and project roadmap to  mitigate risk and prepare for the future.</a:t>
+              <a:t>솔루션 배포, 구성 및 전체 아키텍처(통합 포함)에 대한 사전 예방적 검토입니다.조정하여 위험을 완화하고 미래에 대비하도록 사용자의 솔루션 및 프로젝트 로드맵을 맞춤화합니다.</a:t>
             </a:r>
             <a:endParaRPr lang="en-US" sz="1000" dirty="0">
               <a:latin typeface="AdobeClean-Light"/>
@@ -11648,14 +10968,14 @@
               </a:spcBef>
             </a:pPr>
             <a:r>
-              <a:rPr lang="en-US" sz="1200" b="1" dirty="0">
+              <a:rPr lang="ja-jp" sz="1200" b="1" dirty="0">
                 <a:solidFill>
                   <a:srgbClr val="020302"/>
                 </a:solidFill>
                 <a:latin typeface="Adobe Clean" panose="020B0503020404020204" pitchFamily="34" charset="0"/>
                 <a:cs typeface="Adobe Clean"/>
               </a:rPr>
-              <a:t>Release Preparation and Planning </a:t>
+              <a:t>릴리스 준비 및 계획 </a:t>
             </a:r>
             <a:endParaRPr lang="en-US" sz="1200" dirty="0">
               <a:solidFill>
@@ -11696,27 +11016,27 @@
           <a:p>
             <a:pPr lvl="0"/>
             <a:r>
-              <a:rPr lang="en-US" sz="1200" b="1" dirty="0">
+              <a:rPr lang="ja-jp" sz="1200" b="1" dirty="0">
                 <a:solidFill>
                   <a:srgbClr val="020302"/>
                 </a:solidFill>
                 <a:latin typeface="Adobe Clean" panose="020B0503020404020204" pitchFamily="34" charset="0"/>
                 <a:cs typeface="Adobe Clean"/>
               </a:rPr>
-              <a:t>Solution and Roadmap </a:t>
+              <a:t>솔루션 및 로드맵 </a:t>
             </a:r>
           </a:p>
           <a:p>
             <a:pPr lvl="0"/>
             <a:r>
-              <a:rPr lang="en-US" sz="1200" b="1" dirty="0">
+              <a:rPr lang="ja-jp" sz="1200" b="1" dirty="0">
                 <a:solidFill>
                   <a:srgbClr val="020302"/>
                 </a:solidFill>
                 <a:latin typeface="Adobe Clean" panose="020B0503020404020204" pitchFamily="34" charset="0"/>
                 <a:cs typeface="Adobe Clean"/>
               </a:rPr>
-              <a:t>Review</a:t>
+              <a:t>검토</a:t>
             </a:r>
             <a:endParaRPr lang="en-US" sz="1200" dirty="0">
               <a:solidFill>
@@ -11761,14 +11081,14 @@
               </a:spcBef>
             </a:pPr>
             <a:r>
-              <a:rPr lang="en-US" sz="1000" dirty="0">
+              <a:rPr lang="ja-jp" sz="1000" dirty="0">
                 <a:solidFill>
                   <a:srgbClr val="020302"/>
                 </a:solidFill>
                 <a:latin typeface="AdobeClean-Light"/>
                 <a:cs typeface="AdobeClean-Light"/>
               </a:rPr>
-              <a:t>Benefit from tailored release information based on product configuration and use case(s). </a:t>
+              <a:t>제품 구성 및 사용 사례를 기반으로 맞춤화된 릴리스 정보로부터 얻을 수 있는 혜택입니다.</a:t>
             </a:r>
             <a:endParaRPr lang="en-US" sz="1000" dirty="0">
               <a:latin typeface="AdobeClean-Light"/>
@@ -11865,10 +11185,10 @@
               </a:spcBef>
             </a:pPr>
             <a:r>
-              <a:rPr lang="en-US" sz="1000" dirty="0">
+              <a:rPr lang="ja-jp" sz="1000" dirty="0">
                 <a:latin typeface="Adobe Clean Light" panose="020B0303020404020204" pitchFamily="34" charset="0"/>
               </a:rPr>
-              <a:t>Receive support from members of our Adobe Support Team located within your global region. This may include in-country and/or in-language support. </a:t>
+              <a:t>사용자의 글로벌 지역 내에 있는 Adobe 지원 팀의 멤버로부터 지원을 받게 됩니다.여기에는 국가 및/또는 언어 지원이 포함될 수 있습니다.</a:t>
             </a:r>
           </a:p>
         </p:txBody>
@@ -11906,14 +11226,14 @@
               </a:spcBef>
             </a:pPr>
             <a:r>
-              <a:rPr lang="en-US" sz="1200" b="1" dirty="0">
+              <a:rPr lang="ja-jp" sz="1200" b="1" dirty="0">
                 <a:solidFill>
                   <a:srgbClr val="020302"/>
                 </a:solidFill>
                 <a:latin typeface="Adobe Clean" panose="020B0503020404020204" pitchFamily="34" charset="0"/>
                 <a:cs typeface="Adobe Clean"/>
               </a:rPr>
-              <a:t>In-Region Support Option</a:t>
+              <a:t>지역 지원 옵션</a:t>
             </a:r>
             <a:endParaRPr lang="en-US" sz="1200" dirty="0">
               <a:solidFill>
@@ -11958,11 +11278,11 @@
               </a:spcBef>
             </a:pPr>
             <a:r>
-              <a:rPr lang="en-US" sz="1000" dirty="0">
+              <a:rPr lang="ja-jp" sz="1000" dirty="0">
                 <a:latin typeface="AdobeClean-Light"/>
                 <a:cs typeface="AdobeClean-Light"/>
               </a:rPr>
-              <a:t>Benefit from the partnership of an Executive Sponsor from Adobe’s Support Leadership Team. </a:t>
+              <a:t>Adobe의 지원 리더십 팀의 경영 스폰서와의 파트너십으로부터 얻을 수 있는 혜택입니다.</a:t>
             </a:r>
             <a:endParaRPr sz="1000" dirty="0">
               <a:latin typeface="AdobeClean-Light"/>
@@ -12004,14 +11324,14 @@
               </a:spcBef>
             </a:pPr>
             <a:r>
-              <a:rPr lang="en-US" sz="1200" b="1" dirty="0">
+              <a:rPr lang="ja-jp" sz="1200" b="1" dirty="0">
                 <a:solidFill>
                   <a:srgbClr val="020302"/>
                 </a:solidFill>
                 <a:latin typeface="Adobe Clean" panose="020B0503020404020204" pitchFamily="34" charset="0"/>
                 <a:cs typeface="Adobe Clean"/>
               </a:rPr>
-              <a:t>Executive Sponsor </a:t>
+              <a:t>경영 스폰서 </a:t>
             </a:r>
             <a:endParaRPr lang="en-US" sz="1200" dirty="0">
               <a:solidFill>
@@ -12817,36 +12137,36 @@
               </a:spcBef>
             </a:pPr>
             <a:r>
-              <a:rPr lang="en-US" spc="-10" dirty="0"/>
+              <a:rPr lang="ja-jp" spc="-10" dirty="0"/>
               <a:t>©202</a:t>
             </a:r>
             <a:r>
-              <a:rPr lang="en-US" spc="-5" dirty="0"/>
-              <a:t>2 Adobe. All</a:t>
-            </a:r>
-            <a:r>
-              <a:rPr lang="en-US" spc="-10" dirty="0"/>
+              <a:rPr lang="ja-jp" spc="-5" dirty="0"/>
+              <a:t>2 Adobe.All</a:t>
+            </a:r>
+            <a:r>
+              <a:rPr lang="ja-jp" spc="-10" dirty="0"/>
               <a:t> Rights</a:t>
             </a:r>
             <a:r>
-              <a:rPr lang="en-US" spc="-5" dirty="0"/>
+              <a:rPr lang="ja-jp" spc="-5" dirty="0"/>
               <a:t> </a:t>
             </a:r>
             <a:r>
-              <a:rPr lang="en-US" spc="-10" dirty="0"/>
+              <a:rPr lang="ja-jp" spc="-10" dirty="0"/>
               <a:t>Reserved.</a:t>
             </a:r>
             <a:r>
-              <a:rPr lang="en-US" spc="-5" dirty="0"/>
-              <a:t> Adobe</a:t>
-            </a:r>
-            <a:r>
-              <a:rPr lang="en-US" spc="60" dirty="0"/>
+              <a:rPr lang="ja-jp" spc="-5" dirty="0"/>
+              <a:t>Adobe</a:t>
+            </a:r>
+            <a:r>
+              <a:rPr lang="ja-jp" spc="60" dirty="0"/>
               <a:t> </a:t>
             </a:r>
             <a:r>
-              <a:rPr lang="en-US" spc="-10" dirty="0"/>
-              <a:t>Confidential.</a:t>
+              <a:rPr lang="ja-jp" spc="-10" dirty="0"/>
+              <a:t>기밀.</a:t>
             </a:r>
           </a:p>
         </p:txBody>
@@ -12908,17 +12228,17 @@
               </a:lnSpc>
             </a:pPr>
             <a:r>
-              <a:rPr sz="500" spc="-5">
+              <a:rPr lang="ja-jp" sz="500" spc="-5">
                 <a:solidFill>
                   <a:srgbClr val="6C6C6C"/>
                 </a:solidFill>
                 <a:latin typeface="Adobe Clean"/>
                 <a:cs typeface="Adobe Clean"/>
               </a:rPr>
-              <a:t>©2020 Adobe. All Rights Reserved. </a:t>
-            </a:r>
-            <a:r>
-              <a:rPr sz="500">
+              <a:t>© 2020 Adobe. All Rights Reserved.</a:t>
+            </a:r>
+            <a:r>
+              <a:rPr lang="ja-jp" sz="500">
                 <a:solidFill>
                   <a:srgbClr val="6C6C6C"/>
                 </a:solidFill>
@@ -12928,7 +12248,7 @@
               <a:t>Adobe</a:t>
             </a:r>
             <a:r>
-              <a:rPr sz="500" spc="5">
+              <a:rPr lang="ja-jp" sz="500" spc="5">
                 <a:solidFill>
                   <a:srgbClr val="6C6C6C"/>
                 </a:solidFill>
@@ -12938,14 +12258,14 @@
               <a:t> </a:t>
             </a:r>
             <a:r>
-              <a:rPr sz="500" spc="-5">
+              <a:rPr lang="ja-jp" sz="500" spc="-5">
                 <a:solidFill>
                   <a:srgbClr val="6C6C6C"/>
                 </a:solidFill>
                 <a:latin typeface="Adobe Clean"/>
                 <a:cs typeface="Adobe Clean"/>
               </a:rPr>
-              <a:t>Confidential.</a:t>
+              <a:t>기밀.</a:t>
             </a:r>
             <a:endParaRPr sz="500">
               <a:latin typeface="Adobe Clean"/>
@@ -12976,17 +12296,17 @@
               </a:spcBef>
             </a:pPr>
             <a:r>
-              <a:rPr sz="800" spc="-5">
+              <a:rPr lang="ja-jp" sz="800" spc="-5">
                 <a:solidFill>
                   <a:srgbClr val="6D6D6D"/>
                 </a:solidFill>
                 <a:latin typeface="Adobe Clean"/>
                 <a:cs typeface="Adobe Clean"/>
               </a:rPr>
-              <a:t>©2020 Adobe. All Rights Reserved. Adobe</a:t>
-            </a:r>
-            <a:r>
-              <a:rPr sz="800" spc="75">
+              <a:t>© 2020 Adobe. All Rights Reserved.Adobe</a:t>
+            </a:r>
+            <a:r>
+              <a:rPr lang="ja-jp" sz="800" spc="75">
                 <a:solidFill>
                   <a:srgbClr val="6D6D6D"/>
                 </a:solidFill>
@@ -12996,14 +12316,14 @@
               <a:t> </a:t>
             </a:r>
             <a:r>
-              <a:rPr sz="800" spc="-5">
+              <a:rPr lang="ja-jp" sz="800" spc="-5">
                 <a:solidFill>
                   <a:srgbClr val="6D6D6D"/>
                 </a:solidFill>
                 <a:latin typeface="Adobe Clean"/>
                 <a:cs typeface="Adobe Clean"/>
               </a:rPr>
-              <a:t>Confidential.</a:t>
+              <a:t>기밀.</a:t>
             </a:r>
             <a:endParaRPr sz="800">
               <a:latin typeface="Adobe Clean"/>
@@ -13092,14 +12412,14 @@
               </a:spcBef>
             </a:pPr>
             <a:r>
-              <a:rPr lang="en-US" sz="1400" b="1" spc="-15">
+              <a:rPr lang="ja-jp" sz="1400" b="1" spc="-15">
                 <a:solidFill>
                   <a:srgbClr val="020302"/>
                 </a:solidFill>
                 <a:latin typeface="Adobe Clean"/>
                 <a:cs typeface="Adobe Clean"/>
               </a:rPr>
-              <a:t>Resources</a:t>
+              <a:t>리소스</a:t>
             </a:r>
             <a:endParaRPr sz="1400">
               <a:latin typeface="Adobe Clean"/>
@@ -13138,7 +12458,7 @@
               </a:spcBef>
             </a:pPr>
             <a:r>
-              <a:rPr sz="800" spc="-15">
+              <a:rPr lang="ja-jp" sz="800" spc="-15">
                 <a:solidFill>
                   <a:srgbClr val="777879"/>
                 </a:solidFill>
@@ -13159,7 +12479,7 @@
               </a:lnSpc>
             </a:pPr>
             <a:r>
-              <a:rPr sz="800" spc="-15">
+              <a:rPr lang="ja-jp" sz="800" spc="-15">
                 <a:solidFill>
                   <a:srgbClr val="777879"/>
                 </a:solidFill>
@@ -13169,7 +12489,7 @@
               <a:t>345 Park</a:t>
             </a:r>
             <a:r>
-              <a:rPr sz="800" spc="-100">
+              <a:rPr lang="ja-jp" sz="800" spc="-100">
                 <a:solidFill>
                   <a:srgbClr val="777879"/>
                 </a:solidFill>
@@ -13179,7 +12499,7 @@
               <a:t> </a:t>
             </a:r>
             <a:r>
-              <a:rPr sz="800" spc="-15">
+              <a:rPr lang="ja-jp" sz="800" spc="-15">
                 <a:solidFill>
                   <a:srgbClr val="777879"/>
                 </a:solidFill>
@@ -13200,7 +12520,7 @@
               </a:lnSpc>
             </a:pPr>
             <a:r>
-              <a:rPr sz="800" spc="-10">
+              <a:rPr lang="ja-jp" sz="800" spc="-10">
                 <a:solidFill>
                   <a:srgbClr val="777879"/>
                 </a:solidFill>
@@ -13210,7 +12530,7 @@
               <a:t>San </a:t>
             </a:r>
             <a:r>
-              <a:rPr sz="800" spc="-15">
+              <a:rPr lang="ja-jp" sz="800" spc="-15">
                 <a:solidFill>
                   <a:srgbClr val="777879"/>
                 </a:solidFill>
@@ -13220,7 +12540,7 @@
               <a:t>Jose,</a:t>
             </a:r>
             <a:r>
-              <a:rPr sz="800" spc="-140">
+              <a:rPr lang="ja-jp" sz="800" spc="-140">
                 <a:solidFill>
                   <a:srgbClr val="777879"/>
                 </a:solidFill>
@@ -13230,7 +12550,7 @@
               <a:t> </a:t>
             </a:r>
             <a:r>
-              <a:rPr sz="800" spc="-20">
+              <a:rPr lang="ja-jp" sz="800" spc="-20">
                 <a:solidFill>
                   <a:srgbClr val="777879"/>
                 </a:solidFill>
@@ -13254,7 +12574,7 @@
               </a:spcBef>
             </a:pPr>
             <a:r>
-              <a:rPr sz="800" spc="-10">
+              <a:rPr lang="ja-jp" sz="800" spc="-10">
                 <a:solidFill>
                   <a:srgbClr val="777879"/>
                 </a:solidFill>
@@ -13278,7 +12598,7 @@
               </a:spcBef>
             </a:pPr>
             <a:r>
-              <a:rPr sz="800" u="sng" spc="-25">
+              <a:rPr lang="ja-jp" sz="800" u="sng" spc="-25">
                 <a:solidFill>
                   <a:srgbClr val="5F5F5F"/>
                 </a:solidFill>
@@ -13291,7 +12611,7 @@
                 <a:cs typeface="Adobe Clean"/>
                 <a:hlinkClick r:id="rId3"/>
               </a:rPr>
-              <a:t>www.adobe.com</a:t>
+              <a:t>www.adobe.com/kr/</a:t>
             </a:r>
             <a:endParaRPr sz="800">
               <a:latin typeface="Adobe Clean"/>
@@ -13471,17 +12791,17 @@
               </a:spcBef>
             </a:pPr>
             <a:r>
-              <a:rPr sz="1100" i="1" spc="-10" dirty="0">
+              <a:rPr lang="ja-jp" sz="1100" i="1" spc="-10" dirty="0">
                 <a:solidFill>
                   <a:srgbClr val="777879"/>
                 </a:solidFill>
                 <a:latin typeface="AdobeClean-LightIt"/>
                 <a:cs typeface="AdobeClean-LightIt"/>
               </a:rPr>
-              <a:t>To</a:t>
-            </a:r>
-            <a:r>
-              <a:rPr sz="1100" i="1" spc="-50" dirty="0">
+              <a:t>Adobe</a:t>
+            </a:r>
+            <a:r>
+              <a:rPr lang="ja-jp" sz="1100" i="1" spc="-50" dirty="0">
                 <a:solidFill>
                   <a:srgbClr val="777879"/>
                 </a:solidFill>
@@ -13491,17 +12811,17 @@
               <a:t> </a:t>
             </a:r>
             <a:r>
-              <a:rPr sz="1100" i="1" spc="-15" dirty="0">
+              <a:rPr lang="ja-jp" sz="1100" i="1" spc="-15" dirty="0">
                 <a:solidFill>
                   <a:srgbClr val="777879"/>
                 </a:solidFill>
                 <a:latin typeface="AdobeClean-LightIt"/>
                 <a:cs typeface="AdobeClean-LightIt"/>
               </a:rPr>
-              <a:t>learn</a:t>
-            </a:r>
-            <a:r>
-              <a:rPr sz="1100" i="1" spc="-40" dirty="0">
+              <a:t>지원</a:t>
+            </a:r>
+            <a:r>
+              <a:rPr lang="ja-jp" sz="1100" i="1" spc="-40" dirty="0">
                 <a:solidFill>
                   <a:srgbClr val="777879"/>
                 </a:solidFill>
@@ -13511,17 +12831,17 @@
               <a:t> </a:t>
             </a:r>
             <a:r>
-              <a:rPr sz="1100" i="1" spc="-15" dirty="0">
+              <a:rPr lang="ja-jp" sz="1100" i="1" spc="-15" dirty="0">
                 <a:solidFill>
                   <a:srgbClr val="777879"/>
                 </a:solidFill>
                 <a:latin typeface="AdobeClean-LightIt"/>
                 <a:cs typeface="AdobeClean-LightIt"/>
               </a:rPr>
-              <a:t>more</a:t>
-            </a:r>
-            <a:r>
-              <a:rPr sz="1100" i="1" spc="-45" dirty="0">
+              <a:t>서비스</a:t>
+            </a:r>
+            <a:r>
+              <a:rPr lang="ja-jp" sz="1100" i="1" spc="-45" dirty="0">
                 <a:solidFill>
                   <a:srgbClr val="777879"/>
                 </a:solidFill>
@@ -13531,17 +12851,17 @@
               <a:t> </a:t>
             </a:r>
             <a:r>
-              <a:rPr sz="1100" i="1" spc="-15" dirty="0">
+              <a:rPr lang="ja-jp" sz="1100" i="1" spc="-15" dirty="0">
                 <a:solidFill>
                   <a:srgbClr val="777879"/>
                 </a:solidFill>
                 <a:latin typeface="AdobeClean-LightIt"/>
                 <a:cs typeface="AdobeClean-LightIt"/>
               </a:rPr>
-              <a:t>about</a:t>
-            </a:r>
-            <a:r>
-              <a:rPr sz="1100" i="1" spc="-45" dirty="0">
+              <a:t>제공</a:t>
+            </a:r>
+            <a:r>
+              <a:rPr lang="ja-jp" sz="1100" i="1" spc="-45" dirty="0">
                 <a:solidFill>
                   <a:srgbClr val="777879"/>
                 </a:solidFill>
@@ -13551,17 +12871,17 @@
               <a:t> </a:t>
             </a:r>
             <a:r>
-              <a:rPr sz="1100" i="1" spc="-15" dirty="0">
+              <a:rPr lang="ja-jp" sz="1100" i="1" spc="-15" dirty="0">
                 <a:solidFill>
                   <a:srgbClr val="777879"/>
                 </a:solidFill>
                 <a:latin typeface="AdobeClean-LightIt"/>
                 <a:cs typeface="AdobeClean-LightIt"/>
               </a:rPr>
-              <a:t>Adobe</a:t>
-            </a:r>
-            <a:r>
-              <a:rPr sz="1100" i="1" spc="-60" dirty="0">
+              <a:t>사항</a:t>
+            </a:r>
+            <a:r>
+              <a:rPr lang="ja-jp" sz="1100" i="1" spc="-60" dirty="0">
                 <a:solidFill>
                   <a:srgbClr val="777879"/>
                 </a:solidFill>
@@ -13571,327 +12891,257 @@
               <a:t> </a:t>
             </a:r>
             <a:r>
-              <a:rPr sz="1100" i="1" spc="-15" dirty="0">
+              <a:rPr lang="ja-jp" sz="1100" i="1" spc="-15" dirty="0">
                 <a:solidFill>
                   <a:srgbClr val="777879"/>
                 </a:solidFill>
                 <a:latin typeface="AdobeClean-LightIt"/>
                 <a:cs typeface="AdobeClean-LightIt"/>
               </a:rPr>
-              <a:t>Support</a:t>
-            </a:r>
-            <a:r>
-              <a:rPr lang="en-US" sz="1100" i="1" spc="-15" dirty="0">
+              <a:t>및 적합한</a:t>
+            </a:r>
+            <a:r>
+              <a:rPr lang="ja-jp" sz="1100" i="1" spc="-75" dirty="0">
                 <a:solidFill>
                   <a:srgbClr val="777879"/>
                 </a:solidFill>
                 <a:latin typeface="AdobeClean-LightIt"/>
                 <a:cs typeface="AdobeClean-LightIt"/>
               </a:rPr>
-              <a:t> Offerings</a:t>
-            </a:r>
-            <a:r>
-              <a:rPr sz="1100" i="1" spc="-75" dirty="0">
+              <a:t> </a:t>
+            </a:r>
+            <a:r>
+              <a:rPr lang="ja-jp" sz="1100" i="1" spc="-15" dirty="0">
                 <a:solidFill>
                   <a:srgbClr val="777879"/>
                 </a:solidFill>
                 <a:latin typeface="AdobeClean-LightIt"/>
                 <a:cs typeface="AdobeClean-LightIt"/>
               </a:rPr>
-              <a:t> </a:t>
-            </a:r>
-            <a:r>
-              <a:rPr sz="1100" i="1" spc="-15" dirty="0">
+              <a:t>지원</a:t>
+            </a:r>
+            <a:r>
+              <a:rPr lang="ja-jp" sz="1100" i="1" spc="-50" dirty="0">
                 <a:solidFill>
                   <a:srgbClr val="777879"/>
                 </a:solidFill>
                 <a:latin typeface="AdobeClean-LightIt"/>
                 <a:cs typeface="AdobeClean-LightIt"/>
               </a:rPr>
-              <a:t>and</a:t>
-            </a:r>
-            <a:r>
-              <a:rPr sz="1100" i="1" spc="-50" dirty="0">
+              <a:t> </a:t>
+            </a:r>
+            <a:r>
+              <a:rPr lang="ja-jp" sz="1100" i="1" spc="-15" dirty="0">
                 <a:solidFill>
                   <a:srgbClr val="777879"/>
                 </a:solidFill>
                 <a:latin typeface="AdobeClean-LightIt"/>
                 <a:cs typeface="AdobeClean-LightIt"/>
               </a:rPr>
-              <a:t> </a:t>
-            </a:r>
-            <a:r>
-              <a:rPr sz="1100" i="1" spc="-15" dirty="0">
+              <a:t>수준에</a:t>
+            </a:r>
+            <a:r>
+              <a:rPr lang="ja-jp" sz="1100" i="1" spc="-55" dirty="0">
                 <a:solidFill>
                   <a:srgbClr val="777879"/>
                 </a:solidFill>
                 <a:latin typeface="AdobeClean-LightIt"/>
                 <a:cs typeface="AdobeClean-LightIt"/>
               </a:rPr>
-              <a:t>the</a:t>
-            </a:r>
-            <a:r>
-              <a:rPr sz="1100" i="1" spc="-55" dirty="0">
+              <a:t> </a:t>
+            </a:r>
+            <a:r>
+              <a:rPr lang="ja-jp" sz="1100" i="1" spc="-15" dirty="0">
                 <a:solidFill>
                   <a:srgbClr val="777879"/>
                 </a:solidFill>
                 <a:latin typeface="AdobeClean-LightIt"/>
                 <a:cs typeface="AdobeClean-LightIt"/>
               </a:rPr>
-              <a:t> </a:t>
-            </a:r>
-            <a:r>
-              <a:rPr sz="1100" i="1" spc="-15" dirty="0">
+              <a:t>대해</a:t>
+            </a:r>
+            <a:r>
+              <a:rPr lang="ja-jp" sz="1100" i="1" spc="-95" dirty="0">
                 <a:solidFill>
                   <a:srgbClr val="777879"/>
                 </a:solidFill>
                 <a:latin typeface="AdobeClean-LightIt"/>
                 <a:cs typeface="AdobeClean-LightIt"/>
               </a:rPr>
-              <a:t>right</a:t>
-            </a:r>
-            <a:r>
-              <a:rPr sz="1100" i="1" spc="-95" dirty="0">
+              <a:t> </a:t>
+            </a:r>
+            <a:r>
+              <a:rPr lang="ja-jp" sz="1100" i="1" spc="-15" dirty="0">
                 <a:solidFill>
                   <a:srgbClr val="777879"/>
                 </a:solidFill>
                 <a:latin typeface="AdobeClean-LightIt"/>
                 <a:cs typeface="AdobeClean-LightIt"/>
               </a:rPr>
-              <a:t> </a:t>
-            </a:r>
-            <a:r>
-              <a:rPr sz="1100" i="1" spc="-15" dirty="0">
+              <a:t>자세히</a:t>
+            </a:r>
+            <a:r>
+              <a:rPr lang="ja-jp" sz="1100" i="1" spc="-55" dirty="0">
                 <a:solidFill>
                   <a:srgbClr val="777879"/>
                 </a:solidFill>
                 <a:latin typeface="AdobeClean-LightIt"/>
                 <a:cs typeface="AdobeClean-LightIt"/>
               </a:rPr>
-              <a:t>level</a:t>
-            </a:r>
-            <a:r>
-              <a:rPr sz="1100" i="1" spc="-55" dirty="0">
+              <a:t> </a:t>
+            </a:r>
+            <a:r>
+              <a:rPr lang="ja-jp" sz="1100" i="1" spc="-15" dirty="0">
                 <a:solidFill>
                   <a:srgbClr val="777879"/>
                 </a:solidFill>
                 <a:latin typeface="AdobeClean-LightIt"/>
                 <a:cs typeface="AdobeClean-LightIt"/>
               </a:rPr>
-              <a:t> </a:t>
-            </a:r>
-            <a:r>
-              <a:rPr sz="1100" i="1" spc="-15" dirty="0">
+              <a:t>알아보려면</a:t>
+            </a:r>
+            <a:r>
+              <a:rPr lang="ja-jp" sz="1100" i="1" spc="-85" dirty="0">
                 <a:solidFill>
                   <a:srgbClr val="777879"/>
                 </a:solidFill>
                 <a:latin typeface="AdobeClean-LightIt"/>
                 <a:cs typeface="AdobeClean-LightIt"/>
               </a:rPr>
-              <a:t>for</a:t>
-            </a:r>
-            <a:r>
-              <a:rPr sz="1100" i="1" spc="-85" dirty="0">
+              <a:t> </a:t>
+            </a:r>
+            <a:r>
+              <a:rPr lang="ja-jp" sz="1100" i="1" spc="-15" dirty="0">
                 <a:solidFill>
                   <a:srgbClr val="777879"/>
                 </a:solidFill>
                 <a:latin typeface="AdobeClean-LightIt"/>
                 <a:cs typeface="AdobeClean-LightIt"/>
               </a:rPr>
-              <a:t> </a:t>
-            </a:r>
-            <a:r>
-              <a:rPr sz="1100" i="1" spc="-15" dirty="0">
+              <a:t>지정</a:t>
+            </a:r>
+            <a:r>
+              <a:rPr lang="ja-jp" sz="1100" i="1" spc="-65" dirty="0">
                 <a:solidFill>
                   <a:srgbClr val="777879"/>
                 </a:solidFill>
                 <a:latin typeface="AdobeClean-LightIt"/>
                 <a:cs typeface="AdobeClean-LightIt"/>
               </a:rPr>
-              <a:t>you,</a:t>
-            </a:r>
-            <a:r>
-              <a:rPr sz="1100" i="1" spc="-65" dirty="0">
+              <a:t> </a:t>
+            </a:r>
+            <a:r>
+              <a:rPr lang="ja-jp" sz="1100" i="1" spc="-15" dirty="0">
                 <a:solidFill>
                   <a:srgbClr val="777879"/>
                 </a:solidFill>
                 <a:latin typeface="AdobeClean-LightIt"/>
                 <a:cs typeface="AdobeClean-LightIt"/>
               </a:rPr>
-              <a:t> </a:t>
-            </a:r>
-            <a:r>
-              <a:rPr sz="1100" i="1" spc="-15" dirty="0">
+              <a:t>계정</a:t>
+            </a:r>
+            <a:r>
+              <a:rPr lang="ja-jp" sz="1100" i="1" spc="-85" dirty="0">
                 <a:solidFill>
                   <a:srgbClr val="777879"/>
                 </a:solidFill>
                 <a:latin typeface="AdobeClean-LightIt"/>
                 <a:cs typeface="AdobeClean-LightIt"/>
               </a:rPr>
-              <a:t>contact</a:t>
-            </a:r>
-            <a:r>
-              <a:rPr sz="1100" i="1" spc="-85" dirty="0">
+              <a:t> </a:t>
+            </a:r>
+            <a:r>
+              <a:rPr lang="ja-jp" sz="1100" i="1" spc="-15" dirty="0">
                 <a:solidFill>
                   <a:srgbClr val="777879"/>
                 </a:solidFill>
                 <a:latin typeface="AdobeClean-LightIt"/>
                 <a:cs typeface="AdobeClean-LightIt"/>
               </a:rPr>
-              <a:t> </a:t>
-            </a:r>
-            <a:r>
-              <a:rPr sz="1100" i="1" spc="-15" dirty="0">
+              <a:t>관리자(NAM)</a:t>
+            </a:r>
+            <a:r>
+              <a:rPr lang="ja-jp" sz="1100" i="1" spc="-55" dirty="0">
                 <a:solidFill>
                   <a:srgbClr val="777879"/>
                 </a:solidFill>
                 <a:latin typeface="AdobeClean-LightIt"/>
                 <a:cs typeface="AdobeClean-LightIt"/>
               </a:rPr>
-              <a:t>your</a:t>
-            </a:r>
-            <a:r>
-              <a:rPr sz="1100" i="1" spc="-70" dirty="0">
+              <a:t> </a:t>
+            </a:r>
+            <a:r>
+              <a:rPr lang="ja-jp" sz="1100" i="1" spc="-25" dirty="0">
                 <a:solidFill>
                   <a:srgbClr val="777879"/>
                 </a:solidFill>
                 <a:latin typeface="AdobeClean-LightIt"/>
                 <a:cs typeface="AdobeClean-LightIt"/>
               </a:rPr>
-              <a:t> </a:t>
-            </a:r>
-            <a:r>
-              <a:rPr sz="1100" i="1" spc="-15" dirty="0">
+              <a:t>또는</a:t>
+            </a:r>
+            <a:r>
+              <a:rPr lang="ja-jp" sz="1100" i="1" spc="-120" dirty="0">
                 <a:solidFill>
                   <a:srgbClr val="777879"/>
                 </a:solidFill>
                 <a:latin typeface="AdobeClean-LightIt"/>
                 <a:cs typeface="AdobeClean-LightIt"/>
               </a:rPr>
-              <a:t>Named</a:t>
-            </a:r>
-            <a:r>
-              <a:rPr sz="1100" i="1" spc="-55" dirty="0">
+              <a:t> </a:t>
+            </a:r>
+            <a:r>
+              <a:rPr lang="ja-jp" sz="1100" i="1" spc="-20" dirty="0">
                 <a:solidFill>
                   <a:srgbClr val="777879"/>
                 </a:solidFill>
                 <a:latin typeface="AdobeClean-LightIt"/>
                 <a:cs typeface="AdobeClean-LightIt"/>
               </a:rPr>
-              <a:t> </a:t>
-            </a:r>
-            <a:r>
-              <a:rPr sz="1100" i="1" spc="-25" dirty="0">
+              <a:t>고객 </a:t>
+            </a:r>
+            <a:r>
+              <a:rPr lang="ja-jp" sz="1100" i="1" spc="-15" dirty="0">
                 <a:solidFill>
                   <a:srgbClr val="777879"/>
                 </a:solidFill>
                 <a:latin typeface="AdobeClean-LightIt"/>
                 <a:cs typeface="AdobeClean-LightIt"/>
               </a:rPr>
-              <a:t>Account</a:t>
-            </a:r>
-            <a:r>
-              <a:rPr sz="1100" i="1" spc="-120" dirty="0">
+              <a:t>성공 </a:t>
+            </a:r>
+            <a:r>
+              <a:rPr lang="ja-jp" sz="1100" i="1" spc="-10" dirty="0">
                 <a:solidFill>
                   <a:srgbClr val="777879"/>
                 </a:solidFill>
                 <a:latin typeface="AdobeClean-LightIt"/>
                 <a:cs typeface="AdobeClean-LightIt"/>
               </a:rPr>
-              <a:t> </a:t>
-            </a:r>
-            <a:r>
-              <a:rPr sz="1100" i="1" spc="-20" dirty="0">
+              <a:t>관리자</a:t>
+            </a:r>
+            <a:r>
+              <a:rPr lang="ja-jp" sz="1100" i="1" spc="-15" dirty="0">
                 <a:solidFill>
                   <a:srgbClr val="777879"/>
                 </a:solidFill>
                 <a:latin typeface="AdobeClean-LightIt"/>
                 <a:cs typeface="AdobeClean-LightIt"/>
               </a:rPr>
-              <a:t>Manager </a:t>
-            </a:r>
-            <a:r>
-              <a:rPr sz="1100" i="1" spc="-15" dirty="0">
+              <a:t>(CSM)에게 </a:t>
+            </a:r>
+            <a:r>
+              <a:rPr lang="ja-jp" sz="1100" i="1" spc="-20" dirty="0">
                 <a:solidFill>
                   <a:srgbClr val="777879"/>
                 </a:solidFill>
                 <a:latin typeface="AdobeClean-LightIt"/>
                 <a:cs typeface="AdobeClean-LightIt"/>
               </a:rPr>
-              <a:t>(NAM) </a:t>
-            </a:r>
-            <a:r>
-              <a:rPr sz="1100" i="1" spc="-10" dirty="0">
-                <a:solidFill>
-                  <a:srgbClr val="777879"/>
-                </a:solidFill>
-                <a:latin typeface="AdobeClean-LightIt"/>
-                <a:cs typeface="AdobeClean-LightIt"/>
-              </a:rPr>
-              <a:t>or </a:t>
-            </a:r>
-            <a:r>
-              <a:rPr sz="1100" i="1" spc="-15" dirty="0">
-                <a:solidFill>
-                  <a:srgbClr val="777879"/>
-                </a:solidFill>
-                <a:latin typeface="AdobeClean-LightIt"/>
-                <a:cs typeface="AdobeClean-LightIt"/>
-              </a:rPr>
-              <a:t>Customer </a:t>
-            </a:r>
-            <a:r>
-              <a:rPr sz="1100" i="1" spc="-20" dirty="0">
-                <a:solidFill>
-                  <a:srgbClr val="777879"/>
-                </a:solidFill>
-                <a:latin typeface="AdobeClean-LightIt"/>
-                <a:cs typeface="AdobeClean-LightIt"/>
-              </a:rPr>
-              <a:t>Success</a:t>
-            </a:r>
-            <a:r>
-              <a:rPr sz="1100" i="1" spc="-180" dirty="0">
-                <a:solidFill>
-                  <a:srgbClr val="777879"/>
-                </a:solidFill>
-                <a:latin typeface="AdobeClean-LightIt"/>
-                <a:cs typeface="AdobeClean-LightIt"/>
-              </a:rPr>
-              <a:t> </a:t>
-            </a:r>
-            <a:r>
-              <a:rPr sz="1100" i="1" spc="-15" dirty="0">
-                <a:solidFill>
-                  <a:srgbClr val="777879"/>
-                </a:solidFill>
-                <a:latin typeface="AdobeClean-LightIt"/>
-                <a:cs typeface="AdobeClean-LightIt"/>
-              </a:rPr>
-              <a:t>Manager</a:t>
-            </a:r>
-            <a:r>
-              <a:rPr lang="en-US" sz="1100" i="1" spc="-15" dirty="0">
-                <a:solidFill>
-                  <a:srgbClr val="777879"/>
-                </a:solidFill>
-                <a:latin typeface="AdobeClean-LightIt"/>
-                <a:cs typeface="AdobeClean-LightIt"/>
-              </a:rPr>
-              <a:t> </a:t>
-            </a:r>
-            <a:r>
-              <a:rPr sz="1100" i="1" spc="-15" dirty="0">
-                <a:solidFill>
-                  <a:srgbClr val="777879"/>
-                </a:solidFill>
-                <a:latin typeface="AdobeClean-LightIt"/>
-                <a:cs typeface="AdobeClean-LightIt"/>
-              </a:rPr>
-              <a:t>(CSM)</a:t>
-            </a:r>
-            <a:r>
-              <a:rPr lang="en-US" sz="1100" i="1" spc="-15" dirty="0">
+              <a:t>문의하십시오</a:t>
+            </a:r>
+            <a:r>
+              <a:rPr lang="ja-jp" sz="1100" i="1" spc="-15" dirty="0">
                 <a:solidFill>
                   <a:srgbClr val="777879"/>
                 </a:solidFill>
@@ -13915,54 +13165,34 @@
               </a:spcBef>
             </a:pPr>
             <a:r>
-              <a:rPr sz="800" spc="-5" dirty="0">
+              <a:rPr lang="ja-jp" sz="800" spc="-5" dirty="0">
                 <a:solidFill>
                   <a:srgbClr val="6D6D6D"/>
                 </a:solidFill>
                 <a:latin typeface="Adobe Clean"/>
                 <a:cs typeface="Adobe Clean"/>
               </a:rPr>
-              <a:t>©202</a:t>
-            </a:r>
-            <a:r>
-              <a:rPr lang="en-US" sz="800" spc="-5" dirty="0">
+              <a:t>©2022 Adobe.All Rights Reserved.Adobe</a:t>
+            </a:r>
+            <a:r>
+              <a:rPr lang="ja-jp" sz="800" spc="75" dirty="0">
                 <a:solidFill>
                   <a:srgbClr val="6D6D6D"/>
                 </a:solidFill>
                 <a:latin typeface="Adobe Clean"/>
                 <a:cs typeface="Adobe Clean"/>
               </a:rPr>
-              <a:t>2</a:t>
-            </a:r>
-            <a:r>
-              <a:rPr sz="800" spc="-5" dirty="0">
+              <a:t> </a:t>
+            </a:r>
+            <a:r>
+              <a:rPr lang="ja-jp" sz="800" spc="-5" dirty="0">
                 <a:solidFill>
                   <a:srgbClr val="6D6D6D"/>
                 </a:solidFill>
                 <a:latin typeface="Adobe Clean"/>
                 <a:cs typeface="Adobe Clean"/>
               </a:rPr>
-              <a:t> Adobe. All Rights Reserved. Adobe</a:t>
-            </a:r>
-            <a:r>
-              <a:rPr sz="800" spc="75" dirty="0">
-                <a:solidFill>
-                  <a:srgbClr val="6D6D6D"/>
-                </a:solidFill>
-                <a:latin typeface="Adobe Clean"/>
-                <a:cs typeface="Adobe Clean"/>
-              </a:rPr>
-              <a:t> </a:t>
-            </a:r>
-            <a:r>
-              <a:rPr sz="800" spc="-5" dirty="0">
-                <a:solidFill>
-                  <a:srgbClr val="6D6D6D"/>
-                </a:solidFill>
-                <a:latin typeface="Adobe Clean"/>
-                <a:cs typeface="Adobe Clean"/>
-              </a:rPr>
-              <a:t>Confidential.</a:t>
+              <a:t>기밀.</a:t>
             </a:r>
             <a:endParaRPr sz="800" dirty="0">
               <a:latin typeface="Adobe Clean"/>
@@ -14004,14 +13234,14 @@
               </a:spcBef>
             </a:pPr>
             <a:r>
-              <a:rPr lang="en-US" sz="1400" b="1" spc="-15" dirty="0">
+              <a:rPr lang="ja-jp" sz="1400" b="1" spc="-15" dirty="0">
                 <a:solidFill>
                   <a:srgbClr val="020302"/>
                 </a:solidFill>
                 <a:latin typeface="Adobe Clean"/>
                 <a:cs typeface="Adobe Clean"/>
               </a:rPr>
-              <a:t>Regional scope of Adobe Support, Local Hours Of Operation And Language Support</a:t>
+              <a:t>Adobe 지원의 지역적 범위, 로컬 운영 시간 및 언어 지원</a:t>
             </a:r>
             <a:endParaRPr lang="en-US" sz="1400" spc="-15" dirty="0">
               <a:ea typeface="+mn-lt"/>
@@ -14025,13 +13255,13 @@
               </a:spcBef>
             </a:pPr>
             <a:r>
-              <a:rPr lang="en-US" sz="1000" spc="-15" dirty="0">
+              <a:rPr lang="ja-jp" sz="1000" spc="-15" dirty="0">
                 <a:solidFill>
                   <a:srgbClr val="1F1F1F"/>
                 </a:solidFill>
                 <a:latin typeface="AdobeClean-Light"/>
               </a:rPr>
-              <a:t>Adobe’s local business hours align to the customer’s billing region.</a:t>
+              <a:t>Adobe의 현지 업무 시간은 고객의 과금 지역에 맞춰 조정됩니다.</a:t>
             </a:r>
           </a:p>
         </p:txBody>
@@ -14147,7 +13377,7 @@
           </a:bodyPr>
           <a:lstStyle/>
           <a:p>
-            <a:pPr marL="139065" marR="5080" indent="-139065">
+            <a:pPr marL="15875" marR="5080" algn="ctr">
               <a:lnSpc>
                 <a:spcPts val="1390"/>
               </a:lnSpc>
@@ -14156,126 +13386,45 @@
               </a:spcBef>
             </a:pPr>
             <a:r>
-              <a:rPr sz="1200" b="1" spc="-15">
+              <a:rPr lang="ja-jp" sz="1200" b="1" spc="-15">
                 <a:solidFill>
                   <a:srgbClr val="FFFFFF"/>
                 </a:solidFill>
                 <a:latin typeface="Adobe Clean"/>
                 <a:cs typeface="Adobe Clean"/>
               </a:rPr>
-              <a:t>U</a:t>
-            </a:r>
-            <a:r>
-              <a:rPr sz="1200" b="1" spc="-20">
+              <a:t>탁월한</a:t>
+            </a:r>
+            <a:r>
+              <a:rPr lang="ja-jp" sz="1200" b="1">
                 <a:solidFill>
                   <a:srgbClr val="FFFFFF"/>
                 </a:solidFill>
                 <a:latin typeface="Adobe Clean"/>
                 <a:cs typeface="Adobe Clean"/>
               </a:rPr>
-              <a:t>n</a:t>
-            </a:r>
-            <a:r>
-              <a:rPr sz="1200" b="1" spc="-25">
+              <a:t> </a:t>
+            </a:r>
+            <a:br>
+              <a:rPr lang="en-US" altLang="ja-JP" sz="1200" b="1" dirty="0">
                 <a:solidFill>
                   <a:srgbClr val="FFFFFF"/>
                 </a:solidFill>
                 <a:latin typeface="Adobe Clean"/>
                 <a:cs typeface="Adobe Clean"/>
               </a:rPr>
-              <a:t>p</a:t>
-            </a:r>
-            <a:r>
-              <a:rPr sz="1200" b="1" spc="-15">
+            </a:br>
+            <a:r>
+              <a:rPr lang="ja-jp" sz="1200" b="1" spc="-25">
                 <a:solidFill>
                   <a:srgbClr val="FFFFFF"/>
                 </a:solidFill>
                 <a:latin typeface="Adobe Clean"/>
                 <a:cs typeface="Adobe Clean"/>
               </a:rPr>
-              <a:t>a</a:t>
-            </a:r>
-            <a:r>
-              <a:rPr sz="1200" b="1" spc="-25">
-                <a:solidFill>
-                  <a:srgbClr val="FFFFFF"/>
-                </a:solidFill>
-                <a:latin typeface="Adobe Clean"/>
-                <a:cs typeface="Adobe Clean"/>
-              </a:rPr>
-              <a:t>r</a:t>
-            </a:r>
-            <a:r>
-              <a:rPr sz="1200" b="1" spc="-15">
-                <a:solidFill>
-                  <a:srgbClr val="FFFFFF"/>
-                </a:solidFill>
-                <a:latin typeface="Adobe Clean"/>
-                <a:cs typeface="Adobe Clean"/>
-              </a:rPr>
-              <a:t>a</a:t>
-            </a:r>
-            <a:r>
-              <a:rPr sz="1200" b="1" spc="-30">
-                <a:solidFill>
-                  <a:srgbClr val="FFFFFF"/>
-                </a:solidFill>
-                <a:latin typeface="Adobe Clean"/>
-                <a:cs typeface="Adobe Clean"/>
-              </a:rPr>
-              <a:t>ll</a:t>
-            </a:r>
-            <a:r>
-              <a:rPr sz="1200" b="1" spc="-25">
-                <a:solidFill>
-                  <a:srgbClr val="FFFFFF"/>
-                </a:solidFill>
-                <a:latin typeface="Adobe Clean"/>
-                <a:cs typeface="Adobe Clean"/>
-              </a:rPr>
-              <a:t>e</a:t>
-            </a:r>
-            <a:r>
-              <a:rPr sz="1200" b="1" spc="-30">
-                <a:solidFill>
-                  <a:srgbClr val="FFFFFF"/>
-                </a:solidFill>
-                <a:latin typeface="Adobe Clean"/>
-                <a:cs typeface="Adobe Clean"/>
-              </a:rPr>
-              <a:t>l</a:t>
-            </a:r>
-            <a:r>
-              <a:rPr sz="1200" b="1" spc="-25">
-                <a:solidFill>
-                  <a:srgbClr val="FFFFFF"/>
-                </a:solidFill>
-                <a:latin typeface="Adobe Clean"/>
-                <a:cs typeface="Adobe Clean"/>
-              </a:rPr>
-              <a:t>e</a:t>
-            </a:r>
-            <a:r>
-              <a:rPr sz="1200" b="1">
-                <a:solidFill>
-                  <a:srgbClr val="FFFFFF"/>
-                </a:solidFill>
-                <a:latin typeface="Adobe Clean"/>
-                <a:cs typeface="Adobe Clean"/>
-              </a:rPr>
-              <a:t>d  </a:t>
-            </a:r>
-            <a:r>
-              <a:rPr sz="1200" b="1" spc="-25">
-                <a:solidFill>
-                  <a:srgbClr val="FFFFFF"/>
-                </a:solidFill>
-                <a:latin typeface="Adobe Clean"/>
-                <a:cs typeface="Adobe Clean"/>
-              </a:rPr>
-              <a:t>Expertise</a:t>
-            </a:r>
-            <a:endParaRPr sz="1200">
+              <a:t>전문성</a:t>
+            </a:r>
+            <a:endParaRPr sz="1200" dirty="0">
               <a:latin typeface="Adobe Clean"/>
               <a:cs typeface="Adobe Clean"/>
             </a:endParaRPr>
@@ -14297,7 +13446,7 @@
         <p:spPr>
           <a:xfrm>
             <a:off x="4732495" y="8541244"/>
-            <a:ext cx="810895" cy="382797"/>
+            <a:ext cx="810895" cy="203261"/>
           </a:xfrm>
           <a:prstGeom prst="rect">
             <a:avLst/>
@@ -14309,7 +13458,7 @@
           </a:bodyPr>
           <a:lstStyle/>
           <a:p>
-            <a:pPr marL="139065" marR="5080" indent="-139065">
+            <a:pPr marL="15875" marR="5080" indent="-15875">
               <a:lnSpc>
                 <a:spcPts val="1390"/>
               </a:lnSpc>
@@ -14318,16 +13467,16 @@
               </a:spcBef>
             </a:pPr>
             <a:r>
-              <a:rPr lang="en-US" sz="1200" b="1" spc="-15">
+              <a:rPr lang="ja-jp" sz="1200" b="1" spc="-15">
                 <a:solidFill>
                   <a:srgbClr val="FFFFFF"/>
                 </a:solidFill>
                 <a:latin typeface="Adobe Clean"/>
                 <a:cs typeface="Adobe Clean"/>
               </a:rPr>
-              <a:t>Accelerated Support</a:t>
-            </a:r>
-            <a:endParaRPr sz="1200">
+              <a:t>신속한 지원</a:t>
+            </a:r>
+            <a:endParaRPr sz="1200" dirty="0">
               <a:latin typeface="Adobe Clean"/>
               <a:cs typeface="Adobe Clean"/>
             </a:endParaRPr>
@@ -14361,7 +13510,7 @@
           </a:bodyPr>
           <a:lstStyle/>
           <a:p>
-            <a:pPr marL="50800" marR="5080" indent="-51435">
+            <a:pPr marL="50800" marR="5080" indent="12700" algn="ctr">
               <a:lnSpc>
                 <a:spcPts val="1390"/>
               </a:lnSpc>
@@ -14370,106 +13519,36 @@
               </a:spcBef>
             </a:pPr>
             <a:r>
-              <a:rPr sz="1200" b="1" spc="-50">
+              <a:rPr lang="ja-jp" sz="1200" b="1" spc="-50">
                 <a:solidFill>
                   <a:srgbClr val="FFFFFF"/>
                 </a:solidFill>
                 <a:latin typeface="Adobe Clean"/>
                 <a:cs typeface="Adobe Clean"/>
               </a:rPr>
-              <a:t>S</a:t>
-            </a:r>
-            <a:r>
-              <a:rPr sz="1200" b="1" spc="-20">
+              <a:t>전략적</a:t>
+            </a:r>
+            <a:r>
+              <a:rPr lang="ja-jp" sz="1200" b="1">
                 <a:solidFill>
                   <a:srgbClr val="FFFFFF"/>
                 </a:solidFill>
                 <a:latin typeface="Adobe Clean"/>
                 <a:cs typeface="Adobe Clean"/>
               </a:rPr>
-              <a:t>t</a:t>
-            </a:r>
-            <a:r>
-              <a:rPr sz="1200" b="1" spc="-75">
+              <a:t> </a:t>
+            </a:r>
+            <a:r>
+              <a:rPr lang="ja-jp" sz="1200" b="1" spc="-45">
                 <a:solidFill>
                   <a:srgbClr val="FFFFFF"/>
                 </a:solidFill>
                 <a:latin typeface="Adobe Clean"/>
                 <a:cs typeface="Adobe Clean"/>
               </a:rPr>
-              <a:t>r</a:t>
-            </a:r>
-            <a:r>
-              <a:rPr sz="1200" b="1" spc="-90">
-                <a:solidFill>
-                  <a:srgbClr val="FFFFFF"/>
-                </a:solidFill>
-                <a:latin typeface="Adobe Clean"/>
-                <a:cs typeface="Adobe Clean"/>
-              </a:rPr>
-              <a:t>a</a:t>
-            </a:r>
-            <a:r>
-              <a:rPr sz="1200" b="1" spc="-55">
-                <a:solidFill>
-                  <a:srgbClr val="FFFFFF"/>
-                </a:solidFill>
-                <a:latin typeface="Adobe Clean"/>
-                <a:cs typeface="Adobe Clean"/>
-              </a:rPr>
-              <a:t>t</a:t>
-            </a:r>
-            <a:r>
-              <a:rPr sz="1200" b="1" spc="-100">
-                <a:solidFill>
-                  <a:srgbClr val="FFFFFF"/>
-                </a:solidFill>
-                <a:latin typeface="Adobe Clean"/>
-                <a:cs typeface="Adobe Clean"/>
-              </a:rPr>
-              <a:t>e</a:t>
-            </a:r>
-            <a:r>
-              <a:rPr sz="1200" b="1" spc="-80">
-                <a:solidFill>
-                  <a:srgbClr val="FFFFFF"/>
-                </a:solidFill>
-                <a:latin typeface="Adobe Clean"/>
-                <a:cs typeface="Adobe Clean"/>
-              </a:rPr>
-              <a:t>g</a:t>
-            </a:r>
-            <a:r>
-              <a:rPr sz="1200" b="1" spc="-35">
-                <a:solidFill>
-                  <a:srgbClr val="FFFFFF"/>
-                </a:solidFill>
-                <a:latin typeface="Adobe Clean"/>
-                <a:cs typeface="Adobe Clean"/>
-              </a:rPr>
-              <a:t>i</a:t>
-            </a:r>
-            <a:r>
-              <a:rPr sz="1200" b="1">
-                <a:solidFill>
-                  <a:srgbClr val="FFFFFF"/>
-                </a:solidFill>
-                <a:latin typeface="Adobe Clean"/>
-                <a:cs typeface="Adobe Clean"/>
-              </a:rPr>
-              <a:t>c  </a:t>
-            </a:r>
-            <a:r>
-              <a:rPr sz="1200" b="1" spc="-45">
-                <a:solidFill>
-                  <a:srgbClr val="FFFFFF"/>
-                </a:solidFill>
-                <a:latin typeface="Adobe Clean"/>
-                <a:cs typeface="Adobe Clean"/>
-              </a:rPr>
-              <a:t>Advice</a:t>
-            </a:r>
-            <a:endParaRPr sz="1200">
+              <a:t>조언</a:t>
+            </a:r>
+            <a:endParaRPr sz="1200" dirty="0">
               <a:latin typeface="Adobe Clean"/>
               <a:cs typeface="Adobe Clean"/>
             </a:endParaRPr>
@@ -14478,7 +13557,7 @@
       </p:sp>
       <p:pic>
         <p:nvPicPr>
-          <p:cNvPr id="8" name="Graphic 7" descr="Target outline">
+          <p:cNvPr id="8" name="Graphic 7" descr="타겟 개요">
             <a:extLst>
               <a:ext uri="{FF2B5EF4-FFF2-40B4-BE49-F238E27FC236}">
                 <a16:creationId xmlns:a16="http://schemas.microsoft.com/office/drawing/2014/main" id="{1EAA263E-04A7-0D46-952E-EA3033B45116}"/>
@@ -14517,7 +13596,7 @@
       </p:pic>
       <p:pic>
         <p:nvPicPr>
-          <p:cNvPr id="10" name="Graphic 9" descr="Rocket outline">
+          <p:cNvPr id="10" name="Graphic 9" descr="로켓 개요">
             <a:extLst>
               <a:ext uri="{FF2B5EF4-FFF2-40B4-BE49-F238E27FC236}">
                 <a16:creationId xmlns:a16="http://schemas.microsoft.com/office/drawing/2014/main" id="{A068EBC3-B418-4E4A-A520-101CA4B39F23}"/>
@@ -14556,7 +13635,7 @@
       </p:pic>
       <p:pic>
         <p:nvPicPr>
-          <p:cNvPr id="12" name="Graphic 11" descr="Medal outline">
+          <p:cNvPr id="12" name="Graphic 11" descr="메달 개요">
             <a:extLst>
               <a:ext uri="{FF2B5EF4-FFF2-40B4-BE49-F238E27FC236}">
                 <a16:creationId xmlns:a16="http://schemas.microsoft.com/office/drawing/2014/main" id="{C7BEFC2D-0CA6-0448-B9FA-6E1581CA6D36}"/>
@@ -14615,7 +13694,7 @@
         </p:nvGraphicFramePr>
         <p:xfrm>
           <a:off x="152369" y="5825070"/>
-          <a:ext cx="7391400" cy="1336040"/>
+          <a:ext cx="7391400" cy="1280160"/>
         </p:xfrm>
         <a:graphic>
           <a:graphicData uri="http://schemas.openxmlformats.org/drawingml/2006/table">
@@ -14661,16 +13740,16 @@
                     <a:p>
                       <a:pPr algn="ctr"/>
                       <a:r>
-                        <a:rPr lang="en-US" sz="1100">
+                        <a:rPr lang="ja-jp" sz="1100">
                           <a:solidFill>
                             <a:schemeClr val="tx1"/>
                           </a:solidFill>
                           <a:latin typeface="Adobe Clean" panose="020B0503020404020204" pitchFamily="34" charset="0"/>
                         </a:rPr>
-                        <a:t>Americas </a:t>
+                        <a:t>미주 </a:t>
                       </a:r>
                       <a:r>
-                        <a:rPr lang="en-US" sz="1100" baseline="30000">
+                        <a:rPr lang="ja-jp" sz="1100" baseline="30000">
                           <a:solidFill>
                             <a:schemeClr val="tx1"/>
                           </a:solidFill>
@@ -14735,13 +13814,13 @@
                     <a:p>
                       <a:pPr algn="ctr"/>
                       <a:r>
-                        <a:rPr lang="en-US" sz="1100">
+                        <a:rPr lang="ja-jp" sz="1100">
                           <a:solidFill>
                             <a:schemeClr val="tx1"/>
                           </a:solidFill>
                           <a:latin typeface="Adobe Clean" panose="020B0503020404020204" pitchFamily="34" charset="0"/>
                         </a:rPr>
-                        <a:t>Europe, Middle East &amp; Africa</a:t>
+                        <a:t>유럽, 중동 및 아프리카</a:t>
                       </a:r>
                     </a:p>
                   </a:txBody>
@@ -14800,13 +13879,13 @@
                     <a:p>
                       <a:pPr algn="ctr"/>
                       <a:r>
-                        <a:rPr lang="en-US" sz="1100">
+                        <a:rPr lang="ja-jp" sz="1100">
                           <a:solidFill>
                             <a:schemeClr val="tx1"/>
                           </a:solidFill>
                           <a:latin typeface="Adobe Clean" panose="020B0503020404020204" pitchFamily="34" charset="0"/>
                         </a:rPr>
-                        <a:t>Asia Pacific</a:t>
+                        <a:t>아시아 태평양</a:t>
                       </a:r>
                     </a:p>
                   </a:txBody>
@@ -14865,13 +13944,13 @@
                     <a:p>
                       <a:pPr algn="ctr"/>
                       <a:r>
-                        <a:rPr lang="en-US" sz="1100">
+                        <a:rPr lang="ja-jp" sz="1100">
                           <a:solidFill>
                             <a:schemeClr val="tx1"/>
                           </a:solidFill>
                           <a:latin typeface="Adobe Clean" panose="020B0503020404020204" pitchFamily="34" charset="0"/>
                         </a:rPr>
-                        <a:t>Japan </a:t>
+                        <a:t>일본</a:t>
                       </a:r>
                     </a:p>
                   </a:txBody>
@@ -14937,7 +14016,7 @@
                     <a:p>
                       <a:pPr algn="ctr"/>
                       <a:r>
-                        <a:rPr lang="en-US" sz="1100">
+                        <a:rPr lang="ja-jp" sz="1100">
                           <a:solidFill>
                             <a:schemeClr val="tx1"/>
                           </a:solidFill>
@@ -15002,13 +14081,13 @@
                     <a:p>
                       <a:pPr algn="ctr"/>
                       <a:r>
-                        <a:rPr lang="en-US" sz="1100">
+                        <a:rPr lang="ja-jp" sz="1100">
                           <a:solidFill>
                             <a:schemeClr val="tx1"/>
                           </a:solidFill>
                           <a:latin typeface="Adobe Clean" panose="020B0503020404020204" pitchFamily="34" charset="0"/>
                         </a:rPr>
-                        <a:t>9 am – 5 pm</a:t>
+                        <a:t>오전 9시~오후 5시</a:t>
                       </a:r>
                     </a:p>
                   </a:txBody>
@@ -15067,13 +14146,13 @@
                     <a:p>
                       <a:pPr algn="ctr"/>
                       <a:r>
-                        <a:rPr lang="en-US" sz="1100">
+                        <a:rPr lang="ja-jp" sz="1100">
                           <a:solidFill>
                             <a:schemeClr val="tx1"/>
                           </a:solidFill>
                           <a:latin typeface="Adobe Clean" panose="020B0503020404020204" pitchFamily="34" charset="0"/>
                         </a:rPr>
-                        <a:t>9 am – 5 pm</a:t>
+                        <a:t>오전 9시~오후 5시</a:t>
                       </a:r>
                     </a:p>
                   </a:txBody>
@@ -15132,13 +14211,13 @@
                     <a:p>
                       <a:pPr algn="ctr"/>
                       <a:r>
-                        <a:rPr lang="en-US" sz="1100">
+                        <a:rPr lang="ja-jp" sz="1100">
                           <a:solidFill>
                             <a:schemeClr val="tx1"/>
                           </a:solidFill>
                           <a:latin typeface="Adobe Clean" panose="020B0503020404020204" pitchFamily="34" charset="0"/>
                         </a:rPr>
-                        <a:t>9 am – 5:30 pm</a:t>
+                        <a:t>오전 9시~오후 5시 30분</a:t>
                       </a:r>
                     </a:p>
                   </a:txBody>
@@ -15245,7 +14324,7 @@
                         <a:defRPr/>
                       </a:pPr>
                       <a:r>
-                        <a:rPr lang="en-US" sz="1100" baseline="30000" dirty="0">
+                        <a:rPr lang="ja-jp" sz="1100" baseline="30000" dirty="0">
                           <a:solidFill>
                             <a:schemeClr val="tx1"/>
                           </a:solidFill>
@@ -15254,13 +14333,13 @@
                         <a:t>1</a:t>
                       </a:r>
                       <a:r>
-                        <a:rPr lang="en-US" sz="1100" dirty="0">
+                        <a:rPr lang="ja-jp" sz="1100" dirty="0">
                           <a:solidFill>
                             <a:schemeClr val="tx1"/>
                           </a:solidFill>
                           <a:latin typeface="Adobe Clean" panose="020B0503020404020204" pitchFamily="34" charset="0"/>
                         </a:rPr>
-                        <a:t>Americas Language support available in English only.</a:t>
+                        <a:t>미주 언어 지원은 영어로만 제공됩니다.</a:t>
                       </a:r>
                     </a:p>
                     <a:p>
@@ -15594,7 +14673,7 @@
                         <a:buNone/>
                       </a:pPr>
                       <a:r>
-                        <a:rPr lang="en-US" sz="1200" b="0" strike="noStrike" dirty="0">
+                        <a:rPr lang="ja-jp" sz="1200" b="0" strike="noStrike" dirty="0">
                           <a:solidFill>
                             <a:srgbClr val="5F5F5F"/>
                           </a:solidFill>
@@ -15603,7 +14682,7 @@
                           <a:cs typeface="+mn-cs"/>
                           <a:hlinkClick r:id="rId13"/>
                         </a:rPr>
-                        <a:t>Enterprise Learn &amp; Support</a:t>
+                        <a:t>Enterprise 학습 및 지원</a:t>
                       </a:r>
                       <a:endParaRPr lang="en-US"/>
                     </a:p>
@@ -15677,7 +14756,7 @@
                         <a:buNone/>
                       </a:pPr>
                       <a:r>
-                        <a:rPr lang="en-US" sz="1000" b="0" strike="noStrike" kern="1200" dirty="0">
+                        <a:rPr lang="ja-jp" sz="1000" b="0" strike="noStrike" kern="1200" dirty="0">
                           <a:solidFill>
                             <a:schemeClr val="tx1"/>
                           </a:solidFill>
@@ -15685,7 +14764,7 @@
                           <a:ea typeface="+mn-ea"/>
                           <a:cs typeface="+mn-cs"/>
                         </a:rPr>
-                        <a:t>Enterprise Learn &amp; Support is a place where Adobe customers can find self-help tutorials, product documentation, instructor-led training, community and support for select Adobe Creative Cloud and Document products.</a:t>
+                        <a:t>엔터프라이즈 학습 및 지원은 Adobe 고객이 Adobe Creative Cloud 및 Document Cloud 제품 선택에 대한 자가 진단 튜토리얼, 제품 설명서, 강의식 교육, 커뮤니티 및 기술 지원을 찾을 수 있는 공간입니다.</a:t>
                       </a:r>
                     </a:p>
                   </a:txBody>
@@ -15767,7 +14846,7 @@
                         <a:defRPr/>
                       </a:pPr>
                       <a:r>
-                        <a:rPr lang="en-US" sz="1200" strike="noStrike" dirty="0">
+                        <a:rPr lang="ja-jp" sz="1200" strike="noStrike" dirty="0">
                           <a:solidFill>
                             <a:srgbClr val="5F5F5F"/>
                           </a:solidFill>
@@ -15783,7 +14862,7 @@
                             </a:extLst>
                           </a:hlinkClick>
                         </a:rPr>
-                        <a:t>Adobe Support Community </a:t>
+                        <a:t>Adobe 지원 커뮤니티 </a:t>
                       </a:r>
                       <a:endParaRPr lang="en-US" sz="1200" strike="noStrike" dirty="0">
                         <a:solidFill>
@@ -15867,7 +14946,7 @@
                         <a:defRPr/>
                       </a:pPr>
                       <a:r>
-                        <a:rPr lang="en-US" sz="1000" strike="noStrike" kern="1200" dirty="0">
+                        <a:rPr lang="ja-jp" sz="1000" strike="noStrike" kern="1200" dirty="0">
                           <a:solidFill>
                             <a:schemeClr val="tx1"/>
                           </a:solidFill>
@@ -15875,7 +14954,7 @@
                           <a:ea typeface="+mn-ea"/>
                           <a:cs typeface="+mn-cs"/>
                         </a:rPr>
-                        <a:t>The Adobe Support Community is the place to ask questions, find answers, learn from experts and share your knowledge.</a:t>
+                        <a:t>Adobe 지원 커뮤니티는 질문을 묻고, 답변을 얻고, 전문가의 의견을 구하고, 지식을 공유할 수 있는 공간입니다.</a:t>
                       </a:r>
                       <a:endParaRPr lang="en-US" sz="1000" strike="noStrike" kern="1200" dirty="0">
                         <a:solidFill>
@@ -15968,7 +15047,7 @@
                         <a:defRPr/>
                       </a:pPr>
                       <a:r>
-                        <a:rPr lang="en-US" sz="1200" dirty="0">
+                        <a:rPr lang="ja-jp" sz="1200" dirty="0">
                           <a:solidFill>
                             <a:srgbClr val="5F5F5F"/>
                           </a:solidFill>
@@ -15984,7 +15063,7 @@
                             </a:extLst>
                           </a:hlinkClick>
                         </a:rPr>
-                        <a:t>Production Issues &amp; System Outages</a:t>
+                        <a:t>생산 문제 및 시스템 중단</a:t>
                       </a:r>
                       <a:endParaRPr lang="en-US" sz="1200" dirty="0">
                         <a:solidFill>
@@ -16068,7 +15147,7 @@
                         <a:defRPr/>
                       </a:pPr>
                       <a:r>
-                        <a:rPr lang="en-US" sz="1000" kern="1200" dirty="0">
+                        <a:rPr lang="ja-jp" sz="1000" kern="1200" dirty="0">
                           <a:solidFill>
                             <a:schemeClr val="tx1"/>
                           </a:solidFill>
@@ -16076,7 +15155,7 @@
                           <a:ea typeface="+mn-ea"/>
                           <a:cs typeface="+mn-cs"/>
                         </a:rPr>
-                        <a:t>Status.adobe.com conveys the health information of all Adobe products and services that are deployed in multi-tenant environments. Customers can choose their subscription preferences to get email notifications whenever Adobe creates, updates or resolves a product event. This can include scheduled maintenance or service issues of varying levels of severity. </a:t>
+                        <a:t>Status.adobe.com은 다중 테넌트 환경에 배포된 모든 Adobe 제품 및 서비스의 상태 정보를 전달합니다.고객은 구독 기본 설정을 선택하여 Adobe가 제품 이벤트를 생성 업데이트 또는 해결할 때마다 이메일 알림을 받을 수 있습니다.여기에는 예정된 유지 관리 또는 다양한 심각도 수준의 서비스 문제가 포함될 수 있습니다.</a:t>
                       </a:r>
                     </a:p>
                   </a:txBody>
@@ -16158,7 +15237,7 @@
                         <a:defRPr/>
                       </a:pPr>
                       <a:r>
-                        <a:rPr lang="en-US" sz="1200" dirty="0">
+                        <a:rPr lang="ja-jp" sz="1200" dirty="0">
                           <a:solidFill>
                             <a:srgbClr val="5F5F5F"/>
                           </a:solidFill>
@@ -16174,7 +15253,7 @@
                             </a:extLst>
                           </a:hlinkClick>
                         </a:rPr>
-                        <a:t>Terms and Conditions</a:t>
+                        <a:t>약관</a:t>
                       </a:r>
                       <a:endParaRPr lang="en-US" sz="1200" dirty="0">
                         <a:solidFill>
@@ -16241,7 +15320,7 @@
                     <a:lstStyle/>
                     <a:p>
                       <a:r>
-                        <a:rPr lang="en-US" sz="1000" kern="1200" dirty="0">
+                        <a:rPr lang="ja-jp" sz="1000" kern="1200" dirty="0">
                           <a:solidFill>
                             <a:schemeClr val="tx1"/>
                           </a:solidFill>
@@ -16249,7 +15328,7 @@
                           <a:ea typeface="+mn-ea"/>
                           <a:cs typeface="+mn-cs"/>
                         </a:rPr>
-                        <a:t>Terms and conditions detailing Support Services offerings.</a:t>
+                        <a:t>지원 서비스 제공 사항을 자세히 설명하는 약관입니다.</a:t>
                       </a:r>
                     </a:p>
                   </a:txBody>
@@ -16951,12 +16030,21 @@
 </file>
 
 <file path=customXml/item1.xml><?xml version="1.0" encoding="utf-8"?>
+<?mso-contentType ?>
+<FormTemplates xmlns="http://schemas.microsoft.com/sharepoint/v3/contenttype/forms">
+  <Display>DocumentLibraryForm</Display>
+  <Edit>DocumentLibraryForm</Edit>
+  <New>DocumentLibraryForm</New>
+</FormTemplates>
+</file>
+
+<file path=customXml/item2.xml><?xml version="1.0" encoding="utf-8"?>
 <p:properties xmlns:p="http://schemas.microsoft.com/office/2006/metadata/properties" xmlns:xsi="http://www.w3.org/2001/XMLSchema-instance" xmlns:pc="http://schemas.microsoft.com/office/infopath/2007/PartnerControls">
   <documentManagement/>
 </p:properties>
 </file>
 
-<file path=customXml/item2.xml><?xml version="1.0" encoding="utf-8"?>
+<file path=customXml/item3.xml><?xml version="1.0" encoding="utf-8"?>
 <ct:contentTypeSchema xmlns:ct="http://schemas.microsoft.com/office/2006/metadata/contentType" xmlns:ma="http://schemas.microsoft.com/office/2006/metadata/properties/metaAttributes" ct:_="" ma:_="" ma:contentTypeName="Document" ma:contentTypeID="0x0101009423269C2B3A1A408FE719AA0C68584E" ma:contentTypeVersion="12" ma:contentTypeDescription="Create a new document." ma:contentTypeScope="" ma:versionID="bb0e62b6784238cdabe687d3bb80e52e">
   <xsd:schema xmlns:xsd="http://www.w3.org/2001/XMLSchema" xmlns:xs="http://www.w3.org/2001/XMLSchema" xmlns:p="http://schemas.microsoft.com/office/2006/metadata/properties" xmlns:ns2="01e63850-2818-4a9f-a0cd-2d4201ad5cd5" xmlns:ns3="281057cd-4f7e-4aa3-94a7-05201549cd15" targetNamespace="http://schemas.microsoft.com/office/2006/metadata/properties" ma:root="true" ma:fieldsID="8056aed6c30138b1a2c5f47f967a193a" ns2:_="" ns3:_="">
     <xsd:import namespace="01e63850-2818-4a9f-a0cd-2d4201ad5cd5"/>
@@ -17173,16 +16261,15 @@
 </ct:contentTypeSchema>
 </file>
 
-<file path=customXml/item3.xml><?xml version="1.0" encoding="utf-8"?>
-<?mso-contentType ?>
-<FormTemplates xmlns="http://schemas.microsoft.com/sharepoint/v3/contenttype/forms">
-  <Display>DocumentLibraryForm</Display>
-  <Edit>DocumentLibraryForm</Edit>
-  <New>DocumentLibraryForm</New>
-</FormTemplates>
+<file path=customXml/itemProps1.xml><?xml version="1.0" encoding="utf-8"?>
+<ds:datastoreItem xmlns:ds="http://schemas.openxmlformats.org/officeDocument/2006/customXml" ds:itemID="{669D9D3B-3229-44EE-9964-24A06AE66887}">
+  <ds:schemaRefs>
+    <ds:schemaRef ds:uri="http://schemas.microsoft.com/sharepoint/v3/contenttype/forms"/>
+  </ds:schemaRefs>
+</ds:datastoreItem>
 </file>
 
-<file path=customXml/itemProps1.xml><?xml version="1.0" encoding="utf-8"?>
+<file path=customXml/itemProps2.xml><?xml version="1.0" encoding="utf-8"?>
 <ds:datastoreItem xmlns:ds="http://schemas.openxmlformats.org/officeDocument/2006/customXml" ds:itemID="{CED41536-010B-47B1-9229-B72BE4090090}">
   <ds:schemaRefs>
     <ds:schemaRef ds:uri="http://schemas.microsoft.com/office/infopath/2007/PartnerControls"/>
@@ -17199,7 +16286,7 @@
 </ds:datastoreItem>
 </file>
 
-<file path=customXml/itemProps2.xml><?xml version="1.0" encoding="utf-8"?>
+<file path=customXml/itemProps3.xml><?xml version="1.0" encoding="utf-8"?>
 <ds:datastoreItem xmlns:ds="http://schemas.openxmlformats.org/officeDocument/2006/customXml" ds:itemID="{0EEE7932-C187-4002-9C84-B829A593B1DD}">
   <ds:schemaRefs>
     <ds:schemaRef ds:uri="http://schemas.microsoft.com/office/2006/metadata/contentType"/>
@@ -17216,12 +16303,4 @@
     <ds:schemaRef ds:uri="http://schemas.microsoft.com/internal/obd"/>
   </ds:schemaRefs>
 </ds:datastoreItem>
-</file>
-
-<file path=customXml/itemProps3.xml><?xml version="1.0" encoding="utf-8"?>
-<ds:datastoreItem xmlns:ds="http://schemas.openxmlformats.org/officeDocument/2006/customXml" ds:itemID="{669D9D3B-3229-44EE-9964-24A06AE66887}">
-  <ds:schemaRefs>
-    <ds:schemaRef ds:uri="http://schemas.microsoft.com/sharepoint/v3/contenttype/forms"/>
-  </ds:schemaRefs>
-</ds:datastoreItem>
 </file>